--- a/申优答辩工作/申优答辩/Team108-申优答辩.pptx
+++ b/申优答辩工作/申优答辩/Team108-申优答辩.pptx
@@ -5,7 +5,7 @@
     <p:sldMasterId id="2147483648" r:id="rId1"/>
   </p:sldMasterIdLst>
   <p:notesMasterIdLst>
-    <p:notesMasterId r:id="rId14"/>
+    <p:notesMasterId r:id="rId21"/>
   </p:notesMasterIdLst>
   <p:sldIdLst>
     <p:sldId id="1729" r:id="rId3"/>
@@ -13,17 +13,24 @@
     <p:sldId id="258" r:id="rId5"/>
     <p:sldId id="1765" r:id="rId6"/>
     <p:sldId id="1766" r:id="rId7"/>
-    <p:sldId id="1767" r:id="rId8"/>
-    <p:sldId id="1768" r:id="rId9"/>
-    <p:sldId id="1769" r:id="rId10"/>
-    <p:sldId id="1803" r:id="rId11"/>
-    <p:sldId id="1837" r:id="rId12"/>
-    <p:sldId id="1839" r:id="rId13"/>
+    <p:sldId id="1840" r:id="rId8"/>
+    <p:sldId id="1841" r:id="rId9"/>
+    <p:sldId id="1842" r:id="rId10"/>
+    <p:sldId id="1844" r:id="rId11"/>
+    <p:sldId id="1845" r:id="rId12"/>
+    <p:sldId id="1846" r:id="rId13"/>
+    <p:sldId id="1847" r:id="rId14"/>
+    <p:sldId id="1767" r:id="rId15"/>
+    <p:sldId id="1768" r:id="rId16"/>
+    <p:sldId id="1769" r:id="rId17"/>
+    <p:sldId id="1803" r:id="rId18"/>
+    <p:sldId id="1837" r:id="rId19"/>
+    <p:sldId id="1839" r:id="rId20"/>
   </p:sldIdLst>
   <p:sldSz cx="12192000" cy="6858000"/>
   <p:notesSz cx="6858000" cy="9144000"/>
   <p:custDataLst>
-    <p:tags r:id="rId18"/>
+    <p:tags r:id="rId25"/>
   </p:custDataLst>
   <p:defaultTextStyle>
     <a:defPPr>
@@ -6658,6 +6665,1191 @@
       </p:grpSpPr>
       <p:sp>
         <p:nvSpPr>
+          <p:cNvPr id="2" name="标题 1"/>
+          <p:cNvSpPr>
+            <a:spLocks noGrp="1"/>
+          </p:cNvSpPr>
+          <p:nvPr>
+            <p:ph type="title"/>
+          </p:nvPr>
+        </p:nvSpPr>
+        <p:spPr/>
+        <p:txBody>
+          <a:bodyPr/>
+          <a:lstStyle/>
+          <a:p>
+            <a:r>
+              <a:rPr lang="zh-CN" altLang="en-US" dirty="0"/>
+              <a:t>技术线</a:t>
+            </a:r>
+            <a:endParaRPr lang="zh-CN" altLang="en-US" dirty="0"/>
+          </a:p>
+        </p:txBody>
+      </p:sp>
+      <p:sp>
+        <p:nvSpPr>
+          <p:cNvPr id="3" name="矩形: 圆角 2"/>
+          <p:cNvSpPr/>
+          <p:nvPr/>
+        </p:nvSpPr>
+        <p:spPr>
+          <a:xfrm>
+            <a:off x="1925468" y="1287379"/>
+            <a:ext cx="2827421" cy="2165684"/>
+          </a:xfrm>
+          <a:prstGeom prst="roundRect">
+            <a:avLst/>
+          </a:prstGeom>
+          <a:solidFill>
+            <a:srgbClr val="00B050"/>
+          </a:solidFill>
+          <a:ln>
+            <a:solidFill>
+              <a:srgbClr val="00B050"/>
+            </a:solidFill>
+          </a:ln>
+        </p:spPr>
+        <p:style>
+          <a:lnRef idx="2">
+            <a:schemeClr val="accent1">
+              <a:shade val="50000"/>
+            </a:schemeClr>
+          </a:lnRef>
+          <a:fillRef idx="1">
+            <a:schemeClr val="accent1"/>
+          </a:fillRef>
+          <a:effectRef idx="0">
+            <a:schemeClr val="accent1"/>
+          </a:effectRef>
+          <a:fontRef idx="minor">
+            <a:schemeClr val="lt1"/>
+          </a:fontRef>
+        </p:style>
+        <p:txBody>
+          <a:bodyPr rtlCol="0" anchor="ctr"/>
+          <a:lstStyle/>
+          <a:p>
+            <a:pPr algn="ctr"/>
+            <a:r>
+              <a:rPr lang="zh-CN" altLang="en-US" sz="4000" dirty="0"/>
+              <a:t>跟随模式</a:t>
+            </a:r>
+            <a:endParaRPr lang="zh-CN" altLang="en-US" sz="4000" dirty="0"/>
+          </a:p>
+        </p:txBody>
+      </p:sp>
+      <p:sp>
+        <p:nvSpPr>
+          <p:cNvPr id="5" name="矩形: 圆角 4"/>
+          <p:cNvSpPr/>
+          <p:nvPr/>
+        </p:nvSpPr>
+        <p:spPr>
+          <a:xfrm>
+            <a:off x="7453081" y="1287379"/>
+            <a:ext cx="2827421" cy="2165684"/>
+          </a:xfrm>
+          <a:prstGeom prst="roundRect">
+            <a:avLst/>
+          </a:prstGeom>
+          <a:solidFill>
+            <a:srgbClr val="0070C0"/>
+          </a:solidFill>
+          <a:ln>
+            <a:solidFill>
+              <a:srgbClr val="0070C0"/>
+            </a:solidFill>
+          </a:ln>
+        </p:spPr>
+        <p:style>
+          <a:lnRef idx="2">
+            <a:schemeClr val="accent1">
+              <a:shade val="50000"/>
+            </a:schemeClr>
+          </a:lnRef>
+          <a:fillRef idx="1">
+            <a:schemeClr val="accent1"/>
+          </a:fillRef>
+          <a:effectRef idx="0">
+            <a:schemeClr val="accent1"/>
+          </a:effectRef>
+          <a:fontRef idx="minor">
+            <a:schemeClr val="lt1"/>
+          </a:fontRef>
+        </p:style>
+        <p:txBody>
+          <a:bodyPr rtlCol="0" anchor="ctr"/>
+          <a:lstStyle/>
+          <a:p>
+            <a:pPr algn="ctr"/>
+            <a:r>
+              <a:rPr lang="zh-CN" altLang="en-US" sz="4000" dirty="0"/>
+              <a:t>手动模式</a:t>
+            </a:r>
+            <a:endParaRPr lang="zh-CN" altLang="en-US" sz="4000" dirty="0"/>
+          </a:p>
+        </p:txBody>
+      </p:sp>
+      <p:sp>
+        <p:nvSpPr>
+          <p:cNvPr id="6" name="矩形 5"/>
+          <p:cNvSpPr/>
+          <p:nvPr/>
+        </p:nvSpPr>
+        <p:spPr>
+          <a:xfrm>
+            <a:off x="1876138" y="3711742"/>
+            <a:ext cx="2926080" cy="2306955"/>
+          </a:xfrm>
+          <a:prstGeom prst="rect">
+            <a:avLst/>
+          </a:prstGeom>
+          <a:noFill/>
+        </p:spPr>
+        <p:txBody>
+          <a:bodyPr wrap="none" lIns="91440" tIns="45720" rIns="91440" bIns="45720">
+            <a:spAutoFit/>
+          </a:bodyPr>
+          <a:lstStyle/>
+          <a:p>
+            <a:pPr algn="ctr" fontAlgn="auto">
+              <a:lnSpc>
+                <a:spcPct val="150000"/>
+              </a:lnSpc>
+            </a:pPr>
+            <a:r>
+              <a:rPr lang="zh-CN" altLang="en-US" sz="2400" b="0" cap="none" spc="0" dirty="0">
+                <a:ln w="0"/>
+                <a:solidFill>
+                  <a:schemeClr val="tx1"/>
+                </a:solidFill>
+                <a:effectLst>
+                  <a:outerShdw blurRad="38100" dist="19050" dir="2700000" algn="tl" rotWithShape="0">
+                    <a:schemeClr val="dk1">
+                      <a:alpha val="40000"/>
+                    </a:schemeClr>
+                  </a:outerShdw>
+                </a:effectLst>
+              </a:rPr>
+              <a:t>实时建图与导航</a:t>
+            </a:r>
+            <a:endParaRPr lang="zh-CN" altLang="en-US" sz="2400" b="0" cap="none" spc="0" dirty="0">
+              <a:ln w="0"/>
+              <a:solidFill>
+                <a:schemeClr val="tx1"/>
+              </a:solidFill>
+              <a:effectLst>
+                <a:outerShdw blurRad="38100" dist="19050" dir="2700000" algn="tl" rotWithShape="0">
+                  <a:schemeClr val="dk1">
+                    <a:alpha val="40000"/>
+                  </a:schemeClr>
+                </a:outerShdw>
+              </a:effectLst>
+            </a:endParaRPr>
+          </a:p>
+          <a:p>
+            <a:pPr algn="ctr" fontAlgn="auto">
+              <a:lnSpc>
+                <a:spcPct val="150000"/>
+              </a:lnSpc>
+            </a:pPr>
+            <a:r>
+              <a:rPr lang="zh-CN" altLang="en-US" sz="2400" dirty="0">
+                <a:ln w="0"/>
+                <a:effectLst>
+                  <a:outerShdw blurRad="38100" dist="19050" dir="2700000" algn="tl" rotWithShape="0">
+                    <a:schemeClr val="dk1">
+                      <a:alpha val="40000"/>
+                    </a:schemeClr>
+                  </a:outerShdw>
+                </a:effectLst>
+                <a:sym typeface="+mn-ea"/>
+              </a:rPr>
+              <a:t>跟随用户移动并建图</a:t>
+            </a:r>
+            <a:endParaRPr lang="zh-CN" altLang="en-US" sz="2400" b="0" cap="none" spc="0" dirty="0">
+              <a:ln w="0"/>
+              <a:solidFill>
+                <a:schemeClr val="tx1"/>
+              </a:solidFill>
+              <a:effectLst>
+                <a:outerShdw blurRad="38100" dist="19050" dir="2700000" algn="tl" rotWithShape="0">
+                  <a:schemeClr val="dk1">
+                    <a:alpha val="40000"/>
+                  </a:schemeClr>
+                </a:outerShdw>
+              </a:effectLst>
+            </a:endParaRPr>
+          </a:p>
+          <a:p>
+            <a:pPr algn="ctr" fontAlgn="auto">
+              <a:lnSpc>
+                <a:spcPct val="150000"/>
+              </a:lnSpc>
+            </a:pPr>
+            <a:r>
+              <a:rPr lang="zh-CN" altLang="en-US" sz="2400" dirty="0">
+                <a:ln w="0"/>
+                <a:effectLst>
+                  <a:outerShdw blurRad="38100" dist="19050" dir="2700000" algn="tl" rotWithShape="0">
+                    <a:schemeClr val="dk1">
+                      <a:alpha val="40000"/>
+                    </a:schemeClr>
+                  </a:outerShdw>
+                </a:effectLst>
+                <a:sym typeface="+mn-ea"/>
+              </a:rPr>
+              <a:t>语音控制抓取物体</a:t>
+            </a:r>
+            <a:endParaRPr lang="zh-CN" altLang="en-US" sz="2400" b="0" cap="none" spc="0" dirty="0">
+              <a:ln w="0"/>
+              <a:solidFill>
+                <a:schemeClr val="tx1"/>
+              </a:solidFill>
+              <a:effectLst>
+                <a:outerShdw blurRad="38100" dist="19050" dir="2700000" algn="tl" rotWithShape="0">
+                  <a:schemeClr val="dk1">
+                    <a:alpha val="40000"/>
+                  </a:schemeClr>
+                </a:outerShdw>
+              </a:effectLst>
+            </a:endParaRPr>
+          </a:p>
+          <a:p>
+            <a:pPr algn="ctr" fontAlgn="auto">
+              <a:lnSpc>
+                <a:spcPct val="150000"/>
+              </a:lnSpc>
+            </a:pPr>
+            <a:r>
+              <a:rPr lang="zh-CN" altLang="en-US" sz="2400" dirty="0">
+                <a:ln w="0"/>
+                <a:effectLst>
+                  <a:outerShdw blurRad="38100" dist="19050" dir="2700000" algn="tl" rotWithShape="0">
+                    <a:schemeClr val="dk1">
+                      <a:alpha val="40000"/>
+                    </a:schemeClr>
+                  </a:outerShdw>
+                </a:effectLst>
+                <a:sym typeface="+mn-ea"/>
+              </a:rPr>
+              <a:t>抓取物体后返回</a:t>
+            </a:r>
+            <a:endParaRPr lang="zh-CN" altLang="en-US" sz="2400" b="0" cap="none" spc="0" dirty="0">
+              <a:ln w="0"/>
+              <a:solidFill>
+                <a:schemeClr val="tx1"/>
+              </a:solidFill>
+              <a:effectLst>
+                <a:outerShdw blurRad="38100" dist="19050" dir="2700000" algn="tl" rotWithShape="0">
+                  <a:schemeClr val="dk1">
+                    <a:alpha val="40000"/>
+                  </a:schemeClr>
+                </a:outerShdw>
+              </a:effectLst>
+            </a:endParaRPr>
+          </a:p>
+        </p:txBody>
+      </p:sp>
+      <p:sp>
+        <p:nvSpPr>
+          <p:cNvPr id="10" name="矩形 9"/>
+          <p:cNvSpPr/>
+          <p:nvPr/>
+        </p:nvSpPr>
+        <p:spPr>
+          <a:xfrm>
+            <a:off x="6770623" y="3711742"/>
+            <a:ext cx="4450080" cy="2306955"/>
+          </a:xfrm>
+          <a:prstGeom prst="rect">
+            <a:avLst/>
+          </a:prstGeom>
+          <a:noFill/>
+        </p:spPr>
+        <p:txBody>
+          <a:bodyPr wrap="none" lIns="91440" tIns="45720" rIns="91440" bIns="45720">
+            <a:spAutoFit/>
+          </a:bodyPr>
+          <a:lstStyle/>
+          <a:p>
+            <a:pPr algn="ctr" fontAlgn="auto">
+              <a:lnSpc>
+                <a:spcPct val="150000"/>
+              </a:lnSpc>
+            </a:pPr>
+            <a:r>
+              <a:rPr lang="en-US" altLang="zh-CN" sz="2400" dirty="0">
+                <a:ln w="0"/>
+                <a:effectLst>
+                  <a:outerShdw blurRad="38100" dist="19050" dir="2700000" algn="tl" rotWithShape="0">
+                    <a:schemeClr val="dk1">
+                      <a:alpha val="40000"/>
+                    </a:schemeClr>
+                  </a:outerShdw>
+                </a:effectLst>
+              </a:rPr>
+              <a:t>APP</a:t>
+            </a:r>
+            <a:r>
+              <a:rPr lang="zh-CN" altLang="en-US" sz="2400" dirty="0">
+                <a:ln w="0"/>
+                <a:effectLst>
+                  <a:outerShdw blurRad="38100" dist="19050" dir="2700000" algn="tl" rotWithShape="0">
+                    <a:schemeClr val="dk1">
+                      <a:alpha val="40000"/>
+                    </a:schemeClr>
+                  </a:outerShdw>
+                </a:effectLst>
+              </a:rPr>
+              <a:t>控制机器人移动</a:t>
+            </a:r>
+            <a:endParaRPr lang="zh-CN" altLang="en-US" sz="2400" dirty="0">
+              <a:ln w="0"/>
+              <a:effectLst>
+                <a:outerShdw blurRad="38100" dist="19050" dir="2700000" algn="tl" rotWithShape="0">
+                  <a:schemeClr val="dk1">
+                    <a:alpha val="40000"/>
+                  </a:schemeClr>
+                </a:outerShdw>
+              </a:effectLst>
+            </a:endParaRPr>
+          </a:p>
+          <a:p>
+            <a:pPr algn="ctr" fontAlgn="auto">
+              <a:lnSpc>
+                <a:spcPct val="150000"/>
+              </a:lnSpc>
+            </a:pPr>
+            <a:r>
+              <a:rPr lang="en-US" altLang="zh-CN" sz="2400" dirty="0">
+                <a:ln w="0"/>
+                <a:effectLst>
+                  <a:outerShdw blurRad="38100" dist="19050" dir="2700000" algn="tl" rotWithShape="0">
+                    <a:schemeClr val="dk1">
+                      <a:alpha val="40000"/>
+                    </a:schemeClr>
+                  </a:outerShdw>
+                </a:effectLst>
+                <a:sym typeface="+mn-ea"/>
+              </a:rPr>
+              <a:t>APP</a:t>
+            </a:r>
+            <a:r>
+              <a:rPr lang="zh-CN" altLang="en-US" sz="2400" dirty="0">
+                <a:ln w="0"/>
+                <a:effectLst>
+                  <a:outerShdw blurRad="38100" dist="19050" dir="2700000" algn="tl" rotWithShape="0">
+                    <a:schemeClr val="dk1">
+                      <a:alpha val="40000"/>
+                    </a:schemeClr>
+                  </a:outerShdw>
+                </a:effectLst>
+                <a:sym typeface="+mn-ea"/>
+              </a:rPr>
+              <a:t>控制建图</a:t>
+            </a:r>
+            <a:endParaRPr lang="zh-CN" altLang="en-US" sz="2400" b="0" cap="none" spc="0" dirty="0">
+              <a:ln w="0"/>
+              <a:solidFill>
+                <a:schemeClr val="tx1"/>
+              </a:solidFill>
+              <a:effectLst>
+                <a:outerShdw blurRad="38100" dist="19050" dir="2700000" algn="tl" rotWithShape="0">
+                  <a:schemeClr val="dk1">
+                    <a:alpha val="40000"/>
+                  </a:schemeClr>
+                </a:outerShdw>
+              </a:effectLst>
+            </a:endParaRPr>
+          </a:p>
+          <a:p>
+            <a:pPr algn="ctr" fontAlgn="auto">
+              <a:lnSpc>
+                <a:spcPct val="150000"/>
+              </a:lnSpc>
+            </a:pPr>
+            <a:r>
+              <a:rPr lang="zh-CN" altLang="en-US" sz="2400" dirty="0">
+                <a:ln w="0"/>
+                <a:effectLst>
+                  <a:outerShdw blurRad="38100" dist="19050" dir="2700000" algn="tl" rotWithShape="0">
+                    <a:schemeClr val="dk1">
+                      <a:alpha val="40000"/>
+                    </a:schemeClr>
+                  </a:outerShdw>
+                </a:effectLst>
+                <a:sym typeface="+mn-ea"/>
+              </a:rPr>
+              <a:t>抓取物体并返回起点</a:t>
+            </a:r>
+            <a:endParaRPr lang="zh-CN" altLang="en-US" sz="2400" b="0" cap="none" spc="0" dirty="0">
+              <a:ln w="0"/>
+              <a:solidFill>
+                <a:schemeClr val="tx1"/>
+              </a:solidFill>
+              <a:effectLst>
+                <a:outerShdw blurRad="38100" dist="19050" dir="2700000" algn="tl" rotWithShape="0">
+                  <a:schemeClr val="dk1">
+                    <a:alpha val="40000"/>
+                  </a:schemeClr>
+                </a:outerShdw>
+              </a:effectLst>
+            </a:endParaRPr>
+          </a:p>
+          <a:p>
+            <a:pPr algn="ctr" fontAlgn="auto">
+              <a:lnSpc>
+                <a:spcPct val="150000"/>
+              </a:lnSpc>
+            </a:pPr>
+            <a:r>
+              <a:rPr lang="en-US" altLang="zh-CN" sz="2400" dirty="0">
+                <a:ln w="0"/>
+                <a:effectLst>
+                  <a:outerShdw blurRad="38100" dist="19050" dir="2700000" algn="tl" rotWithShape="0">
+                    <a:schemeClr val="dk1">
+                      <a:alpha val="40000"/>
+                    </a:schemeClr>
+                  </a:outerShdw>
+                </a:effectLst>
+                <a:sym typeface="+mn-ea"/>
+              </a:rPr>
+              <a:t>APP</a:t>
+            </a:r>
+            <a:r>
+              <a:rPr lang="zh-CN" altLang="en-US" sz="2400" dirty="0">
+                <a:ln w="0"/>
+                <a:effectLst>
+                  <a:outerShdw blurRad="38100" dist="19050" dir="2700000" algn="tl" rotWithShape="0">
+                    <a:schemeClr val="dk1">
+                      <a:alpha val="40000"/>
+                    </a:schemeClr>
+                  </a:outerShdw>
+                </a:effectLst>
+                <a:sym typeface="+mn-ea"/>
+              </a:rPr>
+              <a:t>控制确定导航点、模拟巡逻</a:t>
+            </a:r>
+            <a:endParaRPr lang="zh-CN" altLang="en-US" sz="2400" b="0" cap="none" spc="0" dirty="0">
+              <a:ln w="0"/>
+              <a:solidFill>
+                <a:schemeClr val="tx1"/>
+              </a:solidFill>
+              <a:effectLst>
+                <a:outerShdw blurRad="38100" dist="19050" dir="2700000" algn="tl" rotWithShape="0">
+                  <a:schemeClr val="dk1">
+                    <a:alpha val="40000"/>
+                  </a:schemeClr>
+                </a:outerShdw>
+              </a:effectLst>
+            </a:endParaRPr>
+          </a:p>
+        </p:txBody>
+      </p:sp>
+    </p:spTree>
+  </p:cSld>
+  <p:clrMapOvr>
+    <a:masterClrMapping/>
+  </p:clrMapOvr>
+</p:sld>
+</file>
+
+<file path=ppt/slides/slide11.xml><?xml version="1.0" encoding="utf-8"?>
+<p:sld xmlns:a="http://schemas.openxmlformats.org/drawingml/2006/main" xmlns:r="http://schemas.openxmlformats.org/officeDocument/2006/relationships" xmlns:p="http://schemas.openxmlformats.org/presentationml/2006/main">
+  <p:cSld>
+    <p:spTree>
+      <p:nvGrpSpPr>
+        <p:cNvPr id="1" name=""/>
+        <p:cNvGrpSpPr/>
+        <p:nvPr/>
+      </p:nvGrpSpPr>
+      <p:grpSpPr>
+        <a:xfrm>
+          <a:off x="0" y="0"/>
+          <a:ext cx="0" cy="0"/>
+          <a:chOff x="0" y="0"/>
+          <a:chExt cx="0" cy="0"/>
+        </a:xfrm>
+      </p:grpSpPr>
+      <p:sp>
+        <p:nvSpPr>
+          <p:cNvPr id="2" name="标题 1"/>
+          <p:cNvSpPr>
+            <a:spLocks noGrp="1"/>
+          </p:cNvSpPr>
+          <p:nvPr>
+            <p:ph type="title"/>
+          </p:nvPr>
+        </p:nvSpPr>
+        <p:spPr/>
+        <p:txBody>
+          <a:bodyPr/>
+          <a:lstStyle/>
+          <a:p>
+            <a:r>
+              <a:rPr lang="zh-CN" altLang="en-US" dirty="0"/>
+              <a:t>技术线</a:t>
+            </a:r>
+            <a:endParaRPr lang="zh-CN" altLang="en-US" dirty="0"/>
+          </a:p>
+        </p:txBody>
+      </p:sp>
+      <p:sp>
+        <p:nvSpPr>
+          <p:cNvPr id="5" name="矩形 4"/>
+          <p:cNvSpPr/>
+          <p:nvPr/>
+        </p:nvSpPr>
+        <p:spPr>
+          <a:xfrm>
+            <a:off x="669925" y="1223010"/>
+            <a:ext cx="10851515" cy="3969385"/>
+          </a:xfrm>
+          <a:prstGeom prst="rect">
+            <a:avLst/>
+          </a:prstGeom>
+          <a:noFill/>
+        </p:spPr>
+        <p:txBody>
+          <a:bodyPr wrap="square" lIns="91440" tIns="45720" rIns="91440" bIns="45720">
+            <a:spAutoFit/>
+          </a:bodyPr>
+          <a:lstStyle/>
+          <a:p>
+            <a:pPr algn="l" fontAlgn="auto">
+              <a:lnSpc>
+                <a:spcPct val="150000"/>
+              </a:lnSpc>
+            </a:pPr>
+            <a:r>
+              <a:rPr lang="zh-CN" altLang="en-US" sz="2400" b="0" cap="none" spc="0" dirty="0">
+                <a:ln w="0"/>
+                <a:solidFill>
+                  <a:schemeClr val="tx1"/>
+                </a:solidFill>
+                <a:effectLst>
+                  <a:outerShdw blurRad="38100" dist="19050" dir="2700000" algn="tl" rotWithShape="0">
+                    <a:schemeClr val="dk1">
+                      <a:alpha val="40000"/>
+                    </a:schemeClr>
+                  </a:outerShdw>
+                </a:effectLst>
+              </a:rPr>
+              <a:t>对函数、接口进行了单元测试</a:t>
+            </a:r>
+            <a:endParaRPr lang="zh-CN" altLang="en-US" sz="2400" b="0" cap="none" spc="0" dirty="0">
+              <a:ln w="0"/>
+              <a:solidFill>
+                <a:schemeClr val="tx1"/>
+              </a:solidFill>
+              <a:effectLst>
+                <a:outerShdw blurRad="38100" dist="19050" dir="2700000" algn="tl" rotWithShape="0">
+                  <a:schemeClr val="dk1">
+                    <a:alpha val="40000"/>
+                  </a:schemeClr>
+                </a:outerShdw>
+              </a:effectLst>
+            </a:endParaRPr>
+          </a:p>
+          <a:p>
+            <a:pPr algn="l" fontAlgn="auto">
+              <a:lnSpc>
+                <a:spcPct val="150000"/>
+              </a:lnSpc>
+            </a:pPr>
+            <a:r>
+              <a:rPr lang="zh-CN" altLang="en-US" sz="2400" dirty="0">
+                <a:ln w="0"/>
+                <a:effectLst>
+                  <a:outerShdw blurRad="38100" dist="19050" dir="2700000" algn="tl" rotWithShape="0">
+                    <a:schemeClr val="dk1">
+                      <a:alpha val="40000"/>
+                    </a:schemeClr>
+                  </a:outerShdw>
+                </a:effectLst>
+                <a:sym typeface="+mn-ea"/>
+              </a:rPr>
+              <a:t>对功能模块进行了功能测试</a:t>
+            </a:r>
+            <a:endParaRPr lang="zh-CN" altLang="en-US" sz="2400" b="0" cap="none" spc="0" dirty="0">
+              <a:ln w="0"/>
+              <a:solidFill>
+                <a:schemeClr val="tx1"/>
+              </a:solidFill>
+              <a:effectLst>
+                <a:outerShdw blurRad="38100" dist="19050" dir="2700000" algn="tl" rotWithShape="0">
+                  <a:schemeClr val="dk1">
+                    <a:alpha val="40000"/>
+                  </a:schemeClr>
+                </a:outerShdw>
+              </a:effectLst>
+            </a:endParaRPr>
+          </a:p>
+          <a:p>
+            <a:pPr algn="l" fontAlgn="auto">
+              <a:lnSpc>
+                <a:spcPct val="150000"/>
+              </a:lnSpc>
+            </a:pPr>
+            <a:r>
+              <a:rPr lang="zh-CN" altLang="en-US" sz="2400" dirty="0">
+                <a:ln w="0"/>
+                <a:effectLst>
+                  <a:outerShdw blurRad="38100" dist="19050" dir="2700000" algn="tl" rotWithShape="0">
+                    <a:schemeClr val="dk1">
+                      <a:alpha val="40000"/>
+                    </a:schemeClr>
+                  </a:outerShdw>
+                </a:effectLst>
+                <a:sym typeface="+mn-ea"/>
+              </a:rPr>
+              <a:t>对整个系统进行了集成测试</a:t>
+            </a:r>
+            <a:endParaRPr lang="zh-CN" altLang="en-US" sz="2400" dirty="0">
+              <a:ln w="0"/>
+              <a:effectLst>
+                <a:outerShdw blurRad="38100" dist="19050" dir="2700000" algn="tl" rotWithShape="0">
+                  <a:schemeClr val="dk1">
+                    <a:alpha val="40000"/>
+                  </a:schemeClr>
+                </a:outerShdw>
+              </a:effectLst>
+              <a:sym typeface="+mn-ea"/>
+            </a:endParaRPr>
+          </a:p>
+          <a:p>
+            <a:pPr algn="l" fontAlgn="auto">
+              <a:lnSpc>
+                <a:spcPct val="150000"/>
+              </a:lnSpc>
+            </a:pPr>
+            <a:r>
+              <a:rPr lang="zh-CN" altLang="en-US" sz="2400" b="0" cap="none" spc="0" dirty="0">
+                <a:ln w="0"/>
+                <a:solidFill>
+                  <a:schemeClr val="tx1"/>
+                </a:solidFill>
+                <a:effectLst>
+                  <a:outerShdw blurRad="38100" dist="19050" dir="2700000" algn="tl" rotWithShape="0">
+                    <a:schemeClr val="dk1">
+                      <a:alpha val="40000"/>
+                    </a:schemeClr>
+                  </a:outerShdw>
+                </a:effectLst>
+              </a:rPr>
+              <a:t>尽量使用自动化测试</a:t>
+            </a:r>
+            <a:endParaRPr lang="zh-CN" altLang="en-US" sz="2400" b="0" cap="none" spc="0" dirty="0">
+              <a:ln w="0"/>
+              <a:solidFill>
+                <a:schemeClr val="tx1"/>
+              </a:solidFill>
+              <a:effectLst>
+                <a:outerShdw blurRad="38100" dist="19050" dir="2700000" algn="tl" rotWithShape="0">
+                  <a:schemeClr val="dk1">
+                    <a:alpha val="40000"/>
+                  </a:schemeClr>
+                </a:outerShdw>
+              </a:effectLst>
+            </a:endParaRPr>
+          </a:p>
+          <a:p>
+            <a:pPr algn="l" fontAlgn="auto">
+              <a:lnSpc>
+                <a:spcPct val="150000"/>
+              </a:lnSpc>
+            </a:pPr>
+            <a:r>
+              <a:rPr lang="zh-CN" altLang="en-US" sz="2400" b="0" cap="none" spc="0" dirty="0">
+                <a:ln w="0"/>
+                <a:solidFill>
+                  <a:schemeClr val="tx1"/>
+                </a:solidFill>
+                <a:effectLst>
+                  <a:outerShdw blurRad="38100" dist="19050" dir="2700000" algn="tl" rotWithShape="0">
+                    <a:schemeClr val="dk1">
+                      <a:alpha val="40000"/>
+                    </a:schemeClr>
+                  </a:outerShdw>
+                </a:effectLst>
+              </a:rPr>
+              <a:t>对于安卓应用和服务器端代码编写代码进行自动化测试，并生成了测试报告，统计了代码及分支覆盖率。</a:t>
+            </a:r>
+            <a:endParaRPr lang="zh-CN" altLang="en-US" sz="2400" b="0" cap="none" spc="0" dirty="0">
+              <a:ln w="0"/>
+              <a:solidFill>
+                <a:schemeClr val="tx1"/>
+              </a:solidFill>
+              <a:effectLst>
+                <a:outerShdw blurRad="38100" dist="19050" dir="2700000" algn="tl" rotWithShape="0">
+                  <a:schemeClr val="dk1">
+                    <a:alpha val="40000"/>
+                  </a:schemeClr>
+                </a:outerShdw>
+              </a:effectLst>
+            </a:endParaRPr>
+          </a:p>
+          <a:p>
+            <a:pPr algn="l" fontAlgn="auto">
+              <a:lnSpc>
+                <a:spcPct val="150000"/>
+              </a:lnSpc>
+            </a:pPr>
+            <a:r>
+              <a:rPr lang="zh-CN" altLang="en-US" sz="2400" b="0" cap="none" spc="0" dirty="0">
+                <a:ln w="0"/>
+                <a:solidFill>
+                  <a:schemeClr val="tx1"/>
+                </a:solidFill>
+                <a:effectLst>
+                  <a:outerShdw blurRad="38100" dist="19050" dir="2700000" algn="tl" rotWithShape="0">
+                    <a:schemeClr val="dk1">
+                      <a:alpha val="40000"/>
+                    </a:schemeClr>
+                  </a:outerShdw>
+                </a:effectLst>
+              </a:rPr>
+              <a:t>没有自动化测试的部分使用手动测试，保证功能模块全覆盖。</a:t>
+            </a:r>
+            <a:endParaRPr lang="zh-CN" altLang="en-US" sz="2400" b="0" cap="none" spc="0" dirty="0">
+              <a:ln w="0"/>
+              <a:solidFill>
+                <a:schemeClr val="tx1"/>
+              </a:solidFill>
+              <a:effectLst>
+                <a:outerShdw blurRad="38100" dist="19050" dir="2700000" algn="tl" rotWithShape="0">
+                  <a:schemeClr val="dk1">
+                    <a:alpha val="40000"/>
+                  </a:schemeClr>
+                </a:outerShdw>
+              </a:effectLst>
+            </a:endParaRPr>
+          </a:p>
+        </p:txBody>
+      </p:sp>
+    </p:spTree>
+  </p:cSld>
+  <p:clrMapOvr>
+    <a:masterClrMapping/>
+  </p:clrMapOvr>
+</p:sld>
+</file>
+
+<file path=ppt/slides/slide12.xml><?xml version="1.0" encoding="utf-8"?>
+<p:sld xmlns:a="http://schemas.openxmlformats.org/drawingml/2006/main" xmlns:r="http://schemas.openxmlformats.org/officeDocument/2006/relationships" xmlns:p="http://schemas.openxmlformats.org/presentationml/2006/main">
+  <p:cSld>
+    <p:spTree>
+      <p:nvGrpSpPr>
+        <p:cNvPr id="1" name=""/>
+        <p:cNvGrpSpPr/>
+        <p:nvPr/>
+      </p:nvGrpSpPr>
+      <p:grpSpPr>
+        <a:xfrm>
+          <a:off x="0" y="0"/>
+          <a:ext cx="0" cy="0"/>
+          <a:chOff x="0" y="0"/>
+          <a:chExt cx="0" cy="0"/>
+        </a:xfrm>
+      </p:grpSpPr>
+      <p:sp>
+        <p:nvSpPr>
+          <p:cNvPr id="2" name="标题 1"/>
+          <p:cNvSpPr>
+            <a:spLocks noGrp="1"/>
+          </p:cNvSpPr>
+          <p:nvPr>
+            <p:ph type="title"/>
+          </p:nvPr>
+        </p:nvSpPr>
+        <p:spPr/>
+        <p:txBody>
+          <a:bodyPr/>
+          <a:lstStyle/>
+          <a:p>
+            <a:r>
+              <a:rPr lang="zh-CN" altLang="en-US" dirty="0"/>
+              <a:t>技术线</a:t>
+            </a:r>
+            <a:endParaRPr lang="zh-CN" altLang="en-US" dirty="0"/>
+          </a:p>
+        </p:txBody>
+      </p:sp>
+      <p:sp>
+        <p:nvSpPr>
+          <p:cNvPr id="5" name="矩形 4"/>
+          <p:cNvSpPr/>
+          <p:nvPr/>
+        </p:nvSpPr>
+        <p:spPr>
+          <a:xfrm>
+            <a:off x="669290" y="1094740"/>
+            <a:ext cx="10851515" cy="5077460"/>
+          </a:xfrm>
+          <a:prstGeom prst="rect">
+            <a:avLst/>
+          </a:prstGeom>
+          <a:noFill/>
+        </p:spPr>
+        <p:txBody>
+          <a:bodyPr wrap="square" lIns="91440" tIns="45720" rIns="91440" bIns="45720">
+            <a:spAutoFit/>
+          </a:bodyPr>
+          <a:lstStyle/>
+          <a:p>
+            <a:pPr algn="l" fontAlgn="auto">
+              <a:lnSpc>
+                <a:spcPct val="150000"/>
+              </a:lnSpc>
+            </a:pPr>
+            <a:r>
+              <a:rPr lang="zh-CN" altLang="en-US" sz="2400" b="0" cap="none" spc="0" dirty="0">
+                <a:ln w="0"/>
+                <a:solidFill>
+                  <a:schemeClr val="tx1"/>
+                </a:solidFill>
+                <a:effectLst>
+                  <a:outerShdw blurRad="38100" dist="19050" dir="2700000" algn="tl" rotWithShape="0">
+                    <a:schemeClr val="dk1">
+                      <a:alpha val="40000"/>
+                    </a:schemeClr>
+                  </a:outerShdw>
+                </a:effectLst>
+              </a:rPr>
+              <a:t>测试过程中发现问题，解决问题</a:t>
+            </a:r>
+            <a:endParaRPr lang="zh-CN" altLang="en-US" sz="2400" b="0" cap="none" spc="0" dirty="0">
+              <a:ln w="0"/>
+              <a:solidFill>
+                <a:schemeClr val="tx1"/>
+              </a:solidFill>
+              <a:effectLst>
+                <a:outerShdw blurRad="38100" dist="19050" dir="2700000" algn="tl" rotWithShape="0">
+                  <a:schemeClr val="dk1">
+                    <a:alpha val="40000"/>
+                  </a:schemeClr>
+                </a:outerShdw>
+              </a:effectLst>
+            </a:endParaRPr>
+          </a:p>
+          <a:p>
+            <a:pPr algn="l" fontAlgn="auto">
+              <a:lnSpc>
+                <a:spcPct val="150000"/>
+              </a:lnSpc>
+            </a:pPr>
+            <a:r>
+              <a:rPr lang="zh-CN" altLang="en-US" sz="2400" b="0" cap="none" spc="0" dirty="0">
+                <a:ln w="0"/>
+                <a:solidFill>
+                  <a:schemeClr val="tx1"/>
+                </a:solidFill>
+                <a:effectLst>
+                  <a:outerShdw blurRad="38100" dist="19050" dir="2700000" algn="tl" rotWithShape="0">
+                    <a:schemeClr val="dk1">
+                      <a:alpha val="40000"/>
+                    </a:schemeClr>
+                  </a:outerShdw>
+                </a:effectLst>
+              </a:rPr>
+              <a:t>问题：</a:t>
+            </a:r>
+            <a:endParaRPr lang="zh-CN" altLang="en-US" sz="2400" b="0" cap="none" spc="0" dirty="0">
+              <a:ln w="0"/>
+              <a:solidFill>
+                <a:schemeClr val="tx1"/>
+              </a:solidFill>
+              <a:effectLst>
+                <a:outerShdw blurRad="38100" dist="19050" dir="2700000" algn="tl" rotWithShape="0">
+                  <a:schemeClr val="dk1">
+                    <a:alpha val="40000"/>
+                  </a:schemeClr>
+                </a:outerShdw>
+              </a:effectLst>
+            </a:endParaRPr>
+          </a:p>
+          <a:p>
+            <a:pPr algn="l" fontAlgn="auto">
+              <a:lnSpc>
+                <a:spcPct val="150000"/>
+              </a:lnSpc>
+            </a:pPr>
+            <a:r>
+              <a:rPr lang="zh-CN" altLang="en-US" sz="2400" b="0" cap="none" spc="0" dirty="0">
+                <a:ln w="0"/>
+                <a:solidFill>
+                  <a:schemeClr val="tx1"/>
+                </a:solidFill>
+                <a:effectLst>
+                  <a:outerShdw blurRad="38100" dist="19050" dir="2700000" algn="tl" rotWithShape="0">
+                    <a:schemeClr val="dk1">
+                      <a:alpha val="40000"/>
+                    </a:schemeClr>
+                  </a:outerShdw>
+                </a:effectLst>
+              </a:rPr>
+              <a:t>运动命令结束后无法停止；</a:t>
+            </a:r>
+            <a:endParaRPr lang="zh-CN" altLang="en-US" sz="2400" b="0" cap="none" spc="0" dirty="0">
+              <a:ln w="0"/>
+              <a:solidFill>
+                <a:schemeClr val="tx1"/>
+              </a:solidFill>
+              <a:effectLst>
+                <a:outerShdw blurRad="38100" dist="19050" dir="2700000" algn="tl" rotWithShape="0">
+                  <a:schemeClr val="dk1">
+                    <a:alpha val="40000"/>
+                  </a:schemeClr>
+                </a:outerShdw>
+              </a:effectLst>
+            </a:endParaRPr>
+          </a:p>
+          <a:p>
+            <a:pPr algn="l" fontAlgn="auto">
+              <a:lnSpc>
+                <a:spcPct val="150000"/>
+              </a:lnSpc>
+            </a:pPr>
+            <a:r>
+              <a:rPr lang="zh-CN" altLang="en-US" sz="2400" b="0" cap="none" spc="0" dirty="0">
+                <a:ln w="0"/>
+                <a:solidFill>
+                  <a:schemeClr val="tx1"/>
+                </a:solidFill>
+                <a:effectLst>
+                  <a:outerShdw blurRad="38100" dist="19050" dir="2700000" algn="tl" rotWithShape="0">
+                    <a:schemeClr val="dk1">
+                      <a:alpha val="40000"/>
+                    </a:schemeClr>
+                  </a:outerShdw>
+                </a:effectLst>
+              </a:rPr>
+              <a:t>一条运动命令的运动量过小；</a:t>
+            </a:r>
+            <a:endParaRPr lang="zh-CN" altLang="en-US" sz="2400" b="0" cap="none" spc="0" dirty="0">
+              <a:ln w="0"/>
+              <a:solidFill>
+                <a:schemeClr val="tx1"/>
+              </a:solidFill>
+              <a:effectLst>
+                <a:outerShdw blurRad="38100" dist="19050" dir="2700000" algn="tl" rotWithShape="0">
+                  <a:schemeClr val="dk1">
+                    <a:alpha val="40000"/>
+                  </a:schemeClr>
+                </a:outerShdw>
+              </a:effectLst>
+            </a:endParaRPr>
+          </a:p>
+          <a:p>
+            <a:pPr algn="l" fontAlgn="auto">
+              <a:lnSpc>
+                <a:spcPct val="150000"/>
+              </a:lnSpc>
+            </a:pPr>
+            <a:r>
+              <a:rPr lang="zh-CN" altLang="en-US" sz="2400" b="0" cap="none" spc="0" dirty="0">
+                <a:ln w="0"/>
+                <a:solidFill>
+                  <a:schemeClr val="tx1"/>
+                </a:solidFill>
+                <a:effectLst>
+                  <a:outerShdw blurRad="38100" dist="19050" dir="2700000" algn="tl" rotWithShape="0">
+                    <a:schemeClr val="dk1">
+                      <a:alpha val="40000"/>
+                    </a:schemeClr>
+                  </a:outerShdw>
+                </a:effectLst>
+              </a:rPr>
+              <a:t>机器人向右行走会向后方偏移；</a:t>
+            </a:r>
+            <a:endParaRPr lang="zh-CN" altLang="en-US" sz="2400" b="0" cap="none" spc="0" dirty="0">
+              <a:ln w="0"/>
+              <a:solidFill>
+                <a:schemeClr val="tx1"/>
+              </a:solidFill>
+              <a:effectLst>
+                <a:outerShdw blurRad="38100" dist="19050" dir="2700000" algn="tl" rotWithShape="0">
+                  <a:schemeClr val="dk1">
+                    <a:alpha val="40000"/>
+                  </a:schemeClr>
+                </a:outerShdw>
+              </a:effectLst>
+            </a:endParaRPr>
+          </a:p>
+          <a:p>
+            <a:pPr algn="l" fontAlgn="auto">
+              <a:lnSpc>
+                <a:spcPct val="150000"/>
+              </a:lnSpc>
+            </a:pPr>
+            <a:r>
+              <a:rPr lang="zh-CN" altLang="en-US" sz="2400" b="0" cap="none" spc="0" dirty="0">
+                <a:ln w="0"/>
+                <a:solidFill>
+                  <a:schemeClr val="tx1"/>
+                </a:solidFill>
+                <a:effectLst>
+                  <a:outerShdw blurRad="38100" dist="19050" dir="2700000" algn="tl" rotWithShape="0">
+                    <a:schemeClr val="dk1">
+                      <a:alpha val="40000"/>
+                    </a:schemeClr>
+                  </a:outerShdw>
+                </a:effectLst>
+              </a:rPr>
+              <a:t>物体抓取可能不成功；</a:t>
+            </a:r>
+            <a:endParaRPr lang="zh-CN" altLang="en-US" sz="2400" b="0" cap="none" spc="0" dirty="0">
+              <a:ln w="0"/>
+              <a:solidFill>
+                <a:schemeClr val="tx1"/>
+              </a:solidFill>
+              <a:effectLst>
+                <a:outerShdw blurRad="38100" dist="19050" dir="2700000" algn="tl" rotWithShape="0">
+                  <a:schemeClr val="dk1">
+                    <a:alpha val="40000"/>
+                  </a:schemeClr>
+                </a:outerShdw>
+              </a:effectLst>
+            </a:endParaRPr>
+          </a:p>
+          <a:p>
+            <a:pPr algn="l" fontAlgn="auto">
+              <a:lnSpc>
+                <a:spcPct val="150000"/>
+              </a:lnSpc>
+            </a:pPr>
+            <a:r>
+              <a:rPr lang="zh-CN" altLang="en-US" sz="2400" b="0" cap="none" spc="0" dirty="0">
+                <a:ln w="0"/>
+                <a:solidFill>
+                  <a:schemeClr val="tx1"/>
+                </a:solidFill>
+                <a:effectLst>
+                  <a:outerShdw blurRad="38100" dist="19050" dir="2700000" algn="tl" rotWithShape="0">
+                    <a:schemeClr val="dk1">
+                      <a:alpha val="40000"/>
+                    </a:schemeClr>
+                  </a:outerShdw>
+                </a:effectLst>
+              </a:rPr>
+              <a:t>机器人移动后返回起点与实际起点存在偏差；</a:t>
+            </a:r>
+            <a:endParaRPr lang="zh-CN" altLang="en-US" sz="2400" b="0" cap="none" spc="0" dirty="0">
+              <a:ln w="0"/>
+              <a:solidFill>
+                <a:schemeClr val="tx1"/>
+              </a:solidFill>
+              <a:effectLst>
+                <a:outerShdw blurRad="38100" dist="19050" dir="2700000" algn="tl" rotWithShape="0">
+                  <a:schemeClr val="dk1">
+                    <a:alpha val="40000"/>
+                  </a:schemeClr>
+                </a:outerShdw>
+              </a:effectLst>
+            </a:endParaRPr>
+          </a:p>
+          <a:p>
+            <a:pPr algn="l" fontAlgn="auto">
+              <a:lnSpc>
+                <a:spcPct val="150000"/>
+              </a:lnSpc>
+            </a:pPr>
+            <a:r>
+              <a:rPr lang="zh-CN" altLang="en-US" sz="2400" b="0" cap="none" spc="0" dirty="0">
+                <a:ln w="0"/>
+                <a:solidFill>
+                  <a:schemeClr val="tx1"/>
+                </a:solidFill>
+                <a:effectLst>
+                  <a:outerShdw blurRad="38100" dist="19050" dir="2700000" algn="tl" rotWithShape="0">
+                    <a:schemeClr val="dk1">
+                      <a:alpha val="40000"/>
+                    </a:schemeClr>
+                  </a:outerShdw>
+                </a:effectLst>
+              </a:rPr>
+              <a:t>跟随过程中可能丢失用户；</a:t>
+            </a:r>
+            <a:endParaRPr lang="zh-CN" altLang="en-US" sz="2400" b="0" cap="none" spc="0" dirty="0">
+              <a:ln w="0"/>
+              <a:solidFill>
+                <a:schemeClr val="tx1"/>
+              </a:solidFill>
+              <a:effectLst>
+                <a:outerShdw blurRad="38100" dist="19050" dir="2700000" algn="tl" rotWithShape="0">
+                  <a:schemeClr val="dk1">
+                    <a:alpha val="40000"/>
+                  </a:schemeClr>
+                </a:outerShdw>
+              </a:effectLst>
+            </a:endParaRPr>
+          </a:p>
+          <a:p>
+            <a:pPr algn="l" fontAlgn="auto">
+              <a:lnSpc>
+                <a:spcPct val="150000"/>
+              </a:lnSpc>
+            </a:pPr>
+            <a:r>
+              <a:rPr lang="zh-CN" altLang="en-US" sz="2400" b="0" cap="none" spc="0" dirty="0">
+                <a:ln w="0"/>
+                <a:solidFill>
+                  <a:schemeClr val="tx1"/>
+                </a:solidFill>
+                <a:effectLst>
+                  <a:outerShdw blurRad="38100" dist="19050" dir="2700000" algn="tl" rotWithShape="0">
+                    <a:schemeClr val="dk1">
+                      <a:alpha val="40000"/>
+                    </a:schemeClr>
+                  </a:outerShdw>
+                </a:effectLst>
+              </a:rPr>
+              <a:t>机器人识别平面条件较苛刻。</a:t>
+            </a:r>
+            <a:endParaRPr lang="zh-CN" altLang="en-US" sz="2400" b="0" cap="none" spc="0" dirty="0">
+              <a:ln w="0"/>
+              <a:solidFill>
+                <a:schemeClr val="tx1"/>
+              </a:solidFill>
+              <a:effectLst>
+                <a:outerShdw blurRad="38100" dist="19050" dir="2700000" algn="tl" rotWithShape="0">
+                  <a:schemeClr val="dk1">
+                    <a:alpha val="40000"/>
+                  </a:schemeClr>
+                </a:outerShdw>
+              </a:effectLst>
+            </a:endParaRPr>
+          </a:p>
+        </p:txBody>
+      </p:sp>
+    </p:spTree>
+  </p:cSld>
+  <p:clrMapOvr>
+    <a:masterClrMapping/>
+  </p:clrMapOvr>
+</p:sld>
+</file>
+
+<file path=ppt/slides/slide13.xml><?xml version="1.0" encoding="utf-8"?>
+<p:sld xmlns:a="http://schemas.openxmlformats.org/drawingml/2006/main" xmlns:r="http://schemas.openxmlformats.org/officeDocument/2006/relationships" xmlns:p="http://schemas.openxmlformats.org/presentationml/2006/main">
+  <p:cSld>
+    <p:spTree>
+      <p:nvGrpSpPr>
+        <p:cNvPr id="1" name=""/>
+        <p:cNvGrpSpPr/>
+        <p:nvPr/>
+      </p:nvGrpSpPr>
+      <p:grpSpPr>
+        <a:xfrm>
+          <a:off x="0" y="0"/>
+          <a:ext cx="0" cy="0"/>
+          <a:chOff x="0" y="0"/>
+          <a:chExt cx="0" cy="0"/>
+        </a:xfrm>
+      </p:grpSpPr>
+      <p:sp>
+        <p:nvSpPr>
           <p:cNvPr id="5" name="标题 4"/>
           <p:cNvSpPr>
             <a:spLocks noGrp="1"/>
@@ -6680,10 +7872,25 @@
           <a:p>
             <a:pPr algn="ctr"/>
             <a:r>
+              <a:rPr lang="zh-CN" sz="3200" dirty="0"/>
+              <a:t>团队亮点</a:t>
+            </a:r>
+            <a:br>
               <a:rPr lang="zh-CN" sz="3600" dirty="0"/>
-              <a:t>未来工作</a:t>
-            </a:r>
-            <a:endParaRPr lang="zh-CN" sz="3600" dirty="0"/>
+            </a:br>
+            <a:r>
+              <a:rPr lang="zh-CN" sz="3600" dirty="0"/>
+              <a:t>                        </a:t>
+            </a:r>
+            <a:r>
+              <a:rPr lang="en-US" altLang="zh-CN" sz="1800" dirty="0"/>
+              <a:t>——</a:t>
+            </a:r>
+            <a:r>
+              <a:rPr lang="zh-CN" altLang="en-US" sz="1800" dirty="0"/>
+              <a:t>管理线</a:t>
+            </a:r>
+            <a:endParaRPr lang="zh-CN" altLang="en-US" sz="1800" dirty="0"/>
           </a:p>
         </p:txBody>
       </p:sp>
@@ -6723,7 +7930,7 @@
                 <a:latin typeface="Impact" panose="020B0806030902050204" pitchFamily="34" charset="0"/>
                 <a:cs typeface="Arial" panose="020B0604020202020204" pitchFamily="34" charset="0"/>
               </a:rPr>
-              <a:t>/04</a:t>
+              <a:t>/03</a:t>
             </a:r>
             <a:endParaRPr lang="zh-CN" altLang="en-US" spc="100" dirty="0">
               <a:solidFill>
@@ -6743,7 +7950,665 @@
 </p:sld>
 </file>
 
-<file path=ppt/slides/slide11.xml><?xml version="1.0" encoding="utf-8"?>
+<file path=ppt/slides/slide14.xml><?xml version="1.0" encoding="utf-8"?>
+<p:sld xmlns:a="http://schemas.openxmlformats.org/drawingml/2006/main" xmlns:r="http://schemas.openxmlformats.org/officeDocument/2006/relationships" xmlns:p="http://schemas.openxmlformats.org/presentationml/2006/main">
+  <p:cSld>
+    <p:spTree>
+      <p:nvGrpSpPr>
+        <p:cNvPr id="1" name=""/>
+        <p:cNvGrpSpPr/>
+        <p:nvPr/>
+      </p:nvGrpSpPr>
+      <p:grpSpPr>
+        <a:xfrm>
+          <a:off x="0" y="0"/>
+          <a:ext cx="0" cy="0"/>
+          <a:chOff x="0" y="0"/>
+          <a:chExt cx="0" cy="0"/>
+        </a:xfrm>
+      </p:grpSpPr>
+      <p:sp>
+        <p:nvSpPr>
+          <p:cNvPr id="20" name="标题 19"/>
+          <p:cNvSpPr>
+            <a:spLocks noGrp="1"/>
+          </p:cNvSpPr>
+          <p:nvPr>
+            <p:ph type="title"/>
+          </p:nvPr>
+        </p:nvSpPr>
+        <p:spPr/>
+        <p:txBody>
+          <a:bodyPr/>
+          <a:lstStyle/>
+          <a:p>
+            <a:r>
+              <a:rPr lang="zh-CN" altLang="en-US" dirty="0"/>
+              <a:t>管理线</a:t>
+            </a:r>
+            <a:endParaRPr lang="zh-CN" altLang="en-US" dirty="0"/>
+          </a:p>
+        </p:txBody>
+      </p:sp>
+      <p:sp>
+        <p:nvSpPr>
+          <p:cNvPr id="3" name="文本框 2"/>
+          <p:cNvSpPr txBox="1"/>
+          <p:nvPr/>
+        </p:nvSpPr>
+        <p:spPr>
+          <a:xfrm>
+            <a:off x="607060" y="1160780"/>
+            <a:ext cx="11052175" cy="1753235"/>
+          </a:xfrm>
+          <a:prstGeom prst="rect">
+            <a:avLst/>
+          </a:prstGeom>
+          <a:noFill/>
+        </p:spPr>
+        <p:txBody>
+          <a:bodyPr wrap="square" rtlCol="0">
+            <a:spAutoFit/>
+          </a:bodyPr>
+          <a:p>
+            <a:pPr fontAlgn="auto">
+              <a:lnSpc>
+                <a:spcPct val="150000"/>
+              </a:lnSpc>
+            </a:pPr>
+            <a:r>
+              <a:rPr lang="zh-CN" altLang="en-US" sz="2400" b="1"/>
+              <a:t>版本清晰，详细可查</a:t>
+            </a:r>
+            <a:endParaRPr lang="zh-CN" altLang="en-US" sz="2400" b="1"/>
+          </a:p>
+          <a:p>
+            <a:pPr fontAlgn="auto">
+              <a:lnSpc>
+                <a:spcPct val="150000"/>
+              </a:lnSpc>
+            </a:pPr>
+            <a:r>
+              <a:rPr lang="en-US" altLang="zh-CN" sz="2400" b="1"/>
+              <a:t>1</a:t>
+            </a:r>
+            <a:r>
+              <a:rPr lang="zh-CN" altLang="en-US" sz="2400" b="1"/>
+              <a:t>、每一份文档都有详细的版本记录</a:t>
+            </a:r>
+            <a:endParaRPr lang="zh-CN" altLang="en-US" sz="2400" b="1"/>
+          </a:p>
+          <a:p>
+            <a:pPr fontAlgn="auto">
+              <a:lnSpc>
+                <a:spcPct val="150000"/>
+              </a:lnSpc>
+            </a:pPr>
+            <a:endParaRPr lang="zh-CN" altLang="en-US" sz="2400" b="1"/>
+          </a:p>
+        </p:txBody>
+      </p:sp>
+      <p:pic>
+        <p:nvPicPr>
+          <p:cNvPr id="2" name="图片 1"/>
+          <p:cNvPicPr>
+            <a:picLocks noChangeAspect="1"/>
+          </p:cNvPicPr>
+          <p:nvPr/>
+        </p:nvPicPr>
+        <p:blipFill>
+          <a:blip r:embed="rId1"/>
+          <a:stretch>
+            <a:fillRect/>
+          </a:stretch>
+        </p:blipFill>
+        <p:spPr>
+          <a:xfrm>
+            <a:off x="669925" y="2486660"/>
+            <a:ext cx="4393565" cy="1737995"/>
+          </a:xfrm>
+          <a:prstGeom prst="rect">
+            <a:avLst/>
+          </a:prstGeom>
+        </p:spPr>
+      </p:pic>
+      <p:pic>
+        <p:nvPicPr>
+          <p:cNvPr id="4" name="图片 3"/>
+          <p:cNvPicPr>
+            <a:picLocks noChangeAspect="1"/>
+          </p:cNvPicPr>
+          <p:nvPr/>
+        </p:nvPicPr>
+        <p:blipFill>
+          <a:blip r:embed="rId2"/>
+          <a:stretch>
+            <a:fillRect/>
+          </a:stretch>
+        </p:blipFill>
+        <p:spPr>
+          <a:xfrm>
+            <a:off x="669925" y="4478655"/>
+            <a:ext cx="4413885" cy="2149475"/>
+          </a:xfrm>
+          <a:prstGeom prst="rect">
+            <a:avLst/>
+          </a:prstGeom>
+        </p:spPr>
+      </p:pic>
+      <p:pic>
+        <p:nvPicPr>
+          <p:cNvPr id="5" name="图片 4"/>
+          <p:cNvPicPr>
+            <a:picLocks noChangeAspect="1"/>
+          </p:cNvPicPr>
+          <p:nvPr/>
+        </p:nvPicPr>
+        <p:blipFill>
+          <a:blip r:embed="rId3"/>
+          <a:stretch>
+            <a:fillRect/>
+          </a:stretch>
+        </p:blipFill>
+        <p:spPr>
+          <a:xfrm>
+            <a:off x="6104255" y="2486660"/>
+            <a:ext cx="4317365" cy="2901950"/>
+          </a:xfrm>
+          <a:prstGeom prst="rect">
+            <a:avLst/>
+          </a:prstGeom>
+        </p:spPr>
+      </p:pic>
+    </p:spTree>
+  </p:cSld>
+  <p:clrMapOvr>
+    <a:masterClrMapping/>
+  </p:clrMapOvr>
+</p:sld>
+</file>
+
+<file path=ppt/slides/slide15.xml><?xml version="1.0" encoding="utf-8"?>
+<p:sld xmlns:a="http://schemas.openxmlformats.org/drawingml/2006/main" xmlns:r="http://schemas.openxmlformats.org/officeDocument/2006/relationships" xmlns:p="http://schemas.openxmlformats.org/presentationml/2006/main">
+  <p:cSld>
+    <p:spTree>
+      <p:nvGrpSpPr>
+        <p:cNvPr id="1" name=""/>
+        <p:cNvGrpSpPr/>
+        <p:nvPr/>
+      </p:nvGrpSpPr>
+      <p:grpSpPr>
+        <a:xfrm>
+          <a:off x="0" y="0"/>
+          <a:ext cx="0" cy="0"/>
+          <a:chOff x="0" y="0"/>
+          <a:chExt cx="0" cy="0"/>
+        </a:xfrm>
+      </p:grpSpPr>
+      <p:sp>
+        <p:nvSpPr>
+          <p:cNvPr id="20" name="标题 19"/>
+          <p:cNvSpPr>
+            <a:spLocks noGrp="1"/>
+          </p:cNvSpPr>
+          <p:nvPr>
+            <p:ph type="title"/>
+          </p:nvPr>
+        </p:nvSpPr>
+        <p:spPr/>
+        <p:txBody>
+          <a:bodyPr/>
+          <a:lstStyle/>
+          <a:p>
+            <a:r>
+              <a:rPr lang="zh-CN" altLang="en-US" dirty="0"/>
+              <a:t>管理线</a:t>
+            </a:r>
+            <a:endParaRPr lang="zh-CN" altLang="en-US" dirty="0"/>
+          </a:p>
+        </p:txBody>
+      </p:sp>
+      <p:sp>
+        <p:nvSpPr>
+          <p:cNvPr id="3" name="文本框 2"/>
+          <p:cNvSpPr txBox="1"/>
+          <p:nvPr/>
+        </p:nvSpPr>
+        <p:spPr>
+          <a:xfrm>
+            <a:off x="607060" y="1160780"/>
+            <a:ext cx="11052175" cy="5631180"/>
+          </a:xfrm>
+          <a:prstGeom prst="rect">
+            <a:avLst/>
+          </a:prstGeom>
+          <a:noFill/>
+        </p:spPr>
+        <p:txBody>
+          <a:bodyPr wrap="square" rtlCol="0">
+            <a:spAutoFit/>
+          </a:bodyPr>
+          <a:p>
+            <a:pPr fontAlgn="auto">
+              <a:lnSpc>
+                <a:spcPct val="150000"/>
+              </a:lnSpc>
+            </a:pPr>
+            <a:r>
+              <a:rPr lang="zh-CN" altLang="en-US" sz="2400" b="1"/>
+              <a:t>不断改进，日趋完善</a:t>
+            </a:r>
+            <a:endParaRPr lang="zh-CN" altLang="en-US" sz="2400" b="1"/>
+          </a:p>
+          <a:p>
+            <a:pPr fontAlgn="auto">
+              <a:lnSpc>
+                <a:spcPct val="150000"/>
+              </a:lnSpc>
+            </a:pPr>
+            <a:r>
+              <a:rPr lang="en-US" altLang="zh-CN" sz="2400" b="1"/>
+              <a:t>1</a:t>
+            </a:r>
+            <a:r>
+              <a:rPr lang="zh-CN" altLang="en-US" sz="2400" b="1"/>
+              <a:t>、第一次迭代</a:t>
+            </a:r>
+            <a:endParaRPr lang="zh-CN" altLang="en-US" sz="2400" b="1"/>
+          </a:p>
+          <a:p>
+            <a:pPr fontAlgn="auto">
+              <a:lnSpc>
+                <a:spcPct val="150000"/>
+              </a:lnSpc>
+            </a:pPr>
+            <a:r>
+              <a:rPr lang="zh-CN" altLang="en-US" sz="2400"/>
+              <a:t>问题：缺少问题与看板系统的建立；</a:t>
+            </a:r>
+            <a:endParaRPr lang="zh-CN" altLang="en-US" sz="2400"/>
+          </a:p>
+          <a:p>
+            <a:pPr fontAlgn="auto">
+              <a:lnSpc>
+                <a:spcPct val="150000"/>
+              </a:lnSpc>
+            </a:pPr>
+            <a:r>
+              <a:rPr lang="zh-CN" altLang="en-US" sz="2400"/>
+              <a:t>解决措施：立即建立问题与看板系统，并且将其他出现的问题加入系统；</a:t>
+            </a:r>
+            <a:endParaRPr lang="zh-CN" altLang="en-US" sz="2400"/>
+          </a:p>
+          <a:p>
+            <a:pPr fontAlgn="auto">
+              <a:lnSpc>
+                <a:spcPct val="150000"/>
+              </a:lnSpc>
+            </a:pPr>
+            <a:r>
+              <a:rPr lang="en-US" altLang="zh-CN" sz="2400" b="1"/>
+              <a:t>2</a:t>
+            </a:r>
+            <a:r>
+              <a:rPr lang="zh-CN" altLang="en-US" sz="2400" b="1"/>
+              <a:t>、第二次迭代</a:t>
+            </a:r>
+            <a:endParaRPr lang="zh-CN" altLang="en-US" sz="2400" b="1"/>
+          </a:p>
+          <a:p>
+            <a:pPr fontAlgn="auto">
+              <a:lnSpc>
+                <a:spcPct val="150000"/>
+              </a:lnSpc>
+            </a:pPr>
+            <a:r>
+              <a:rPr lang="zh-CN" altLang="en-US" sz="2400"/>
+              <a:t>问题：问题缺少阶段性的标签；</a:t>
+            </a:r>
+            <a:endParaRPr lang="zh-CN" altLang="en-US" sz="2400"/>
+          </a:p>
+          <a:p>
+            <a:pPr fontAlgn="auto">
+              <a:lnSpc>
+                <a:spcPct val="150000"/>
+              </a:lnSpc>
+            </a:pPr>
+            <a:r>
+              <a:rPr lang="zh-CN" altLang="en-US" sz="2400"/>
+              <a:t>解决措施：立即添加有关阶段性的标签；</a:t>
+            </a:r>
+            <a:endParaRPr lang="zh-CN" altLang="en-US" sz="2400"/>
+          </a:p>
+          <a:p>
+            <a:pPr fontAlgn="auto">
+              <a:lnSpc>
+                <a:spcPct val="150000"/>
+              </a:lnSpc>
+            </a:pPr>
+            <a:r>
+              <a:rPr lang="en-US" altLang="zh-CN" sz="2400" b="1"/>
+              <a:t>3</a:t>
+            </a:r>
+            <a:r>
+              <a:rPr lang="zh-CN" altLang="en-US" sz="2400" b="1"/>
+              <a:t>、第三次迭代</a:t>
+            </a:r>
+            <a:endParaRPr lang="zh-CN" altLang="en-US" sz="2400" b="1"/>
+          </a:p>
+          <a:p>
+            <a:pPr fontAlgn="auto">
+              <a:lnSpc>
+                <a:spcPct val="150000"/>
+              </a:lnSpc>
+            </a:pPr>
+            <a:r>
+              <a:rPr lang="zh-CN" altLang="en-US" sz="2400"/>
+              <a:t>问题：缺少单元测试；</a:t>
+            </a:r>
+            <a:endParaRPr lang="zh-CN" altLang="en-US" sz="2400"/>
+          </a:p>
+          <a:p>
+            <a:pPr fontAlgn="auto">
+              <a:lnSpc>
+                <a:spcPct val="150000"/>
+              </a:lnSpc>
+            </a:pPr>
+            <a:r>
+              <a:rPr lang="zh-CN" altLang="en-US" sz="2400"/>
+              <a:t>解决措施：立即添加单元测试；</a:t>
+            </a:r>
+            <a:endParaRPr lang="zh-CN" altLang="en-US" sz="2400"/>
+          </a:p>
+        </p:txBody>
+      </p:sp>
+    </p:spTree>
+  </p:cSld>
+  <p:clrMapOvr>
+    <a:masterClrMapping/>
+  </p:clrMapOvr>
+</p:sld>
+</file>
+
+<file path=ppt/slides/slide16.xml><?xml version="1.0" encoding="utf-8"?>
+<p:sld xmlns:a="http://schemas.openxmlformats.org/drawingml/2006/main" xmlns:r="http://schemas.openxmlformats.org/officeDocument/2006/relationships" xmlns:p="http://schemas.openxmlformats.org/presentationml/2006/main">
+  <p:cSld>
+    <p:spTree>
+      <p:nvGrpSpPr>
+        <p:cNvPr id="1" name=""/>
+        <p:cNvGrpSpPr/>
+        <p:nvPr/>
+      </p:nvGrpSpPr>
+      <p:grpSpPr>
+        <a:xfrm>
+          <a:off x="0" y="0"/>
+          <a:ext cx="0" cy="0"/>
+          <a:chOff x="0" y="0"/>
+          <a:chExt cx="0" cy="0"/>
+        </a:xfrm>
+      </p:grpSpPr>
+      <p:sp>
+        <p:nvSpPr>
+          <p:cNvPr id="20" name="标题 19"/>
+          <p:cNvSpPr>
+            <a:spLocks noGrp="1"/>
+          </p:cNvSpPr>
+          <p:nvPr>
+            <p:ph type="title"/>
+          </p:nvPr>
+        </p:nvSpPr>
+        <p:spPr/>
+        <p:txBody>
+          <a:bodyPr/>
+          <a:lstStyle/>
+          <a:p>
+            <a:r>
+              <a:rPr lang="zh-CN" altLang="en-US" dirty="0"/>
+              <a:t>管理线</a:t>
+            </a:r>
+            <a:endParaRPr lang="zh-CN" altLang="en-US" dirty="0"/>
+          </a:p>
+        </p:txBody>
+      </p:sp>
+      <p:sp>
+        <p:nvSpPr>
+          <p:cNvPr id="3" name="文本框 2"/>
+          <p:cNvSpPr txBox="1"/>
+          <p:nvPr/>
+        </p:nvSpPr>
+        <p:spPr>
+          <a:xfrm>
+            <a:off x="607060" y="1160780"/>
+            <a:ext cx="11052175" cy="3969385"/>
+          </a:xfrm>
+          <a:prstGeom prst="rect">
+            <a:avLst/>
+          </a:prstGeom>
+          <a:noFill/>
+        </p:spPr>
+        <p:txBody>
+          <a:bodyPr wrap="square" rtlCol="0">
+            <a:spAutoFit/>
+          </a:bodyPr>
+          <a:p>
+            <a:pPr fontAlgn="auto">
+              <a:lnSpc>
+                <a:spcPct val="150000"/>
+              </a:lnSpc>
+            </a:pPr>
+            <a:r>
+              <a:rPr lang="zh-CN" altLang="en-US" sz="2400" b="1"/>
+              <a:t>从线下到线上，结合小团队的特点应用课程知识</a:t>
+            </a:r>
+            <a:endParaRPr lang="zh-CN" altLang="en-US" sz="2400" b="1"/>
+          </a:p>
+          <a:p>
+            <a:pPr fontAlgn="auto">
+              <a:lnSpc>
+                <a:spcPct val="150000"/>
+              </a:lnSpc>
+            </a:pPr>
+            <a:r>
+              <a:rPr lang="en-US" altLang="zh-CN" sz="2400" b="1"/>
+              <a:t>1</a:t>
+            </a:r>
+            <a:r>
+              <a:rPr lang="zh-CN" altLang="en-US" sz="2400" b="1"/>
+              <a:t>、会议记录</a:t>
+            </a:r>
+            <a:endParaRPr lang="zh-CN" altLang="en-US" sz="2400" b="1"/>
+          </a:p>
+          <a:p>
+            <a:pPr fontAlgn="auto">
+              <a:lnSpc>
+                <a:spcPct val="150000"/>
+              </a:lnSpc>
+            </a:pPr>
+            <a:r>
+              <a:rPr lang="zh-CN" altLang="en-US" sz="2400"/>
+              <a:t>通过会议记录的形式，使所有成员第一时间获得最新的会议信息；</a:t>
+            </a:r>
+            <a:endParaRPr lang="zh-CN" altLang="en-US" sz="2400"/>
+          </a:p>
+          <a:p>
+            <a:pPr fontAlgn="auto">
+              <a:lnSpc>
+                <a:spcPct val="150000"/>
+              </a:lnSpc>
+            </a:pPr>
+            <a:r>
+              <a:rPr lang="en-US" altLang="zh-CN" sz="2400" b="1"/>
+              <a:t>2</a:t>
+            </a:r>
+            <a:r>
+              <a:rPr lang="zh-CN" altLang="en-US" sz="2400" b="1"/>
+              <a:t>、版本控制</a:t>
+            </a:r>
+            <a:endParaRPr lang="zh-CN" altLang="en-US" sz="2400" b="1"/>
+          </a:p>
+          <a:p>
+            <a:pPr fontAlgn="auto">
+              <a:lnSpc>
+                <a:spcPct val="150000"/>
+              </a:lnSpc>
+            </a:pPr>
+            <a:r>
+              <a:rPr lang="zh-CN" altLang="en-US" sz="2400"/>
+              <a:t>从初期的线下版本添加和交换，到全</a:t>
+            </a:r>
+            <a:r>
+              <a:rPr lang="en-US" altLang="zh-CN" sz="2400"/>
+              <a:t>Github</a:t>
+            </a:r>
+            <a:r>
+              <a:rPr lang="zh-CN" altLang="en-US" sz="2400"/>
+              <a:t>的版本更新；</a:t>
+            </a:r>
+            <a:endParaRPr lang="zh-CN" altLang="en-US" sz="2400"/>
+          </a:p>
+          <a:p>
+            <a:pPr fontAlgn="auto">
+              <a:lnSpc>
+                <a:spcPct val="150000"/>
+              </a:lnSpc>
+            </a:pPr>
+            <a:r>
+              <a:rPr lang="en-US" altLang="zh-CN" sz="2400" b="1"/>
+              <a:t>3</a:t>
+            </a:r>
+            <a:r>
+              <a:rPr lang="zh-CN" altLang="en-US" sz="2400" b="1"/>
+              <a:t>、两种模式切换</a:t>
+            </a:r>
+            <a:endParaRPr lang="zh-CN" altLang="en-US" sz="2400" b="1"/>
+          </a:p>
+          <a:p>
+            <a:pPr fontAlgn="auto">
+              <a:lnSpc>
+                <a:spcPct val="150000"/>
+              </a:lnSpc>
+            </a:pPr>
+            <a:r>
+              <a:rPr lang="zh-CN" altLang="en-US" sz="2400"/>
+              <a:t>取其所长，那种有利于效率用那种；</a:t>
+            </a:r>
+            <a:endParaRPr lang="zh-CN" altLang="en-US" sz="2400"/>
+          </a:p>
+        </p:txBody>
+      </p:sp>
+    </p:spTree>
+  </p:cSld>
+  <p:clrMapOvr>
+    <a:masterClrMapping/>
+  </p:clrMapOvr>
+</p:sld>
+</file>
+
+<file path=ppt/slides/slide17.xml><?xml version="1.0" encoding="utf-8"?>
+<p:sld xmlns:a="http://schemas.openxmlformats.org/drawingml/2006/main" xmlns:r="http://schemas.openxmlformats.org/officeDocument/2006/relationships" xmlns:p="http://schemas.openxmlformats.org/presentationml/2006/main">
+  <p:cSld>
+    <p:spTree>
+      <p:nvGrpSpPr>
+        <p:cNvPr id="1" name=""/>
+        <p:cNvGrpSpPr/>
+        <p:nvPr/>
+      </p:nvGrpSpPr>
+      <p:grpSpPr>
+        <a:xfrm>
+          <a:off x="0" y="0"/>
+          <a:ext cx="0" cy="0"/>
+          <a:chOff x="0" y="0"/>
+          <a:chExt cx="0" cy="0"/>
+        </a:xfrm>
+      </p:grpSpPr>
+      <p:sp>
+        <p:nvSpPr>
+          <p:cNvPr id="5" name="标题 4"/>
+          <p:cNvSpPr>
+            <a:spLocks noGrp="1"/>
+          </p:cNvSpPr>
+          <p:nvPr>
+            <p:ph type="title"/>
+          </p:nvPr>
+        </p:nvSpPr>
+        <p:spPr>
+          <a:xfrm>
+            <a:off x="667263" y="2381190"/>
+            <a:ext cx="4535055" cy="656792"/>
+          </a:xfrm>
+        </p:spPr>
+        <p:txBody>
+          <a:bodyPr>
+            <a:noAutofit/>
+          </a:bodyPr>
+          <a:lstStyle/>
+          <a:p>
+            <a:pPr algn="ctr"/>
+            <a:r>
+              <a:rPr lang="zh-CN" sz="3200" dirty="0"/>
+              <a:t>未来工作</a:t>
+            </a:r>
+            <a:endParaRPr lang="zh-CN" sz="3200" dirty="0"/>
+          </a:p>
+        </p:txBody>
+      </p:sp>
+      <p:sp>
+        <p:nvSpPr>
+          <p:cNvPr id="12" name="文本框 11"/>
+          <p:cNvSpPr txBox="1"/>
+          <p:nvPr/>
+        </p:nvSpPr>
+        <p:spPr>
+          <a:xfrm>
+            <a:off x="10196132" y="4985797"/>
+            <a:ext cx="1324356" cy="1151478"/>
+          </a:xfrm>
+          <a:prstGeom prst="rect">
+            <a:avLst/>
+          </a:prstGeom>
+          <a:noFill/>
+          <a:ln w="117475">
+            <a:noFill/>
+          </a:ln>
+        </p:spPr>
+        <p:txBody>
+          <a:bodyPr wrap="none" rtlCol="0">
+            <a:prstTxWarp prst="textPlain">
+              <a:avLst/>
+            </a:prstTxWarp>
+            <a:spAutoFit/>
+          </a:bodyPr>
+          <a:lstStyle/>
+          <a:p>
+            <a:r>
+              <a:rPr lang="en-US" altLang="zh-CN" spc="100" dirty="0">
+                <a:solidFill>
+                  <a:schemeClr val="bg1"/>
+                </a:solidFill>
+                <a:latin typeface="Impact" panose="020B0806030902050204" pitchFamily="34" charset="0"/>
+                <a:cs typeface="Arial" panose="020B0604020202020204" pitchFamily="34" charset="0"/>
+              </a:rPr>
+              <a:t>/04</a:t>
+            </a:r>
+            <a:endParaRPr lang="zh-CN" altLang="en-US" spc="100" dirty="0">
+              <a:solidFill>
+                <a:schemeClr val="bg1"/>
+              </a:solidFill>
+              <a:latin typeface="Impact" panose="020B0806030902050204" pitchFamily="34" charset="0"/>
+              <a:cs typeface="Arial" panose="020B0604020202020204" pitchFamily="34" charset="0"/>
+            </a:endParaRPr>
+          </a:p>
+        </p:txBody>
+      </p:sp>
+    </p:spTree>
+  </p:cSld>
+  <p:clrMapOvr>
+    <a:masterClrMapping/>
+  </p:clrMapOvr>
+</p:sld>
+</file>
+
+<file path=ppt/slides/slide18.xml><?xml version="1.0" encoding="utf-8"?>
 <p:sld xmlns:a="http://schemas.openxmlformats.org/drawingml/2006/main" xmlns:r="http://schemas.openxmlformats.org/officeDocument/2006/relationships" xmlns:p="http://schemas.openxmlformats.org/presentationml/2006/main">
   <p:cSld>
     <p:spTree>
@@ -6808,10 +8673,10 @@
           <a:lstStyle/>
           <a:p>
             <a:r>
-              <a:rPr sz="2100"/>
+              <a:rPr sz="2400"/>
               <a:t>欢迎各位批评和指导</a:t>
             </a:r>
-            <a:endParaRPr sz="1800" dirty="0"/>
+            <a:endParaRPr sz="2400" dirty="0"/>
           </a:p>
         </p:txBody>
       </p:sp>
@@ -7221,52 +9086,6 @@
         </p:sp>
         <p:sp>
           <p:nvSpPr>
-            <p:cNvPr id="12" name="îs1idé"/>
-            <p:cNvSpPr/>
-            <p:nvPr/>
-          </p:nvSpPr>
-          <p:spPr bwMode="auto">
-            <a:xfrm>
-              <a:off x="1146000" y="5071640"/>
-              <a:ext cx="9900000" cy="504056"/>
-            </a:xfrm>
-            <a:prstGeom prst="rect">
-              <a:avLst/>
-            </a:prstGeom>
-            <a:noFill/>
-            <a:ln w="12700" cap="flat" cmpd="sng" algn="ctr">
-              <a:solidFill>
-                <a:schemeClr val="accent5">
-                  <a:lumMod val="100000"/>
-                </a:schemeClr>
-              </a:solidFill>
-              <a:prstDash val="solid"/>
-              <a:round/>
-              <a:headEnd type="none" w="med" len="med"/>
-              <a:tailEnd type="none" w="med" len="med"/>
-            </a:ln>
-            <a:extLst>
-              <a:ext uri="{909E8E84-426E-40DD-AFC4-6F175D3DCCD1}">
-                <a14:hiddenFill xmlns:a14="http://schemas.microsoft.com/office/drawing/2010/main">
-                  <a:solidFill>
-                    <a:schemeClr val="accent1">
-                      <a:lumMod val="100000"/>
-                    </a:schemeClr>
-                  </a:solidFill>
-                </a14:hiddenFill>
-              </a:ext>
-            </a:extLst>
-          </p:spPr>
-          <p:txBody>
-            <a:bodyPr anchor="ctr"/>
-            <a:lstStyle/>
-            <a:p>
-              <a:pPr algn="ctr"/>
-            </a:p>
-          </p:txBody>
-        </p:sp>
-        <p:sp>
-          <p:nvSpPr>
             <p:cNvPr id="13" name="îšḻïḑe"/>
             <p:cNvSpPr/>
             <p:nvPr/>
@@ -7472,55 +9291,6 @@
             </a:p>
           </p:txBody>
         </p:sp>
-        <p:sp>
-          <p:nvSpPr>
-            <p:cNvPr id="17" name="išḻiďè"/>
-            <p:cNvSpPr/>
-            <p:nvPr/>
-          </p:nvSpPr>
-          <p:spPr bwMode="auto">
-            <a:xfrm>
-              <a:off x="1146000" y="5071638"/>
-              <a:ext cx="1363776" cy="504056"/>
-            </a:xfrm>
-            <a:prstGeom prst="rect">
-              <a:avLst/>
-            </a:prstGeom>
-            <a:noFill/>
-            <a:ln w="19050">
-              <a:noFill/>
-              <a:round/>
-            </a:ln>
-          </p:spPr>
-          <p:txBody>
-            <a:bodyPr rot="0" spcFirstLastPara="0" vert="horz" wrap="none" lIns="91440" tIns="45720" rIns="91440" bIns="45720" anchor="ctr" anchorCtr="1" forceAA="0" compatLnSpc="1">
-              <a:normAutofit/>
-            </a:bodyPr>
-            <a:lstStyle/>
-            <a:p>
-              <a:pPr algn="ctr"/>
-              <a:r>
-                <a:rPr lang="en-US" altLang="zh-CN" sz="2400">
-                  <a:solidFill>
-                    <a:schemeClr val="accent5">
-                      <a:lumMod val="100000"/>
-                    </a:schemeClr>
-                  </a:solidFill>
-                  <a:latin typeface="Impact" panose="020B0806030902050204" pitchFamily="34" charset="0"/>
-                </a:rPr>
-                <a:t>05</a:t>
-              </a:r>
-              <a:endParaRPr lang="en-US" altLang="zh-CN" sz="2400">
-                <a:solidFill>
-                  <a:schemeClr val="accent5">
-                    <a:lumMod val="100000"/>
-                  </a:schemeClr>
-                </a:solidFill>
-                <a:latin typeface="Impact" panose="020B0806030902050204" pitchFamily="34" charset="0"/>
-              </a:endParaRPr>
-            </a:p>
-          </p:txBody>
-        </p:sp>
         <p:cxnSp>
           <p:nvCxnSpPr>
             <p:cNvPr id="18" name="直接连接符 17"/>
@@ -7685,47 +9455,6 @@
             </a:fontRef>
           </p:style>
         </p:cxnSp>
-        <p:cxnSp>
-          <p:nvCxnSpPr>
-            <p:cNvPr id="22" name="直接连接符 21"/>
-            <p:cNvCxnSpPr/>
-            <p:nvPr/>
-          </p:nvCxnSpPr>
-          <p:spPr>
-            <a:xfrm>
-              <a:off x="2509776" y="5103281"/>
-              <a:ext cx="0" cy="440770"/>
-            </a:xfrm>
-            <a:prstGeom prst="line">
-              <a:avLst/>
-            </a:prstGeom>
-            <a:ln w="12700" cap="flat" cmpd="sng" algn="ctr">
-              <a:solidFill>
-                <a:schemeClr val="accent5">
-                  <a:lumMod val="100000"/>
-                </a:schemeClr>
-              </a:solidFill>
-              <a:prstDash val="solid"/>
-              <a:miter lim="800000"/>
-              <a:headEnd type="none" w="med" len="med"/>
-              <a:tailEnd type="none" w="med" len="med"/>
-            </a:ln>
-          </p:spPr>
-          <p:style>
-            <a:lnRef idx="1">
-              <a:schemeClr val="accent1"/>
-            </a:lnRef>
-            <a:fillRef idx="0">
-              <a:schemeClr val="accent1"/>
-            </a:fillRef>
-            <a:effectRef idx="0">
-              <a:schemeClr val="accent1"/>
-            </a:effectRef>
-            <a:fontRef idx="minor">
-              <a:schemeClr val="tx1"/>
-            </a:fontRef>
-          </p:style>
-        </p:cxnSp>
         <p:sp>
           <p:nvSpPr>
             <p:cNvPr id="23" name="íšḷíḑé"/>
@@ -7769,10 +9498,10 @@
                 </a:lnSpc>
               </a:pPr>
               <a:r>
-                <a:rPr lang="en-US" altLang="zh-CN" sz="1400" dirty="0"/>
-                <a:t>Copy paste fonts. Choose the only option to retain text.</a:t>
+                <a:rPr lang="zh-CN" sz="2000" b="1" dirty="0"/>
+                <a:t>整体总结</a:t>
               </a:r>
-              <a:endParaRPr lang="zh-CN" altLang="en-US" sz="1400" dirty="0"/>
+              <a:endParaRPr lang="zh-CN" sz="2000" b="1" dirty="0"/>
             </a:p>
           </p:txBody>
         </p:sp>
@@ -7814,10 +9543,18 @@
             <a:lstStyle/>
             <a:p>
               <a:r>
-                <a:rPr lang="en-US" altLang="zh-CN" sz="1400" dirty="0"/>
-                <a:t>Copy paste fonts. Choose the only option to retain text.</a:t>
+                <a:rPr lang="zh-CN" sz="2000" b="1" dirty="0"/>
+                <a:t>团队亮点</a:t>
               </a:r>
-              <a:endParaRPr lang="zh-CN" altLang="en-US" sz="1400" dirty="0"/>
+              <a:r>
+                <a:rPr lang="en-US" altLang="zh-CN" sz="2000" b="1" dirty="0"/>
+                <a:t>——</a:t>
+              </a:r>
+              <a:r>
+                <a:rPr lang="zh-CN" altLang="en-US" sz="2000" b="1" dirty="0"/>
+                <a:t>技术线</a:t>
+              </a:r>
+              <a:endParaRPr lang="zh-CN" altLang="en-US" sz="2000" b="1" dirty="0"/>
             </a:p>
           </p:txBody>
         </p:sp>
@@ -7864,10 +9601,18 @@
                 </a:lnSpc>
               </a:pPr>
               <a:r>
-                <a:rPr lang="en-US" altLang="zh-CN" sz="1400" dirty="0"/>
-                <a:t>Copy paste fonts. Choose the only option to retain text.</a:t>
+                <a:rPr lang="zh-CN" sz="2000" b="1" dirty="0"/>
+                <a:t>团队亮点</a:t>
               </a:r>
-              <a:endParaRPr lang="zh-CN" altLang="en-US" sz="1400" dirty="0"/>
+              <a:r>
+                <a:rPr lang="en-US" altLang="zh-CN" sz="2000" b="1" dirty="0"/>
+                <a:t>——</a:t>
+              </a:r>
+              <a:r>
+                <a:rPr lang="zh-CN" altLang="en-US" sz="2000" b="1" dirty="0"/>
+                <a:t>管理线</a:t>
+              </a:r>
+              <a:endParaRPr lang="zh-CN" altLang="en-US" sz="2000" b="1" dirty="0"/>
             </a:p>
           </p:txBody>
         </p:sp>
@@ -7914,60 +9659,10 @@
                 </a:lnSpc>
               </a:pPr>
               <a:r>
-                <a:rPr lang="en-US" altLang="zh-CN" sz="1400" dirty="0"/>
-                <a:t>Copy paste fonts. Choose the only option to retain text.</a:t>
+                <a:rPr lang="zh-CN" sz="2000" b="1" dirty="0"/>
+                <a:t>未来工作</a:t>
               </a:r>
-              <a:endParaRPr lang="zh-CN" altLang="en-US" sz="1400" dirty="0"/>
-            </a:p>
-          </p:txBody>
-        </p:sp>
-        <p:sp>
-          <p:nvSpPr>
-            <p:cNvPr id="27" name="íṡļíḑé"/>
-            <p:cNvSpPr/>
-            <p:nvPr/>
-          </p:nvSpPr>
-          <p:spPr bwMode="auto">
-            <a:xfrm>
-              <a:off x="2901000" y="5071638"/>
-              <a:ext cx="8144999" cy="504056"/>
-            </a:xfrm>
-            <a:prstGeom prst="rect">
-              <a:avLst/>
-            </a:prstGeom>
-            <a:noFill/>
-            <a:ln w="19050">
-              <a:noFill/>
-              <a:round/>
-            </a:ln>
-            <a:extLst>
-              <a:ext uri="{909E8E84-426E-40DD-AFC4-6F175D3DCCD1}">
-                <a14:hiddenFill xmlns:a14="http://schemas.microsoft.com/office/drawing/2010/main">
-                  <a:solidFill>
-                    <a:schemeClr val="accent1">
-                      <a:lumMod val="100000"/>
-                    </a:schemeClr>
-                  </a:solidFill>
-                </a14:hiddenFill>
-              </a:ext>
-            </a:extLst>
-          </p:spPr>
-          <p:txBody>
-            <a:bodyPr rot="0" spcFirstLastPara="0" vert="horz" wrap="none" lIns="91440" tIns="45720" rIns="91440" bIns="45720" anchor="ctr" anchorCtr="0" forceAA="0" compatLnSpc="1">
-              <a:normAutofit/>
-            </a:bodyPr>
-            <a:lstStyle/>
-            <a:p>
-              <a:pPr>
-                <a:lnSpc>
-                  <a:spcPct val="120000"/>
-                </a:lnSpc>
-              </a:pPr>
-              <a:r>
-                <a:rPr lang="en-US" altLang="zh-CN" sz="1400" dirty="0"/>
-                <a:t>Copy paste fonts. Choose the only option to retain text.</a:t>
-              </a:r>
-              <a:endParaRPr lang="zh-CN" altLang="en-US" sz="1400" dirty="0"/>
+              <a:endParaRPr lang="zh-CN" sz="2000" b="1" dirty="0"/>
             </a:p>
           </p:txBody>
         </p:sp>
@@ -8021,10 +9716,10 @@
           <a:p>
             <a:pPr algn="ctr"/>
             <a:r>
-              <a:rPr lang="zh-CN" sz="3600" dirty="0"/>
+              <a:rPr lang="zh-CN" sz="3200" dirty="0"/>
               <a:t>整体总结</a:t>
             </a:r>
-            <a:endParaRPr lang="zh-CN" sz="3600" b="0" dirty="0"/>
+            <a:endParaRPr lang="zh-CN" sz="3200" b="0" dirty="0"/>
           </a:p>
         </p:txBody>
       </p:sp>
@@ -8133,7 +9828,7 @@
         <p:spPr>
           <a:xfrm>
             <a:off x="607060" y="1160780"/>
-            <a:ext cx="11052175" cy="3322955"/>
+            <a:ext cx="11052175" cy="3969385"/>
           </a:xfrm>
           <a:prstGeom prst="rect">
             <a:avLst/>
@@ -8151,10 +9846,10 @@
               </a:lnSpc>
             </a:pPr>
             <a:r>
-              <a:rPr lang="zh-CN" altLang="en-US" sz="2000" b="1"/>
+              <a:rPr lang="zh-CN" altLang="en-US" sz="2400" b="1"/>
               <a:t>技术性工作</a:t>
             </a:r>
-            <a:endParaRPr lang="zh-CN" altLang="en-US" sz="2000" b="1"/>
+            <a:endParaRPr lang="zh-CN" altLang="en-US" sz="2400" b="1"/>
           </a:p>
           <a:p>
             <a:pPr fontAlgn="auto">
@@ -8163,14 +9858,14 @@
               </a:lnSpc>
             </a:pPr>
             <a:r>
-              <a:rPr lang="en-US" altLang="zh-CN" sz="2000" b="1"/>
+              <a:rPr lang="en-US" altLang="zh-CN" sz="2400" b="1"/>
               <a:t>1</a:t>
             </a:r>
             <a:r>
-              <a:rPr lang="zh-CN" altLang="en-US" sz="2000" b="1"/>
+              <a:rPr lang="zh-CN" altLang="en-US" sz="2400" b="1"/>
               <a:t>、基本避障功能</a:t>
             </a:r>
-            <a:endParaRPr lang="zh-CN" altLang="en-US" sz="2000" b="1"/>
+            <a:endParaRPr lang="zh-CN" altLang="en-US" sz="2400" b="1"/>
           </a:p>
           <a:p>
             <a:pPr fontAlgn="auto">
@@ -8179,10 +9874,10 @@
               </a:lnSpc>
             </a:pPr>
             <a:r>
-              <a:rPr lang="zh-CN" altLang="en-US" sz="2000"/>
+              <a:rPr lang="zh-CN" altLang="en-US" sz="2400"/>
               <a:t>实现了在路径规划后，导航行进的过程中遇障急停；</a:t>
             </a:r>
-            <a:endParaRPr lang="zh-CN" altLang="en-US" sz="2000"/>
+            <a:endParaRPr lang="zh-CN" altLang="en-US" sz="2400"/>
           </a:p>
           <a:p>
             <a:pPr fontAlgn="auto">
@@ -8191,14 +9886,14 @@
               </a:lnSpc>
             </a:pPr>
             <a:r>
-              <a:rPr lang="en-US" altLang="zh-CN" sz="2000" b="1"/>
+              <a:rPr lang="en-US" altLang="zh-CN" sz="2400" b="1"/>
               <a:t>2</a:t>
             </a:r>
             <a:r>
-              <a:rPr lang="zh-CN" altLang="en-US" sz="2000" b="1"/>
+              <a:rPr lang="zh-CN" altLang="en-US" sz="2400" b="1"/>
               <a:t>、路径规划型</a:t>
             </a:r>
-            <a:endParaRPr lang="zh-CN" altLang="en-US" sz="2000" b="1"/>
+            <a:endParaRPr lang="zh-CN" altLang="en-US" sz="2400" b="1"/>
           </a:p>
           <a:p>
             <a:pPr fontAlgn="auto">
@@ -8207,10 +9902,10 @@
               </a:lnSpc>
             </a:pPr>
             <a:r>
-              <a:rPr lang="zh-CN" altLang="en-US" sz="2000"/>
+              <a:rPr lang="zh-CN" altLang="en-US" sz="2400"/>
               <a:t>实现了在设置好的多个导航点之间巡航，且在巡航过程中可以遇障急停；</a:t>
             </a:r>
-            <a:endParaRPr lang="zh-CN" altLang="en-US" sz="2000"/>
+            <a:endParaRPr lang="zh-CN" altLang="en-US" sz="2400"/>
           </a:p>
           <a:p>
             <a:pPr fontAlgn="auto">
@@ -8219,14 +9914,14 @@
               </a:lnSpc>
             </a:pPr>
             <a:r>
-              <a:rPr lang="en-US" altLang="zh-CN" sz="2000" b="1"/>
+              <a:rPr lang="en-US" altLang="zh-CN" sz="2400" b="1"/>
               <a:t>3</a:t>
             </a:r>
             <a:r>
-              <a:rPr lang="zh-CN" altLang="en-US" sz="2000" b="1"/>
+              <a:rPr lang="zh-CN" altLang="en-US" sz="2400" b="1"/>
               <a:t>、目标检测机抓取型</a:t>
             </a:r>
-            <a:endParaRPr lang="zh-CN" altLang="en-US" sz="2000" b="1"/>
+            <a:endParaRPr lang="zh-CN" altLang="en-US" sz="2400" b="1"/>
           </a:p>
           <a:p>
             <a:pPr fontAlgn="auto">
@@ -8235,10 +9930,10 @@
               </a:lnSpc>
             </a:pPr>
             <a:r>
-              <a:rPr lang="zh-CN" altLang="en-US" sz="2000"/>
+              <a:rPr lang="zh-CN" altLang="en-US" sz="2400"/>
               <a:t>实现了可以在用户发出指令后，抓取指定物体；</a:t>
             </a:r>
-            <a:endParaRPr lang="zh-CN" altLang="en-US" sz="2000"/>
+            <a:endParaRPr lang="zh-CN" altLang="en-US" sz="2400"/>
           </a:p>
         </p:txBody>
       </p:sp>
@@ -8299,7 +9994,7 @@
         <p:spPr>
           <a:xfrm>
             <a:off x="607060" y="1160780"/>
-            <a:ext cx="11052175" cy="2861310"/>
+            <a:ext cx="11052175" cy="3415030"/>
           </a:xfrm>
           <a:prstGeom prst="rect">
             <a:avLst/>
@@ -8317,10 +10012,10 @@
               </a:lnSpc>
             </a:pPr>
             <a:r>
-              <a:rPr lang="zh-CN" altLang="en-US" sz="2000" b="1"/>
+              <a:rPr lang="zh-CN" altLang="en-US" sz="2400" b="1"/>
               <a:t>管理型工作</a:t>
             </a:r>
-            <a:endParaRPr lang="zh-CN" altLang="en-US" sz="2000" b="1"/>
+            <a:endParaRPr lang="zh-CN" altLang="en-US" sz="2400" b="1"/>
           </a:p>
           <a:p>
             <a:pPr fontAlgn="auto">
@@ -8329,14 +10024,14 @@
               </a:lnSpc>
             </a:pPr>
             <a:r>
-              <a:rPr lang="en-US" altLang="zh-CN" sz="2000" b="1"/>
+              <a:rPr lang="en-US" altLang="zh-CN" sz="2400"/>
               <a:t>1</a:t>
             </a:r>
             <a:r>
-              <a:rPr lang="zh-CN" altLang="en-US" sz="2000" b="1"/>
+              <a:rPr lang="zh-CN" altLang="en-US" sz="2400"/>
               <a:t>、较好地完成各类文档的撰写；</a:t>
             </a:r>
-            <a:endParaRPr lang="zh-CN" altLang="en-US" sz="2000" b="1"/>
+            <a:endParaRPr lang="zh-CN" altLang="en-US" sz="2400"/>
           </a:p>
           <a:p>
             <a:pPr fontAlgn="auto">
@@ -8345,14 +10040,14 @@
               </a:lnSpc>
             </a:pPr>
             <a:r>
-              <a:rPr lang="en-US" altLang="zh-CN" sz="2000" b="1"/>
+              <a:rPr lang="en-US" altLang="zh-CN" sz="2400"/>
               <a:t>2</a:t>
             </a:r>
             <a:r>
-              <a:rPr lang="zh-CN" altLang="en-US" sz="2000" b="1"/>
+              <a:rPr lang="zh-CN" altLang="en-US" sz="2400"/>
               <a:t>、较好地完成了每次迭代的推进与问题查改；</a:t>
             </a:r>
-            <a:endParaRPr lang="zh-CN" altLang="en-US" sz="2000" b="1"/>
+            <a:endParaRPr lang="zh-CN" altLang="en-US" sz="2400"/>
           </a:p>
           <a:p>
             <a:pPr fontAlgn="auto">
@@ -8361,22 +10056,22 @@
               </a:lnSpc>
             </a:pPr>
             <a:r>
-              <a:rPr lang="en-US" altLang="zh-CN" sz="2000" b="1"/>
+              <a:rPr lang="en-US" altLang="zh-CN" sz="2400"/>
               <a:t>3</a:t>
             </a:r>
             <a:r>
-              <a:rPr lang="zh-CN" altLang="en-US" sz="2000" b="1"/>
+              <a:rPr lang="zh-CN" altLang="en-US" sz="2400"/>
               <a:t>、建立基于</a:t>
             </a:r>
             <a:r>
-              <a:rPr lang="en-US" altLang="zh-CN" sz="2000" b="1"/>
+              <a:rPr lang="en-US" altLang="zh-CN" sz="2400"/>
               <a:t>Github</a:t>
             </a:r>
             <a:r>
-              <a:rPr lang="zh-CN" altLang="en-US" sz="2000" b="1"/>
+              <a:rPr lang="zh-CN" altLang="en-US" sz="2400"/>
               <a:t>平台的问题系统；</a:t>
             </a:r>
-            <a:endParaRPr lang="zh-CN" altLang="en-US" sz="2000" b="1"/>
+            <a:endParaRPr lang="zh-CN" altLang="en-US" sz="2400"/>
           </a:p>
           <a:p>
             <a:pPr fontAlgn="auto">
@@ -8385,22 +10080,22 @@
               </a:lnSpc>
             </a:pPr>
             <a:r>
-              <a:rPr lang="en-US" altLang="zh-CN" sz="2000" b="1"/>
+              <a:rPr lang="en-US" altLang="zh-CN" sz="2400"/>
               <a:t>4</a:t>
             </a:r>
             <a:r>
-              <a:rPr lang="zh-CN" altLang="en-US" sz="2000" b="1"/>
+              <a:rPr lang="zh-CN" altLang="en-US" sz="2400"/>
               <a:t>、建立基于</a:t>
             </a:r>
             <a:r>
-              <a:rPr lang="en-US" altLang="zh-CN" sz="2000" b="1"/>
+              <a:rPr lang="en-US" altLang="zh-CN" sz="2400"/>
               <a:t>Github</a:t>
             </a:r>
             <a:r>
-              <a:rPr lang="zh-CN" altLang="en-US" sz="2000" b="1"/>
+              <a:rPr lang="zh-CN" altLang="en-US" sz="2400"/>
               <a:t>平台的看板系统；</a:t>
             </a:r>
-            <a:endParaRPr lang="zh-CN" altLang="en-US" sz="2000" b="1"/>
+            <a:endParaRPr lang="zh-CN" altLang="en-US" sz="2400"/>
           </a:p>
           <a:p>
             <a:pPr fontAlgn="auto">
@@ -8408,7 +10103,7 @@
                 <a:spcPct val="150000"/>
               </a:lnSpc>
             </a:pPr>
-            <a:endParaRPr lang="zh-CN" altLang="en-US" sz="2000" b="1"/>
+            <a:endParaRPr lang="zh-CN" altLang="en-US" sz="2400"/>
           </a:p>
         </p:txBody>
       </p:sp>
@@ -8449,27 +10144,27 @@
         </p:nvSpPr>
         <p:spPr>
           <a:xfrm>
-            <a:off x="667263" y="2381190"/>
-            <a:ext cx="4535055" cy="656792"/>
+            <a:off x="667385" y="2242185"/>
+            <a:ext cx="4535170" cy="1107440"/>
           </a:xfrm>
         </p:spPr>
         <p:txBody>
           <a:bodyPr>
-            <a:noAutofit/>
+            <a:normAutofit fontScale="90000"/>
           </a:bodyPr>
           <a:lstStyle/>
           <a:p>
             <a:pPr algn="ctr"/>
             <a:r>
-              <a:rPr lang="zh-CN" sz="3600" dirty="0"/>
+              <a:rPr lang="zh-CN" altLang="en-US" sz="3600" dirty="0"/>
               <a:t>团队亮点</a:t>
             </a:r>
             <a:br>
-              <a:rPr lang="zh-CN" sz="3600" dirty="0"/>
+              <a:rPr lang="zh-CN" altLang="en-US" sz="3600" dirty="0"/>
             </a:br>
             <a:r>
-              <a:rPr lang="zh-CN" sz="3600" dirty="0"/>
-              <a:t>                        </a:t>
+              <a:rPr lang="zh-CN" altLang="en-US" dirty="0"/>
+              <a:t>                                         </a:t>
             </a:r>
             <a:r>
               <a:rPr lang="en-US" altLang="zh-CN" sz="2000" dirty="0"/>
@@ -8477,7 +10172,7 @@
             </a:r>
             <a:r>
               <a:rPr lang="zh-CN" altLang="en-US" sz="2000" dirty="0"/>
-              <a:t>管理线</a:t>
+              <a:t>技术线</a:t>
             </a:r>
             <a:endParaRPr lang="zh-CN" altLang="en-US" sz="2000" dirty="0"/>
           </a:p>
@@ -8519,7 +10214,7 @@
                 <a:latin typeface="Impact" panose="020B0806030902050204" pitchFamily="34" charset="0"/>
                 <a:cs typeface="Arial" panose="020B0604020202020204" pitchFamily="34" charset="0"/>
               </a:rPr>
-              <a:t>/03</a:t>
+              <a:t>/02</a:t>
             </a:r>
             <a:endParaRPr lang="zh-CN" altLang="en-US" spc="100" dirty="0">
               <a:solidFill>
@@ -8558,7 +10253,7 @@
       </p:grpSpPr>
       <p:sp>
         <p:nvSpPr>
-          <p:cNvPr id="20" name="标题 19"/>
+          <p:cNvPr id="2" name="标题 1"/>
           <p:cNvSpPr>
             <a:spLocks noGrp="1"/>
           </p:cNvSpPr>
@@ -8573,150 +10268,363 @@
           <a:p>
             <a:r>
               <a:rPr lang="zh-CN" altLang="en-US" dirty="0"/>
-              <a:t>团队亮点</a:t>
-            </a:r>
-            <a:r>
-              <a:rPr lang="en-US" altLang="zh-CN" dirty="0"/>
-              <a:t>——</a:t>
-            </a:r>
-            <a:r>
-              <a:rPr lang="zh-CN" altLang="en-US" dirty="0"/>
-              <a:t>管理线</a:t>
+              <a:t>技术线</a:t>
             </a:r>
             <a:endParaRPr lang="zh-CN" altLang="en-US" dirty="0"/>
           </a:p>
         </p:txBody>
       </p:sp>
-      <p:sp>
-        <p:nvSpPr>
-          <p:cNvPr id="3" name="文本框 2"/>
-          <p:cNvSpPr txBox="1"/>
+      <p:grpSp>
+        <p:nvGrpSpPr>
+          <p:cNvPr id="42" name="组合 41"/>
+          <p:cNvGrpSpPr/>
           <p:nvPr/>
-        </p:nvSpPr>
-        <p:spPr>
+        </p:nvGrpSpPr>
+        <p:grpSpPr>
           <a:xfrm>
-            <a:off x="607060" y="1160780"/>
-            <a:ext cx="11052175" cy="1476375"/>
+            <a:off x="4731557" y="2699776"/>
+            <a:ext cx="2475047" cy="1885427"/>
+            <a:chOff x="4923131" y="2524104"/>
+            <a:chExt cx="2475047" cy="1885427"/>
           </a:xfrm>
-          <a:prstGeom prst="rect">
-            <a:avLst/>
-          </a:prstGeom>
-          <a:noFill/>
-        </p:spPr>
-        <p:txBody>
-          <a:bodyPr wrap="square" rtlCol="0">
-            <a:spAutoFit/>
-          </a:bodyPr>
-          <a:p>
-            <a:pPr fontAlgn="auto">
-              <a:lnSpc>
-                <a:spcPct val="150000"/>
-              </a:lnSpc>
-            </a:pPr>
-            <a:r>
-              <a:rPr lang="zh-CN" altLang="en-US" sz="2000" b="1"/>
-              <a:t>版本清晰，详细可查</a:t>
-            </a:r>
-            <a:endParaRPr lang="zh-CN" altLang="en-US" sz="2000" b="1"/>
-          </a:p>
-          <a:p>
-            <a:pPr fontAlgn="auto">
-              <a:lnSpc>
-                <a:spcPct val="150000"/>
-              </a:lnSpc>
-            </a:pPr>
-            <a:r>
-              <a:rPr lang="en-US" altLang="zh-CN" sz="2000" b="1"/>
-              <a:t>1</a:t>
-            </a:r>
-            <a:r>
-              <a:rPr lang="zh-CN" altLang="en-US" sz="2000" b="1"/>
-              <a:t>、每一份文档都有详细的版本记录</a:t>
-            </a:r>
-            <a:endParaRPr lang="zh-CN" altLang="en-US" sz="2000" b="1"/>
-          </a:p>
-          <a:p>
-            <a:pPr fontAlgn="auto">
-              <a:lnSpc>
-                <a:spcPct val="150000"/>
-              </a:lnSpc>
-            </a:pPr>
-            <a:endParaRPr lang="zh-CN" altLang="en-US" sz="2000" b="1"/>
-          </a:p>
-        </p:txBody>
-      </p:sp>
-      <p:pic>
-        <p:nvPicPr>
-          <p:cNvPr id="2" name="图片 1"/>
-          <p:cNvPicPr>
-            <a:picLocks noChangeAspect="1"/>
-          </p:cNvPicPr>
+        </p:grpSpPr>
+        <p:sp>
+          <p:nvSpPr>
+            <p:cNvPr id="24" name="îślïḑé"/>
+            <p:cNvSpPr/>
+            <p:nvPr/>
+          </p:nvSpPr>
+          <p:spPr>
+            <a:xfrm flipV="1">
+              <a:off x="5250104" y="2978554"/>
+              <a:ext cx="1691792" cy="1430977"/>
+            </a:xfrm>
+            <a:prstGeom prst="rect">
+              <a:avLst/>
+            </a:prstGeom>
+            <a:solidFill>
+              <a:schemeClr val="accent2"/>
+            </a:solidFill>
+            <a:ln>
+              <a:noFill/>
+            </a:ln>
+            <a:scene3d>
+              <a:camera prst="perspectiveRelaxed" fov="5700000">
+                <a:rot lat="16800000" lon="0" rev="0"/>
+              </a:camera>
+              <a:lightRig rig="soft" dir="t">
+                <a:rot lat="0" lon="0" rev="4800000"/>
+              </a:lightRig>
+            </a:scene3d>
+            <a:sp3d extrusionH="57150" prstMaterial="plastic">
+              <a:bevelT w="0" h="12700"/>
+              <a:bevelB w="0" h="25400"/>
+            </a:sp3d>
+          </p:spPr>
+          <p:style>
+            <a:lnRef idx="2">
+              <a:schemeClr val="accent1">
+                <a:shade val="50000"/>
+              </a:schemeClr>
+            </a:lnRef>
+            <a:fillRef idx="1">
+              <a:schemeClr val="accent1"/>
+            </a:fillRef>
+            <a:effectRef idx="0">
+              <a:schemeClr val="accent1"/>
+            </a:effectRef>
+            <a:fontRef idx="minor">
+              <a:schemeClr val="lt1"/>
+            </a:fontRef>
+          </p:style>
+          <p:txBody>
+            <a:bodyPr anchor="ctr"/>
+            <a:lstStyle/>
+            <a:p>
+              <a:pPr algn="ctr"/>
+            </a:p>
+          </p:txBody>
+        </p:sp>
+        <p:sp>
+          <p:nvSpPr>
+            <p:cNvPr id="26" name="iśḷïdê"/>
+            <p:cNvSpPr txBox="1"/>
+            <p:nvPr/>
+          </p:nvSpPr>
+          <p:spPr bwMode="auto">
+            <a:xfrm>
+              <a:off x="4923131" y="2524104"/>
+              <a:ext cx="2475047" cy="1043262"/>
+            </a:xfrm>
+            <a:prstGeom prst="rect">
+              <a:avLst/>
+            </a:prstGeom>
+            <a:noFill/>
+          </p:spPr>
+          <p:txBody>
+            <a:bodyPr wrap="square" lIns="0" tIns="0" rIns="0" bIns="0" anchor="ctr">
+              <a:noAutofit/>
+            </a:bodyPr>
+            <a:lstStyle/>
+            <a:p>
+              <a:r>
+                <a:rPr lang="zh-CN" altLang="en-US" sz="2400" b="1" dirty="0">
+                  <a:solidFill>
+                    <a:schemeClr val="accent2"/>
+                  </a:solidFill>
+                  <a:effectLst/>
+                  <a:latin typeface="Impact" panose="020B0806030902050204" pitchFamily="34" charset="0"/>
+                </a:rPr>
+                <a:t>基于例程，重新设计、组合已有功能</a:t>
+              </a:r>
+              <a:endParaRPr lang="en-US" altLang="ko-KR" sz="2400" b="1" dirty="0">
+                <a:solidFill>
+                  <a:schemeClr val="accent2"/>
+                </a:solidFill>
+                <a:effectLst/>
+                <a:latin typeface="Impact" panose="020B0806030902050204" pitchFamily="34" charset="0"/>
+              </a:endParaRPr>
+            </a:p>
+          </p:txBody>
+        </p:sp>
+      </p:grpSp>
+      <p:grpSp>
+        <p:nvGrpSpPr>
+          <p:cNvPr id="44" name="组合 43"/>
+          <p:cNvGrpSpPr/>
           <p:nvPr/>
-        </p:nvPicPr>
-        <p:blipFill>
-          <a:blip r:embed="rId1"/>
-          <a:stretch>
-            <a:fillRect/>
-          </a:stretch>
-        </p:blipFill>
-        <p:spPr>
+        </p:nvGrpSpPr>
+        <p:grpSpPr>
           <a:xfrm>
-            <a:off x="669925" y="2486660"/>
-            <a:ext cx="4393565" cy="1737995"/>
+            <a:off x="8999628" y="1875267"/>
+            <a:ext cx="1691792" cy="1767223"/>
+            <a:chOff x="7872792" y="1919807"/>
+            <a:chExt cx="1691792" cy="1767223"/>
           </a:xfrm>
-          <a:prstGeom prst="rect">
-            <a:avLst/>
-          </a:prstGeom>
-        </p:spPr>
-      </p:pic>
-      <p:pic>
-        <p:nvPicPr>
-          <p:cNvPr id="4" name="图片 3"/>
-          <p:cNvPicPr>
-            <a:picLocks noChangeAspect="1"/>
-          </p:cNvPicPr>
+        </p:grpSpPr>
+        <p:sp>
+          <p:nvSpPr>
+            <p:cNvPr id="28" name="iŝḷíḑè"/>
+            <p:cNvSpPr/>
+            <p:nvPr/>
+          </p:nvSpPr>
+          <p:spPr>
+            <a:xfrm flipV="1">
+              <a:off x="7872792" y="2256053"/>
+              <a:ext cx="1691792" cy="1430977"/>
+            </a:xfrm>
+            <a:prstGeom prst="rect">
+              <a:avLst/>
+            </a:prstGeom>
+            <a:solidFill>
+              <a:schemeClr val="accent3"/>
+            </a:solidFill>
+            <a:ln>
+              <a:noFill/>
+            </a:ln>
+            <a:scene3d>
+              <a:camera prst="perspectiveRelaxed" fov="5700000">
+                <a:rot lat="16800000" lon="0" rev="0"/>
+              </a:camera>
+              <a:lightRig rig="soft" dir="t">
+                <a:rot lat="0" lon="0" rev="4800000"/>
+              </a:lightRig>
+            </a:scene3d>
+            <a:sp3d extrusionH="57150" prstMaterial="plastic">
+              <a:bevelT w="0" h="12700"/>
+              <a:bevelB w="0" h="25400"/>
+            </a:sp3d>
+          </p:spPr>
+          <p:style>
+            <a:lnRef idx="2">
+              <a:schemeClr val="accent1">
+                <a:shade val="50000"/>
+              </a:schemeClr>
+            </a:lnRef>
+            <a:fillRef idx="1">
+              <a:schemeClr val="accent1"/>
+            </a:fillRef>
+            <a:effectRef idx="0">
+              <a:schemeClr val="accent1"/>
+            </a:effectRef>
+            <a:fontRef idx="minor">
+              <a:schemeClr val="lt1"/>
+            </a:fontRef>
+          </p:style>
+          <p:txBody>
+            <a:bodyPr anchor="ctr"/>
+            <a:lstStyle/>
+            <a:p>
+              <a:pPr algn="ctr"/>
+            </a:p>
+          </p:txBody>
+        </p:sp>
+        <p:sp>
+          <p:nvSpPr>
+            <p:cNvPr id="30" name="ïṩ1íḋè"/>
+            <p:cNvSpPr txBox="1"/>
+            <p:nvPr/>
+          </p:nvSpPr>
+          <p:spPr bwMode="auto">
+            <a:xfrm>
+              <a:off x="7872792" y="1919807"/>
+              <a:ext cx="1691792" cy="1028699"/>
+            </a:xfrm>
+            <a:prstGeom prst="rect">
+              <a:avLst/>
+            </a:prstGeom>
+            <a:noFill/>
+          </p:spPr>
+          <p:txBody>
+            <a:bodyPr wrap="square" lIns="0" tIns="0" rIns="0" bIns="0" anchor="ctr">
+              <a:noAutofit/>
+            </a:bodyPr>
+            <a:lstStyle/>
+            <a:p>
+              <a:r>
+                <a:rPr lang="zh-CN" altLang="en-US" sz="2400" b="1" dirty="0">
+                  <a:solidFill>
+                    <a:schemeClr val="accent3"/>
+                  </a:solidFill>
+                  <a:effectLst/>
+                  <a:latin typeface="Impact" panose="020B0806030902050204" pitchFamily="34" charset="0"/>
+                </a:rPr>
+                <a:t>添加新功能，无线控制</a:t>
+              </a:r>
+              <a:endParaRPr lang="en-US" altLang="ko-KR" sz="2400" b="1" dirty="0">
+                <a:solidFill>
+                  <a:schemeClr val="accent3"/>
+                </a:solidFill>
+                <a:effectLst/>
+                <a:latin typeface="Impact" panose="020B0806030902050204" pitchFamily="34" charset="0"/>
+              </a:endParaRPr>
+            </a:p>
+          </p:txBody>
+        </p:sp>
+      </p:grpSp>
+      <p:grpSp>
+        <p:nvGrpSpPr>
+          <p:cNvPr id="43" name="组合 42"/>
+          <p:cNvGrpSpPr/>
           <p:nvPr/>
-        </p:nvPicPr>
-        <p:blipFill>
-          <a:blip r:embed="rId2"/>
-          <a:stretch>
-            <a:fillRect/>
-          </a:stretch>
-        </p:blipFill>
-        <p:spPr>
+        </p:nvGrpSpPr>
+        <p:grpSpPr>
           <a:xfrm>
-            <a:off x="669925" y="4478655"/>
-            <a:ext cx="4413885" cy="2149475"/>
+            <a:off x="1445162" y="3802141"/>
+            <a:ext cx="1691792" cy="1808822"/>
+            <a:chOff x="1500580" y="3490894"/>
+            <a:chExt cx="1691792" cy="1808822"/>
           </a:xfrm>
-          <a:prstGeom prst="rect">
-            <a:avLst/>
-          </a:prstGeom>
-        </p:spPr>
-      </p:pic>
-      <p:pic>
-        <p:nvPicPr>
-          <p:cNvPr id="5" name="图片 4"/>
-          <p:cNvPicPr>
-            <a:picLocks noChangeAspect="1"/>
-          </p:cNvPicPr>
-          <p:nvPr/>
-        </p:nvPicPr>
-        <p:blipFill>
-          <a:blip r:embed="rId3"/>
-          <a:stretch>
-            <a:fillRect/>
-          </a:stretch>
-        </p:blipFill>
-        <p:spPr>
-          <a:xfrm>
-            <a:off x="6104255" y="2486660"/>
-            <a:ext cx="4317365" cy="2901950"/>
-          </a:xfrm>
-          <a:prstGeom prst="rect">
-            <a:avLst/>
-          </a:prstGeom>
-        </p:spPr>
-      </p:pic>
+        </p:grpSpPr>
+        <p:sp>
+          <p:nvSpPr>
+            <p:cNvPr id="32" name="iś1íḓé"/>
+            <p:cNvSpPr/>
+            <p:nvPr/>
+          </p:nvSpPr>
+          <p:spPr>
+            <a:xfrm flipV="1">
+              <a:off x="1500580" y="3868739"/>
+              <a:ext cx="1691792" cy="1430977"/>
+            </a:xfrm>
+            <a:prstGeom prst="rect">
+              <a:avLst/>
+            </a:prstGeom>
+            <a:solidFill>
+              <a:schemeClr val="accent1"/>
+            </a:solidFill>
+            <a:ln>
+              <a:noFill/>
+            </a:ln>
+            <a:scene3d>
+              <a:camera prst="perspectiveRelaxed" fov="5700000">
+                <a:rot lat="16800000" lon="0" rev="0"/>
+              </a:camera>
+              <a:lightRig rig="soft" dir="t">
+                <a:rot lat="0" lon="0" rev="4800000"/>
+              </a:lightRig>
+            </a:scene3d>
+            <a:sp3d extrusionH="57150" prstMaterial="plastic">
+              <a:bevelT w="0" h="12700"/>
+              <a:bevelB w="0" h="25400"/>
+            </a:sp3d>
+          </p:spPr>
+          <p:style>
+            <a:lnRef idx="2">
+              <a:schemeClr val="accent1">
+                <a:shade val="50000"/>
+              </a:schemeClr>
+            </a:lnRef>
+            <a:fillRef idx="1">
+              <a:schemeClr val="accent1"/>
+            </a:fillRef>
+            <a:effectRef idx="0">
+              <a:schemeClr val="accent1"/>
+            </a:effectRef>
+            <a:fontRef idx="minor">
+              <a:schemeClr val="lt1"/>
+            </a:fontRef>
+          </p:style>
+          <p:txBody>
+            <a:bodyPr anchor="ctr"/>
+            <a:lstStyle/>
+            <a:p>
+              <a:pPr algn="ctr"/>
+            </a:p>
+          </p:txBody>
+        </p:sp>
+        <p:sp>
+          <p:nvSpPr>
+            <p:cNvPr id="34" name="îşḻïďè"/>
+            <p:cNvSpPr txBox="1"/>
+            <p:nvPr/>
+          </p:nvSpPr>
+          <p:spPr bwMode="auto">
+            <a:xfrm>
+              <a:off x="1546121" y="3490894"/>
+              <a:ext cx="1646251" cy="1028699"/>
+            </a:xfrm>
+            <a:prstGeom prst="rect">
+              <a:avLst/>
+            </a:prstGeom>
+            <a:noFill/>
+          </p:spPr>
+          <p:txBody>
+            <a:bodyPr wrap="square" lIns="0" tIns="0" rIns="0" bIns="0" anchor="ctr">
+              <a:noAutofit/>
+            </a:bodyPr>
+            <a:lstStyle/>
+            <a:p>
+              <a:r>
+                <a:rPr lang="zh-CN" altLang="en-US" sz="2400" b="1" dirty="0">
+                  <a:solidFill>
+                    <a:schemeClr val="accent1"/>
+                  </a:solidFill>
+                  <a:latin typeface="Impact" panose="020B0806030902050204" pitchFamily="34" charset="0"/>
+                </a:rPr>
+                <a:t>优化、调整已</a:t>
+              </a:r>
+              <a:r>
+                <a:rPr lang="zh-CN" altLang="en-US" sz="2400" b="1" dirty="0">
+                  <a:solidFill>
+                    <a:schemeClr val="accent1"/>
+                  </a:solidFill>
+                  <a:effectLst/>
+                  <a:latin typeface="Impact" panose="020B0806030902050204" pitchFamily="34" charset="0"/>
+                </a:rPr>
+                <a:t>有的功能</a:t>
+              </a:r>
+              <a:endParaRPr lang="en-US" altLang="zh-CN" sz="2400" b="1" dirty="0">
+                <a:solidFill>
+                  <a:schemeClr val="accent1"/>
+                </a:solidFill>
+                <a:effectLst/>
+                <a:latin typeface="Impact" panose="020B0806030902050204" pitchFamily="34" charset="0"/>
+              </a:endParaRPr>
+            </a:p>
+          </p:txBody>
+        </p:sp>
+      </p:grpSp>
     </p:spTree>
   </p:cSld>
   <p:clrMapOvr>
@@ -8744,7 +10652,7 @@
       </p:grpSpPr>
       <p:sp>
         <p:nvSpPr>
-          <p:cNvPr id="20" name="标题 19"/>
+          <p:cNvPr id="2" name="标题 1"/>
           <p:cNvSpPr>
             <a:spLocks noGrp="1"/>
           </p:cNvSpPr>
@@ -8759,15 +10667,7 @@
           <a:p>
             <a:r>
               <a:rPr lang="zh-CN" altLang="en-US" dirty="0"/>
-              <a:t>团队亮点</a:t>
-            </a:r>
-            <a:r>
-              <a:rPr lang="en-US" altLang="zh-CN" dirty="0"/>
-              <a:t>——</a:t>
-            </a:r>
-            <a:r>
-              <a:rPr lang="zh-CN" altLang="en-US" dirty="0"/>
-              <a:t>管理线</a:t>
+              <a:t>技术线</a:t>
             </a:r>
             <a:endParaRPr lang="zh-CN" altLang="en-US" dirty="0"/>
           </a:p>
@@ -8775,14 +10675,14 @@
       </p:sp>
       <p:sp>
         <p:nvSpPr>
-          <p:cNvPr id="3" name="文本框 2"/>
-          <p:cNvSpPr txBox="1"/>
+          <p:cNvPr id="3" name="矩形 2"/>
+          <p:cNvSpPr/>
           <p:nvPr/>
         </p:nvSpPr>
         <p:spPr>
           <a:xfrm>
-            <a:off x="607060" y="1160780"/>
-            <a:ext cx="11052175" cy="4707890"/>
+            <a:off x="669925" y="1160780"/>
+            <a:ext cx="9830435" cy="4523105"/>
           </a:xfrm>
           <a:prstGeom prst="rect">
             <a:avLst/>
@@ -8790,140 +10690,317 @@
           <a:noFill/>
         </p:spPr>
         <p:txBody>
-          <a:bodyPr wrap="square" rtlCol="0">
+          <a:bodyPr wrap="square" lIns="91440" tIns="45720" rIns="91440" bIns="45720">
             <a:spAutoFit/>
           </a:bodyPr>
-          <a:p>
-            <a:pPr fontAlgn="auto">
+          <a:lstStyle/>
+          <a:p>
+            <a:pPr algn="l" fontAlgn="auto">
               <a:lnSpc>
                 <a:spcPct val="150000"/>
               </a:lnSpc>
             </a:pPr>
             <a:r>
-              <a:rPr lang="zh-CN" altLang="en-US" sz="2000" b="1"/>
-              <a:t>不断改进，日趋完善</a:t>
-            </a:r>
-            <a:endParaRPr lang="zh-CN" altLang="en-US" sz="2000" b="1"/>
-          </a:p>
-          <a:p>
-            <a:pPr fontAlgn="auto">
+              <a:rPr lang="en-US" altLang="zh-CN" sz="2400" b="0" cap="none" spc="0" dirty="0">
+                <a:ln w="0"/>
+                <a:solidFill>
+                  <a:schemeClr val="tx1"/>
+                </a:solidFill>
+                <a:effectLst>
+                  <a:outerShdw blurRad="38100" dist="19050" dir="2700000" algn="tl" rotWithShape="0">
+                    <a:schemeClr val="dk1">
+                      <a:alpha val="40000"/>
+                    </a:schemeClr>
+                  </a:outerShdw>
+                </a:effectLst>
+              </a:rPr>
+              <a:t>1</a:t>
+            </a:r>
+            <a:r>
+              <a:rPr lang="zh-CN" altLang="en-US" sz="2400" b="0" cap="none" spc="0" dirty="0">
+                <a:ln w="0"/>
+                <a:solidFill>
+                  <a:schemeClr val="tx1"/>
+                </a:solidFill>
+                <a:effectLst>
+                  <a:outerShdw blurRad="38100" dist="19050" dir="2700000" algn="tl" rotWithShape="0">
+                    <a:schemeClr val="dk1">
+                      <a:alpha val="40000"/>
+                    </a:schemeClr>
+                  </a:outerShdw>
+                </a:effectLst>
+              </a:rPr>
+              <a:t>、</a:t>
+            </a:r>
+            <a:r>
+              <a:rPr lang="zh-CN" altLang="en-US" sz="2400" b="0" cap="none" spc="0" dirty="0">
+                <a:ln w="0"/>
+                <a:solidFill>
+                  <a:schemeClr val="tx1"/>
+                </a:solidFill>
+                <a:effectLst>
+                  <a:outerShdw blurRad="38100" dist="19050" dir="2700000" algn="tl" rotWithShape="0">
+                    <a:schemeClr val="dk1">
+                      <a:alpha val="40000"/>
+                    </a:schemeClr>
+                  </a:outerShdw>
+                </a:effectLst>
+              </a:rPr>
+              <a:t>优化、调整现有功能</a:t>
+            </a:r>
+            <a:endParaRPr lang="zh-CN" altLang="en-US" sz="2400" b="0" cap="none" spc="0" dirty="0">
+              <a:ln w="0"/>
+              <a:solidFill>
+                <a:schemeClr val="tx1"/>
+              </a:solidFill>
+              <a:effectLst>
+                <a:outerShdw blurRad="38100" dist="19050" dir="2700000" algn="tl" rotWithShape="0">
+                  <a:schemeClr val="dk1">
+                    <a:alpha val="40000"/>
+                  </a:schemeClr>
+                </a:outerShdw>
+              </a:effectLst>
+            </a:endParaRPr>
+          </a:p>
+          <a:p>
+            <a:pPr algn="l" fontAlgn="auto">
               <a:lnSpc>
                 <a:spcPct val="150000"/>
               </a:lnSpc>
             </a:pPr>
             <a:r>
-              <a:rPr lang="en-US" altLang="zh-CN" sz="2000" b="1"/>
-              <a:t>1</a:t>
-            </a:r>
-            <a:r>
-              <a:rPr lang="zh-CN" altLang="en-US" sz="2000" b="1"/>
-              <a:t>、第一次迭代</a:t>
-            </a:r>
-            <a:endParaRPr lang="zh-CN" altLang="en-US" sz="2000" b="1"/>
-          </a:p>
-          <a:p>
-            <a:pPr fontAlgn="auto">
+              <a:rPr lang="zh-CN" altLang="en-US" sz="2400" dirty="0">
+                <a:ln w="0"/>
+                <a:effectLst>
+                  <a:outerShdw blurRad="38100" dist="19050" dir="2700000" algn="tl" rotWithShape="0">
+                    <a:schemeClr val="dk1">
+                      <a:alpha val="40000"/>
+                    </a:schemeClr>
+                  </a:outerShdw>
+                </a:effectLst>
+                <a:sym typeface="+mn-ea"/>
+              </a:rPr>
+              <a:t>调整了抓取函数中的参数，提高抓取成功率；</a:t>
+            </a:r>
+            <a:endParaRPr lang="zh-CN" altLang="en-US" sz="2400" dirty="0">
+              <a:ln w="0"/>
+              <a:effectLst>
+                <a:outerShdw blurRad="38100" dist="19050" dir="2700000" algn="tl" rotWithShape="0">
+                  <a:schemeClr val="dk1">
+                    <a:alpha val="40000"/>
+                  </a:schemeClr>
+                </a:outerShdw>
+              </a:effectLst>
+              <a:sym typeface="+mn-ea"/>
+            </a:endParaRPr>
+          </a:p>
+          <a:p>
+            <a:pPr algn="l" fontAlgn="auto">
               <a:lnSpc>
                 <a:spcPct val="150000"/>
               </a:lnSpc>
             </a:pPr>
             <a:r>
-              <a:rPr lang="zh-CN" altLang="en-US" sz="2000"/>
-              <a:t>问题：缺少问题与看板系统的建立；</a:t>
-            </a:r>
-            <a:endParaRPr lang="zh-CN" altLang="en-US" sz="2000"/>
-          </a:p>
-          <a:p>
-            <a:pPr fontAlgn="auto">
+              <a:rPr lang="en-US" altLang="zh-CN" sz="2400" dirty="0">
+                <a:ln w="0"/>
+                <a:effectLst>
+                  <a:outerShdw blurRad="38100" dist="19050" dir="2700000" algn="tl" rotWithShape="0">
+                    <a:schemeClr val="dk1">
+                      <a:alpha val="40000"/>
+                    </a:schemeClr>
+                  </a:outerShdw>
+                </a:effectLst>
+                <a:sym typeface="+mn-ea"/>
+              </a:rPr>
+              <a:t>2</a:t>
+            </a:r>
+            <a:r>
+              <a:rPr lang="zh-CN" altLang="en-US" sz="2400" dirty="0">
+                <a:ln w="0"/>
+                <a:effectLst>
+                  <a:outerShdw blurRad="38100" dist="19050" dir="2700000" algn="tl" rotWithShape="0">
+                    <a:schemeClr val="dk1">
+                      <a:alpha val="40000"/>
+                    </a:schemeClr>
+                  </a:outerShdw>
+                </a:effectLst>
+                <a:sym typeface="+mn-ea"/>
+              </a:rPr>
+              <a:t>、基于例程，重新设计、组合已有功能</a:t>
+            </a:r>
+            <a:endParaRPr lang="zh-CN" altLang="en-US" sz="2400" b="0" cap="none" spc="0" dirty="0">
+              <a:ln w="0"/>
+              <a:solidFill>
+                <a:schemeClr val="tx1"/>
+              </a:solidFill>
+              <a:effectLst>
+                <a:outerShdw blurRad="38100" dist="19050" dir="2700000" algn="tl" rotWithShape="0">
+                  <a:schemeClr val="dk1">
+                    <a:alpha val="40000"/>
+                  </a:schemeClr>
+                </a:outerShdw>
+              </a:effectLst>
+            </a:endParaRPr>
+          </a:p>
+          <a:p>
+            <a:pPr algn="l" fontAlgn="auto">
               <a:lnSpc>
                 <a:spcPct val="150000"/>
               </a:lnSpc>
             </a:pPr>
             <a:r>
-              <a:rPr lang="zh-CN" altLang="en-US" sz="2000"/>
-              <a:t>解决措施：立即建立问题与看板系统，并且将其他出现的问题加入系统；</a:t>
-            </a:r>
-            <a:endParaRPr lang="zh-CN" altLang="en-US" sz="2000"/>
-          </a:p>
-          <a:p>
-            <a:pPr fontAlgn="auto">
+              <a:rPr lang="zh-CN" altLang="en-US" sz="2400" dirty="0">
+                <a:ln w="0"/>
+                <a:effectLst>
+                  <a:outerShdw blurRad="38100" dist="19050" dir="2700000" algn="tl" rotWithShape="0">
+                    <a:schemeClr val="dk1">
+                      <a:alpha val="40000"/>
+                    </a:schemeClr>
+                  </a:outerShdw>
+                </a:effectLst>
+                <a:sym typeface="+mn-ea"/>
+              </a:rPr>
+              <a:t>任务脚本系统；</a:t>
+            </a:r>
+            <a:endParaRPr lang="zh-CN" altLang="en-US" sz="2400" dirty="0">
+              <a:ln w="0"/>
+              <a:effectLst>
+                <a:outerShdw blurRad="38100" dist="19050" dir="2700000" algn="tl" rotWithShape="0">
+                  <a:schemeClr val="dk1">
+                    <a:alpha val="40000"/>
+                  </a:schemeClr>
+                </a:outerShdw>
+              </a:effectLst>
+              <a:sym typeface="+mn-ea"/>
+            </a:endParaRPr>
+          </a:p>
+          <a:p>
+            <a:pPr algn="l" fontAlgn="auto">
               <a:lnSpc>
                 <a:spcPct val="150000"/>
               </a:lnSpc>
             </a:pPr>
             <a:r>
-              <a:rPr lang="en-US" altLang="zh-CN" sz="2000" b="1"/>
-              <a:t>2</a:t>
-            </a:r>
-            <a:r>
-              <a:rPr lang="zh-CN" altLang="en-US" sz="2000" b="1"/>
-              <a:t>、第二次迭代</a:t>
-            </a:r>
-            <a:endParaRPr lang="zh-CN" altLang="en-US" sz="2000" b="1"/>
-          </a:p>
-          <a:p>
-            <a:pPr fontAlgn="auto">
+              <a:rPr lang="zh-CN" altLang="en-US" sz="2400" dirty="0">
+                <a:ln w="0"/>
+                <a:effectLst>
+                  <a:outerShdw blurRad="38100" dist="19050" dir="2700000" algn="tl" rotWithShape="0">
+                    <a:schemeClr val="dk1">
+                      <a:alpha val="40000"/>
+                    </a:schemeClr>
+                  </a:outerShdw>
+                </a:effectLst>
+                <a:sym typeface="+mn-ea"/>
+              </a:rPr>
+              <a:t>跟随模式，实时建图与导航；</a:t>
+            </a:r>
+            <a:endParaRPr lang="zh-CN" altLang="en-US" sz="2400" dirty="0">
+              <a:ln w="0"/>
+              <a:effectLst>
+                <a:outerShdw blurRad="38100" dist="19050" dir="2700000" algn="tl" rotWithShape="0">
+                  <a:schemeClr val="dk1">
+                    <a:alpha val="40000"/>
+                  </a:schemeClr>
+                </a:outerShdw>
+              </a:effectLst>
+              <a:sym typeface="+mn-ea"/>
+            </a:endParaRPr>
+          </a:p>
+          <a:p>
+            <a:pPr algn="l" fontAlgn="auto">
               <a:lnSpc>
                 <a:spcPct val="150000"/>
               </a:lnSpc>
             </a:pPr>
             <a:r>
-              <a:rPr lang="zh-CN" altLang="en-US" sz="2000"/>
-              <a:t>问题：问题缺少阶段性的标签；</a:t>
-            </a:r>
-            <a:endParaRPr lang="zh-CN" altLang="en-US" sz="2000"/>
-          </a:p>
-          <a:p>
-            <a:pPr fontAlgn="auto">
+              <a:rPr lang="en-US" altLang="zh-CN" sz="2400" dirty="0">
+                <a:ln w="0"/>
+                <a:effectLst>
+                  <a:outerShdw blurRad="38100" dist="19050" dir="2700000" algn="tl" rotWithShape="0">
+                    <a:schemeClr val="dk1">
+                      <a:alpha val="40000"/>
+                    </a:schemeClr>
+                  </a:outerShdw>
+                </a:effectLst>
+                <a:sym typeface="+mn-ea"/>
+              </a:rPr>
+              <a:t>APP</a:t>
+            </a:r>
+            <a:r>
+              <a:rPr lang="zh-CN" altLang="en-US" sz="2400" dirty="0">
+                <a:ln w="0"/>
+                <a:effectLst>
+                  <a:outerShdw blurRad="38100" dist="19050" dir="2700000" algn="tl" rotWithShape="0">
+                    <a:schemeClr val="dk1">
+                      <a:alpha val="40000"/>
+                    </a:schemeClr>
+                  </a:outerShdw>
+                </a:effectLst>
+                <a:sym typeface="+mn-ea"/>
+              </a:rPr>
+              <a:t>控制机器人行驶至目标地点，抓取物体并返回；</a:t>
+            </a:r>
+            <a:endParaRPr lang="zh-CN" altLang="en-US" sz="2400" b="0" cap="none" spc="0" dirty="0">
+              <a:ln w="0"/>
+              <a:solidFill>
+                <a:schemeClr val="tx1"/>
+              </a:solidFill>
+              <a:effectLst>
+                <a:outerShdw blurRad="38100" dist="19050" dir="2700000" algn="tl" rotWithShape="0">
+                  <a:schemeClr val="dk1">
+                    <a:alpha val="40000"/>
+                  </a:schemeClr>
+                </a:outerShdw>
+              </a:effectLst>
+            </a:endParaRPr>
+          </a:p>
+          <a:p>
+            <a:pPr algn="l" fontAlgn="auto">
               <a:lnSpc>
                 <a:spcPct val="150000"/>
               </a:lnSpc>
             </a:pPr>
             <a:r>
-              <a:rPr lang="zh-CN" altLang="en-US" sz="2000"/>
-              <a:t>解决措施：立即添加有关阶段性的标签；</a:t>
-            </a:r>
-            <a:endParaRPr lang="zh-CN" altLang="en-US" sz="2000"/>
-          </a:p>
-          <a:p>
-            <a:pPr fontAlgn="auto">
-              <a:lnSpc>
-                <a:spcPct val="150000"/>
-              </a:lnSpc>
-            </a:pPr>
-            <a:r>
-              <a:rPr lang="en-US" altLang="zh-CN" sz="2000" b="1"/>
-              <a:t>3</a:t>
-            </a:r>
-            <a:r>
-              <a:rPr lang="zh-CN" altLang="en-US" sz="2000" b="1"/>
-              <a:t>、第三次迭代</a:t>
-            </a:r>
-            <a:endParaRPr lang="zh-CN" altLang="en-US" sz="2000" b="1"/>
-          </a:p>
-          <a:p>
-            <a:pPr fontAlgn="auto">
-              <a:lnSpc>
-                <a:spcPct val="150000"/>
-              </a:lnSpc>
-            </a:pPr>
-            <a:r>
-              <a:rPr lang="zh-CN" altLang="en-US" sz="2000"/>
-              <a:t>问题：缺少单元测试；</a:t>
-            </a:r>
-            <a:endParaRPr lang="zh-CN" altLang="en-US" sz="2000"/>
-          </a:p>
-          <a:p>
-            <a:pPr fontAlgn="auto">
-              <a:lnSpc>
-                <a:spcPct val="150000"/>
-              </a:lnSpc>
-            </a:pPr>
-            <a:r>
-              <a:rPr lang="zh-CN" altLang="en-US" sz="2000"/>
-              <a:t>解决措施：立即添加单元测试；</a:t>
-            </a:r>
-            <a:endParaRPr lang="zh-CN" altLang="en-US" sz="2000"/>
+              <a:rPr lang="en-US" altLang="zh-CN" sz="2400" dirty="0">
+                <a:ln w="0"/>
+                <a:effectLst>
+                  <a:outerShdw blurRad="38100" dist="19050" dir="2700000" algn="tl" rotWithShape="0">
+                    <a:schemeClr val="dk1">
+                      <a:alpha val="40000"/>
+                    </a:schemeClr>
+                  </a:outerShdw>
+                </a:effectLst>
+                <a:sym typeface="+mn-ea"/>
+              </a:rPr>
+              <a:t>APP</a:t>
+            </a:r>
+            <a:r>
+              <a:rPr lang="zh-CN" altLang="en-US" sz="2400" dirty="0">
+                <a:ln w="0"/>
+                <a:effectLst>
+                  <a:outerShdw blurRad="38100" dist="19050" dir="2700000" algn="tl" rotWithShape="0">
+                    <a:schemeClr val="dk1">
+                      <a:alpha val="40000"/>
+                    </a:schemeClr>
+                  </a:outerShdw>
+                </a:effectLst>
+                <a:sym typeface="+mn-ea"/>
+              </a:rPr>
+              <a:t>控制机器人行驶至两个目标地点并记录，随后依次行驶至起点、两个导航点，模拟巡逻功能；</a:t>
+            </a:r>
+            <a:endParaRPr lang="zh-CN" altLang="en-US" sz="2400" cap="none" spc="0" dirty="0">
+              <a:ln w="0"/>
+              <a:solidFill>
+                <a:schemeClr val="tx1"/>
+              </a:solidFill>
+              <a:effectLst>
+                <a:outerShdw blurRad="38100" dist="19050" dir="2700000" algn="tl" rotWithShape="0">
+                  <a:schemeClr val="dk1">
+                    <a:alpha val="40000"/>
+                  </a:schemeClr>
+                </a:outerShdw>
+              </a:effectLst>
+            </a:endParaRPr>
           </a:p>
         </p:txBody>
       </p:sp>
@@ -8954,7 +11031,7 @@
       </p:grpSpPr>
       <p:sp>
         <p:nvSpPr>
-          <p:cNvPr id="20" name="标题 19"/>
+          <p:cNvPr id="2" name="标题 1"/>
           <p:cNvSpPr>
             <a:spLocks noGrp="1"/>
           </p:cNvSpPr>
@@ -8969,15 +11046,7 @@
           <a:p>
             <a:r>
               <a:rPr lang="zh-CN" altLang="en-US" dirty="0"/>
-              <a:t>团队亮点</a:t>
-            </a:r>
-            <a:r>
-              <a:rPr lang="en-US" altLang="zh-CN" dirty="0"/>
-              <a:t>——</a:t>
-            </a:r>
-            <a:r>
-              <a:rPr lang="zh-CN" altLang="en-US" dirty="0"/>
-              <a:t>管理线</a:t>
+              <a:t>技术线</a:t>
             </a:r>
             <a:endParaRPr lang="zh-CN" altLang="en-US" dirty="0"/>
           </a:p>
@@ -8985,14 +11054,14 @@
       </p:sp>
       <p:sp>
         <p:nvSpPr>
-          <p:cNvPr id="3" name="文本框 2"/>
-          <p:cNvSpPr txBox="1"/>
+          <p:cNvPr id="3" name="矩形 2"/>
+          <p:cNvSpPr/>
           <p:nvPr/>
         </p:nvSpPr>
         <p:spPr>
           <a:xfrm>
-            <a:off x="607060" y="1160780"/>
-            <a:ext cx="11052175" cy="3322955"/>
+            <a:off x="670024" y="1209214"/>
+            <a:ext cx="4450080" cy="1753235"/>
           </a:xfrm>
           <a:prstGeom prst="rect">
             <a:avLst/>
@@ -9000,112 +11069,636 @@
           <a:noFill/>
         </p:spPr>
         <p:txBody>
-          <a:bodyPr wrap="square" rtlCol="0">
+          <a:bodyPr wrap="none" lIns="91440" tIns="45720" rIns="91440" bIns="45720">
             <a:spAutoFit/>
           </a:bodyPr>
-          <a:p>
-            <a:pPr fontAlgn="auto">
+          <a:lstStyle/>
+          <a:p>
+            <a:pPr algn="l" fontAlgn="auto">
               <a:lnSpc>
                 <a:spcPct val="150000"/>
               </a:lnSpc>
             </a:pPr>
             <a:r>
-              <a:rPr lang="zh-CN" altLang="en-US" sz="2000" b="1"/>
-              <a:t>从线下到线上，结合小团队的特点应用课程知识</a:t>
-            </a:r>
-            <a:endParaRPr lang="zh-CN" altLang="en-US" sz="2000" b="1"/>
-          </a:p>
-          <a:p>
-            <a:pPr fontAlgn="auto">
+              <a:rPr lang="zh-CN" altLang="en-US" sz="2400" b="0" cap="none" spc="0" dirty="0">
+                <a:ln w="0"/>
+                <a:solidFill>
+                  <a:schemeClr val="tx1"/>
+                </a:solidFill>
+                <a:effectLst>
+                  <a:outerShdw blurRad="38100" dist="19050" dir="2700000" algn="tl" rotWithShape="0">
+                    <a:schemeClr val="dk1">
+                      <a:alpha val="40000"/>
+                    </a:schemeClr>
+                  </a:outerShdw>
+                </a:effectLst>
+              </a:rPr>
+              <a:t>在已有功能基础上，添加新功能</a:t>
+            </a:r>
+            <a:endParaRPr lang="zh-CN" altLang="en-US" sz="2400" b="0" cap="none" spc="0" dirty="0">
+              <a:ln w="0"/>
+              <a:solidFill>
+                <a:schemeClr val="tx1"/>
+              </a:solidFill>
+              <a:effectLst>
+                <a:outerShdw blurRad="38100" dist="19050" dir="2700000" algn="tl" rotWithShape="0">
+                  <a:schemeClr val="dk1">
+                    <a:alpha val="40000"/>
+                  </a:schemeClr>
+                </a:outerShdw>
+              </a:effectLst>
+            </a:endParaRPr>
+          </a:p>
+          <a:p>
+            <a:pPr algn="l" fontAlgn="auto">
               <a:lnSpc>
                 <a:spcPct val="150000"/>
               </a:lnSpc>
             </a:pPr>
             <a:r>
-              <a:rPr lang="en-US" altLang="zh-CN" sz="2000" b="1"/>
-              <a:t>1</a:t>
-            </a:r>
-            <a:r>
-              <a:rPr lang="zh-CN" altLang="en-US" sz="2000" b="1"/>
-              <a:t>、会议记录</a:t>
-            </a:r>
-            <a:endParaRPr lang="zh-CN" altLang="en-US" sz="2000" b="1"/>
-          </a:p>
-          <a:p>
-            <a:pPr fontAlgn="auto">
+              <a:rPr lang="zh-CN" altLang="en-US" sz="2400" dirty="0">
+                <a:ln w="0"/>
+                <a:effectLst>
+                  <a:outerShdw blurRad="38100" dist="19050" dir="2700000" algn="tl" rotWithShape="0">
+                    <a:schemeClr val="dk1">
+                      <a:alpha val="40000"/>
+                    </a:schemeClr>
+                  </a:outerShdw>
+                </a:effectLst>
+                <a:sym typeface="+mn-ea"/>
+              </a:rPr>
+              <a:t>使用安卓应用作为交互界面</a:t>
+            </a:r>
+            <a:endParaRPr lang="en-US" altLang="zh-CN" sz="2400" b="0" cap="none" spc="0" dirty="0">
+              <a:ln w="0"/>
+              <a:solidFill>
+                <a:schemeClr val="tx1"/>
+              </a:solidFill>
+              <a:effectLst>
+                <a:outerShdw blurRad="38100" dist="19050" dir="2700000" algn="tl" rotWithShape="0">
+                  <a:schemeClr val="dk1">
+                    <a:alpha val="40000"/>
+                  </a:schemeClr>
+                </a:outerShdw>
+              </a:effectLst>
+            </a:endParaRPr>
+          </a:p>
+          <a:p>
+            <a:pPr algn="l" fontAlgn="auto">
               <a:lnSpc>
                 <a:spcPct val="150000"/>
               </a:lnSpc>
             </a:pPr>
             <a:r>
-              <a:rPr lang="zh-CN" altLang="en-US" sz="2000"/>
-              <a:t>通过会议记录的形式，使所有成员第一时间获得最新的会议信息；</a:t>
-            </a:r>
-            <a:endParaRPr lang="zh-CN" altLang="en-US" sz="2000"/>
-          </a:p>
-          <a:p>
-            <a:pPr fontAlgn="auto">
-              <a:lnSpc>
-                <a:spcPct val="150000"/>
-              </a:lnSpc>
-            </a:pPr>
-            <a:r>
-              <a:rPr lang="en-US" altLang="zh-CN" sz="2000" b="1"/>
-              <a:t>2</a:t>
-            </a:r>
-            <a:r>
-              <a:rPr lang="zh-CN" altLang="en-US" sz="2000" b="1"/>
-              <a:t>、版本控制</a:t>
-            </a:r>
-            <a:endParaRPr lang="zh-CN" altLang="en-US" sz="2000" b="1"/>
-          </a:p>
-          <a:p>
-            <a:pPr fontAlgn="auto">
-              <a:lnSpc>
-                <a:spcPct val="150000"/>
-              </a:lnSpc>
-            </a:pPr>
-            <a:r>
-              <a:rPr lang="zh-CN" altLang="en-US" sz="2000"/>
-              <a:t>从初期的线下版本添加和交换，到全</a:t>
-            </a:r>
-            <a:r>
-              <a:rPr lang="en-US" altLang="zh-CN" sz="2000"/>
-              <a:t>Github</a:t>
-            </a:r>
-            <a:r>
-              <a:rPr lang="zh-CN" altLang="en-US" sz="2000"/>
-              <a:t>的版本更新；</a:t>
-            </a:r>
-            <a:endParaRPr lang="zh-CN" altLang="en-US" sz="2000"/>
-          </a:p>
-          <a:p>
-            <a:pPr fontAlgn="auto">
-              <a:lnSpc>
-                <a:spcPct val="150000"/>
-              </a:lnSpc>
-            </a:pPr>
-            <a:r>
-              <a:rPr lang="en-US" altLang="zh-CN" sz="2000" b="1"/>
-              <a:t>3</a:t>
-            </a:r>
-            <a:r>
-              <a:rPr lang="zh-CN" altLang="en-US" sz="2000" b="1"/>
-              <a:t>、两种模式切换</a:t>
-            </a:r>
-            <a:endParaRPr lang="zh-CN" altLang="en-US" sz="2000" b="1"/>
-          </a:p>
-          <a:p>
-            <a:pPr fontAlgn="auto">
-              <a:lnSpc>
-                <a:spcPct val="150000"/>
-              </a:lnSpc>
-            </a:pPr>
-            <a:r>
-              <a:rPr lang="zh-CN" altLang="en-US" sz="2000"/>
-              <a:t>取其所长，那种有利于效率用那种；</a:t>
-            </a:r>
-            <a:endParaRPr lang="zh-CN" altLang="en-US" sz="2000"/>
+              <a:rPr lang="zh-CN" altLang="en-US" sz="2400" dirty="0">
+                <a:ln w="0"/>
+                <a:effectLst>
+                  <a:outerShdw blurRad="38100" dist="19050" dir="2700000" algn="tl" rotWithShape="0">
+                    <a:schemeClr val="dk1">
+                      <a:alpha val="40000"/>
+                    </a:schemeClr>
+                  </a:outerShdw>
+                </a:effectLst>
+                <a:sym typeface="+mn-ea"/>
+              </a:rPr>
+              <a:t>实现运动控制模块</a:t>
+            </a:r>
+            <a:endParaRPr lang="zh-CN" altLang="en-US" sz="2400" b="0" cap="none" spc="0" dirty="0">
+              <a:ln w="0"/>
+              <a:solidFill>
+                <a:schemeClr val="tx1"/>
+              </a:solidFill>
+              <a:effectLst>
+                <a:outerShdw blurRad="38100" dist="19050" dir="2700000" algn="tl" rotWithShape="0">
+                  <a:schemeClr val="dk1">
+                    <a:alpha val="40000"/>
+                  </a:schemeClr>
+                </a:outerShdw>
+              </a:effectLst>
+            </a:endParaRPr>
+          </a:p>
+        </p:txBody>
+      </p:sp>
+      <p:pic>
+        <p:nvPicPr>
+          <p:cNvPr id="6" name="图片 5"/>
+          <p:cNvPicPr>
+            <a:picLocks noChangeAspect="1"/>
+          </p:cNvPicPr>
+          <p:nvPr/>
+        </p:nvPicPr>
+        <p:blipFill rotWithShape="1">
+          <a:blip r:embed="rId1">
+            <a:extLst>
+              <a:ext uri="{28A0092B-C50C-407E-A947-70E740481C1C}">
+                <a14:useLocalDpi xmlns:a14="http://schemas.microsoft.com/office/drawing/2010/main" val="0"/>
+              </a:ext>
+            </a:extLst>
+          </a:blip>
+          <a:srcRect l="18955" t="-364" r="19773" b="-793"/>
+          <a:stretch>
+            <a:fillRect/>
+          </a:stretch>
+        </p:blipFill>
+        <p:spPr>
+          <a:xfrm>
+            <a:off x="680509" y="2937315"/>
+            <a:ext cx="1346200" cy="2222500"/>
+          </a:xfrm>
+          <a:prstGeom prst="rect">
+            <a:avLst/>
+          </a:prstGeom>
+        </p:spPr>
+      </p:pic>
+      <p:pic>
+        <p:nvPicPr>
+          <p:cNvPr id="8" name="图片 7" descr="图片包含 建筑物&#10;&#10;已生成高可信度的说明"/>
+          <p:cNvPicPr>
+            <a:picLocks noChangeAspect="1"/>
+          </p:cNvPicPr>
+          <p:nvPr/>
+        </p:nvPicPr>
+        <p:blipFill>
+          <a:blip r:embed="rId2" cstate="print">
+            <a:extLst>
+              <a:ext uri="{28A0092B-C50C-407E-A947-70E740481C1C}">
+                <a14:useLocalDpi xmlns:a14="http://schemas.microsoft.com/office/drawing/2010/main" val="0"/>
+              </a:ext>
+            </a:extLst>
+          </a:blip>
+          <a:stretch>
+            <a:fillRect/>
+          </a:stretch>
+        </p:blipFill>
+        <p:spPr>
+          <a:xfrm>
+            <a:off x="4398995" y="3236785"/>
+            <a:ext cx="1657925" cy="1657925"/>
+          </a:xfrm>
+          <a:prstGeom prst="rect">
+            <a:avLst/>
+          </a:prstGeom>
+        </p:spPr>
+      </p:pic>
+      <p:cxnSp>
+        <p:nvCxnSpPr>
+          <p:cNvPr id="10" name="直接箭头连接符 9"/>
+          <p:cNvCxnSpPr>
+            <a:stCxn id="6" idx="3"/>
+            <a:endCxn id="8" idx="1"/>
+          </p:cNvCxnSpPr>
+          <p:nvPr/>
+        </p:nvCxnSpPr>
+        <p:spPr>
+          <a:xfrm>
+            <a:off x="2026709" y="4048565"/>
+            <a:ext cx="2372286" cy="17183"/>
+          </a:xfrm>
+          <a:prstGeom prst="straightConnector1">
+            <a:avLst/>
+          </a:prstGeom>
+          <a:ln w="76200">
+            <a:headEnd type="triangle"/>
+            <a:tailEnd type="triangle"/>
+          </a:ln>
+        </p:spPr>
+        <p:style>
+          <a:lnRef idx="1">
+            <a:schemeClr val="accent1"/>
+          </a:lnRef>
+          <a:fillRef idx="0">
+            <a:schemeClr val="accent1"/>
+          </a:fillRef>
+          <a:effectRef idx="0">
+            <a:schemeClr val="accent1"/>
+          </a:effectRef>
+          <a:fontRef idx="minor">
+            <a:schemeClr val="tx1"/>
+          </a:fontRef>
+        </p:style>
+      </p:cxnSp>
+      <p:sp>
+        <p:nvSpPr>
+          <p:cNvPr id="13" name="矩形 12"/>
+          <p:cNvSpPr/>
+          <p:nvPr/>
+        </p:nvSpPr>
+        <p:spPr>
+          <a:xfrm>
+            <a:off x="2723832" y="3586899"/>
+            <a:ext cx="1125629" cy="461665"/>
+          </a:xfrm>
+          <a:prstGeom prst="rect">
+            <a:avLst/>
+          </a:prstGeom>
+          <a:noFill/>
+        </p:spPr>
+        <p:txBody>
+          <a:bodyPr wrap="none" lIns="91440" tIns="45720" rIns="91440" bIns="45720">
+            <a:spAutoFit/>
+          </a:bodyPr>
+          <a:lstStyle/>
+          <a:p>
+            <a:pPr algn="ctr"/>
+            <a:r>
+              <a:rPr lang="en-US" altLang="zh-CN" sz="2400" b="0" cap="none" spc="0" dirty="0">
+                <a:ln w="0"/>
+                <a:solidFill>
+                  <a:schemeClr val="tx1"/>
+                </a:solidFill>
+                <a:effectLst>
+                  <a:outerShdw blurRad="38100" dist="19050" dir="2700000" algn="tl" rotWithShape="0">
+                    <a:schemeClr val="dk1">
+                      <a:alpha val="40000"/>
+                    </a:schemeClr>
+                  </a:outerShdw>
+                </a:effectLst>
+              </a:rPr>
+              <a:t>Socket</a:t>
+            </a:r>
+            <a:endParaRPr lang="zh-CN" altLang="en-US" sz="2400" b="0" cap="none" spc="0" dirty="0">
+              <a:ln w="0"/>
+              <a:solidFill>
+                <a:schemeClr val="tx1"/>
+              </a:solidFill>
+              <a:effectLst>
+                <a:outerShdw blurRad="38100" dist="19050" dir="2700000" algn="tl" rotWithShape="0">
+                  <a:schemeClr val="dk1">
+                    <a:alpha val="40000"/>
+                  </a:schemeClr>
+                </a:outerShdw>
+              </a:effectLst>
+            </a:endParaRPr>
+          </a:p>
+        </p:txBody>
+      </p:sp>
+      <p:sp>
+        <p:nvSpPr>
+          <p:cNvPr id="20" name="矩形: 圆角 19"/>
+          <p:cNvSpPr/>
+          <p:nvPr/>
+        </p:nvSpPr>
+        <p:spPr>
+          <a:xfrm>
+            <a:off x="8685207" y="4928074"/>
+            <a:ext cx="1653988" cy="523312"/>
+          </a:xfrm>
+          <a:prstGeom prst="roundRect">
+            <a:avLst/>
+          </a:prstGeom>
+          <a:solidFill>
+            <a:srgbClr val="92D050"/>
+          </a:solidFill>
+          <a:ln>
+            <a:solidFill>
+              <a:srgbClr val="92D050"/>
+            </a:solidFill>
+          </a:ln>
+        </p:spPr>
+        <p:style>
+          <a:lnRef idx="2">
+            <a:schemeClr val="accent1">
+              <a:shade val="50000"/>
+            </a:schemeClr>
+          </a:lnRef>
+          <a:fillRef idx="1">
+            <a:schemeClr val="accent1"/>
+          </a:fillRef>
+          <a:effectRef idx="0">
+            <a:schemeClr val="accent1"/>
+          </a:effectRef>
+          <a:fontRef idx="minor">
+            <a:schemeClr val="lt1"/>
+          </a:fontRef>
+        </p:style>
+        <p:txBody>
+          <a:bodyPr rtlCol="0" anchor="ctr"/>
+          <a:lstStyle/>
+          <a:p>
+            <a:pPr algn="ctr"/>
+            <a:r>
+              <a:rPr lang="zh-CN" altLang="en-US" dirty="0"/>
+              <a:t>定点巡逻</a:t>
+            </a:r>
+            <a:endParaRPr lang="zh-CN" altLang="en-US" dirty="0"/>
+          </a:p>
+        </p:txBody>
+      </p:sp>
+      <p:sp>
+        <p:nvSpPr>
+          <p:cNvPr id="21" name="矩形: 圆角 20"/>
+          <p:cNvSpPr/>
+          <p:nvPr/>
+        </p:nvSpPr>
+        <p:spPr>
+          <a:xfrm>
+            <a:off x="8685207" y="3991891"/>
+            <a:ext cx="1653988" cy="523311"/>
+          </a:xfrm>
+          <a:prstGeom prst="roundRect">
+            <a:avLst/>
+          </a:prstGeom>
+          <a:solidFill>
+            <a:srgbClr val="92D050"/>
+          </a:solidFill>
+          <a:ln>
+            <a:solidFill>
+              <a:srgbClr val="92D050"/>
+            </a:solidFill>
+          </a:ln>
+        </p:spPr>
+        <p:style>
+          <a:lnRef idx="2">
+            <a:schemeClr val="accent1">
+              <a:shade val="50000"/>
+            </a:schemeClr>
+          </a:lnRef>
+          <a:fillRef idx="1">
+            <a:schemeClr val="accent1"/>
+          </a:fillRef>
+          <a:effectRef idx="0">
+            <a:schemeClr val="accent1"/>
+          </a:effectRef>
+          <a:fontRef idx="minor">
+            <a:schemeClr val="lt1"/>
+          </a:fontRef>
+        </p:style>
+        <p:txBody>
+          <a:bodyPr rtlCol="0" anchor="ctr"/>
+          <a:lstStyle/>
+          <a:p>
+            <a:pPr algn="ctr"/>
+            <a:r>
+              <a:rPr lang="zh-CN" altLang="en-US" dirty="0"/>
+              <a:t>抓取物体</a:t>
+            </a:r>
+            <a:endParaRPr lang="zh-CN" altLang="en-US" dirty="0"/>
+          </a:p>
+        </p:txBody>
+      </p:sp>
+      <p:sp>
+        <p:nvSpPr>
+          <p:cNvPr id="22" name="矩形: 圆角 21"/>
+          <p:cNvSpPr/>
+          <p:nvPr/>
+        </p:nvSpPr>
+        <p:spPr>
+          <a:xfrm>
+            <a:off x="8685207" y="3114865"/>
+            <a:ext cx="1653988" cy="523310"/>
+          </a:xfrm>
+          <a:prstGeom prst="roundRect">
+            <a:avLst/>
+          </a:prstGeom>
+          <a:solidFill>
+            <a:srgbClr val="92D050"/>
+          </a:solidFill>
+          <a:ln>
+            <a:solidFill>
+              <a:srgbClr val="92D050"/>
+            </a:solidFill>
+          </a:ln>
+        </p:spPr>
+        <p:style>
+          <a:lnRef idx="2">
+            <a:schemeClr val="accent1">
+              <a:shade val="50000"/>
+            </a:schemeClr>
+          </a:lnRef>
+          <a:fillRef idx="1">
+            <a:schemeClr val="accent1"/>
+          </a:fillRef>
+          <a:effectRef idx="0">
+            <a:schemeClr val="accent1"/>
+          </a:effectRef>
+          <a:fontRef idx="minor">
+            <a:schemeClr val="lt1"/>
+          </a:fontRef>
+        </p:style>
+        <p:txBody>
+          <a:bodyPr rtlCol="0" anchor="ctr"/>
+          <a:lstStyle/>
+          <a:p>
+            <a:pPr algn="ctr"/>
+            <a:r>
+              <a:rPr lang="zh-CN" altLang="en-US" dirty="0"/>
+              <a:t>建图及保存</a:t>
+            </a:r>
+            <a:endParaRPr lang="zh-CN" altLang="en-US" dirty="0"/>
+          </a:p>
+        </p:txBody>
+      </p:sp>
+      <p:sp>
+        <p:nvSpPr>
+          <p:cNvPr id="23" name="矩形: 圆角 22"/>
+          <p:cNvSpPr/>
+          <p:nvPr/>
+        </p:nvSpPr>
+        <p:spPr>
+          <a:xfrm>
+            <a:off x="8685207" y="1766067"/>
+            <a:ext cx="1653988" cy="995082"/>
+          </a:xfrm>
+          <a:prstGeom prst="roundRect">
+            <a:avLst/>
+          </a:prstGeom>
+          <a:solidFill>
+            <a:srgbClr val="92D050"/>
+          </a:solidFill>
+          <a:ln>
+            <a:solidFill>
+              <a:srgbClr val="92D050"/>
+            </a:solidFill>
+          </a:ln>
+        </p:spPr>
+        <p:style>
+          <a:lnRef idx="2">
+            <a:schemeClr val="accent1">
+              <a:shade val="50000"/>
+            </a:schemeClr>
+          </a:lnRef>
+          <a:fillRef idx="1">
+            <a:schemeClr val="accent1"/>
+          </a:fillRef>
+          <a:effectRef idx="0">
+            <a:schemeClr val="accent1"/>
+          </a:effectRef>
+          <a:fontRef idx="minor">
+            <a:schemeClr val="lt1"/>
+          </a:fontRef>
+        </p:style>
+        <p:txBody>
+          <a:bodyPr rtlCol="0" anchor="ctr"/>
+          <a:lstStyle/>
+          <a:p>
+            <a:pPr algn="ctr"/>
+            <a:endParaRPr lang="en-US" altLang="zh-CN" dirty="0"/>
+          </a:p>
+          <a:p>
+            <a:pPr algn="ctr"/>
+            <a:r>
+              <a:rPr lang="zh-CN" altLang="en-US" dirty="0"/>
+              <a:t>前进控制、后退控制、转动控制</a:t>
+            </a:r>
+            <a:r>
+              <a:rPr lang="en-US" altLang="zh-CN" dirty="0"/>
+              <a:t>…</a:t>
+            </a:r>
+            <a:endParaRPr lang="zh-CN" altLang="en-US" dirty="0"/>
+          </a:p>
+          <a:p>
+            <a:pPr algn="ctr"/>
+            <a:endParaRPr lang="zh-CN" altLang="en-US" dirty="0"/>
+          </a:p>
+        </p:txBody>
+      </p:sp>
+      <p:sp>
+        <p:nvSpPr>
+          <p:cNvPr id="24" name="矩形: 圆角 23"/>
+          <p:cNvSpPr/>
+          <p:nvPr/>
+        </p:nvSpPr>
+        <p:spPr>
+          <a:xfrm>
+            <a:off x="8685207" y="5847404"/>
+            <a:ext cx="1653988" cy="523313"/>
+          </a:xfrm>
+          <a:prstGeom prst="roundRect">
+            <a:avLst/>
+          </a:prstGeom>
+          <a:solidFill>
+            <a:srgbClr val="92D050"/>
+          </a:solidFill>
+          <a:ln>
+            <a:solidFill>
+              <a:srgbClr val="92D050"/>
+            </a:solidFill>
+          </a:ln>
+        </p:spPr>
+        <p:style>
+          <a:lnRef idx="2">
+            <a:schemeClr val="accent1">
+              <a:shade val="50000"/>
+            </a:schemeClr>
+          </a:lnRef>
+          <a:fillRef idx="1">
+            <a:schemeClr val="accent1"/>
+          </a:fillRef>
+          <a:effectRef idx="0">
+            <a:schemeClr val="accent1"/>
+          </a:effectRef>
+          <a:fontRef idx="minor">
+            <a:schemeClr val="lt1"/>
+          </a:fontRef>
+        </p:style>
+        <p:txBody>
+          <a:bodyPr rtlCol="0" anchor="ctr"/>
+          <a:lstStyle/>
+          <a:p>
+            <a:pPr algn="ctr"/>
+            <a:r>
+              <a:rPr lang="zh-CN" altLang="en-US" dirty="0"/>
+              <a:t>跟随模式</a:t>
+            </a:r>
+            <a:endParaRPr lang="zh-CN" altLang="en-US" dirty="0"/>
+          </a:p>
+        </p:txBody>
+      </p:sp>
+      <p:sp>
+        <p:nvSpPr>
+          <p:cNvPr id="33" name="矩形: 圆角 32"/>
+          <p:cNvSpPr/>
+          <p:nvPr/>
+        </p:nvSpPr>
+        <p:spPr>
+          <a:xfrm>
+            <a:off x="8416931" y="1549225"/>
+            <a:ext cx="2172540" cy="4997669"/>
+          </a:xfrm>
+          <a:prstGeom prst="roundRect">
+            <a:avLst/>
+          </a:prstGeom>
+          <a:noFill/>
+          <a:ln w="47625">
+            <a:solidFill>
+              <a:srgbClr val="92D050"/>
+            </a:solidFill>
+            <a:prstDash val="dash"/>
+          </a:ln>
+        </p:spPr>
+        <p:style>
+          <a:lnRef idx="2">
+            <a:schemeClr val="accent1">
+              <a:shade val="50000"/>
+            </a:schemeClr>
+          </a:lnRef>
+          <a:fillRef idx="1">
+            <a:schemeClr val="accent1"/>
+          </a:fillRef>
+          <a:effectRef idx="0">
+            <a:schemeClr val="accent1"/>
+          </a:effectRef>
+          <a:fontRef idx="minor">
+            <a:schemeClr val="lt1"/>
+          </a:fontRef>
+        </p:style>
+        <p:txBody>
+          <a:bodyPr rtlCol="0" anchor="ctr"/>
+          <a:lstStyle/>
+          <a:p>
+            <a:pPr algn="ctr"/>
+            <a:endParaRPr lang="zh-CN" altLang="en-US"/>
+          </a:p>
+        </p:txBody>
+      </p:sp>
+      <p:sp>
+        <p:nvSpPr>
+          <p:cNvPr id="34" name="箭头: 右 33"/>
+          <p:cNvSpPr/>
+          <p:nvPr/>
+        </p:nvSpPr>
+        <p:spPr>
+          <a:xfrm rot="10800000">
+            <a:off x="6221747" y="3675658"/>
+            <a:ext cx="1586866" cy="745812"/>
+          </a:xfrm>
+          <a:prstGeom prst="rightArrow">
+            <a:avLst>
+              <a:gd name="adj1" fmla="val 50000"/>
+              <a:gd name="adj2" fmla="val 90250"/>
+            </a:avLst>
+          </a:prstGeom>
+          <a:solidFill>
+            <a:srgbClr val="92D050"/>
+          </a:solidFill>
+          <a:ln>
+            <a:solidFill>
+              <a:srgbClr val="92D050"/>
+            </a:solidFill>
+          </a:ln>
+        </p:spPr>
+        <p:style>
+          <a:lnRef idx="2">
+            <a:schemeClr val="accent1">
+              <a:shade val="50000"/>
+            </a:schemeClr>
+          </a:lnRef>
+          <a:fillRef idx="1">
+            <a:schemeClr val="accent1"/>
+          </a:fillRef>
+          <a:effectRef idx="0">
+            <a:schemeClr val="accent1"/>
+          </a:effectRef>
+          <a:fontRef idx="minor">
+            <a:schemeClr val="lt1"/>
+          </a:fontRef>
+        </p:style>
+        <p:txBody>
+          <a:bodyPr rtlCol="0" anchor="ctr"/>
+          <a:lstStyle/>
+          <a:p>
+            <a:pPr algn="ctr"/>
+            <a:endParaRPr lang="zh-CN" altLang="en-US"/>
           </a:p>
         </p:txBody>
       </p:sp>

--- a/申优答辩工作/申优答辩/Team108-申优答辩.pptx
+++ b/申优答辩工作/申优答辩/Team108-申优答辩.pptx
@@ -5,32 +5,32 @@
     <p:sldMasterId id="2147483648" r:id="rId1"/>
   </p:sldMasterIdLst>
   <p:notesMasterIdLst>
-    <p:notesMasterId r:id="rId21"/>
+    <p:notesMasterId r:id="rId20"/>
   </p:notesMasterIdLst>
   <p:sldIdLst>
-    <p:sldId id="1729" r:id="rId3"/>
-    <p:sldId id="275" r:id="rId4"/>
-    <p:sldId id="258" r:id="rId5"/>
-    <p:sldId id="1765" r:id="rId6"/>
-    <p:sldId id="1766" r:id="rId7"/>
-    <p:sldId id="1840" r:id="rId8"/>
-    <p:sldId id="1841" r:id="rId9"/>
-    <p:sldId id="1842" r:id="rId10"/>
-    <p:sldId id="1844" r:id="rId11"/>
-    <p:sldId id="1845" r:id="rId12"/>
-    <p:sldId id="1846" r:id="rId13"/>
-    <p:sldId id="1847" r:id="rId14"/>
-    <p:sldId id="1767" r:id="rId15"/>
-    <p:sldId id="1768" r:id="rId16"/>
-    <p:sldId id="1769" r:id="rId17"/>
-    <p:sldId id="1803" r:id="rId18"/>
-    <p:sldId id="1837" r:id="rId19"/>
-    <p:sldId id="1839" r:id="rId20"/>
+    <p:sldId id="1729" r:id="rId2"/>
+    <p:sldId id="275" r:id="rId3"/>
+    <p:sldId id="258" r:id="rId4"/>
+    <p:sldId id="1765" r:id="rId5"/>
+    <p:sldId id="1766" r:id="rId6"/>
+    <p:sldId id="1840" r:id="rId7"/>
+    <p:sldId id="1841" r:id="rId8"/>
+    <p:sldId id="1842" r:id="rId9"/>
+    <p:sldId id="1844" r:id="rId10"/>
+    <p:sldId id="1845" r:id="rId11"/>
+    <p:sldId id="1846" r:id="rId12"/>
+    <p:sldId id="1847" r:id="rId13"/>
+    <p:sldId id="1767" r:id="rId14"/>
+    <p:sldId id="1768" r:id="rId15"/>
+    <p:sldId id="1769" r:id="rId16"/>
+    <p:sldId id="1803" r:id="rId17"/>
+    <p:sldId id="1837" r:id="rId18"/>
+    <p:sldId id="1839" r:id="rId19"/>
   </p:sldIdLst>
   <p:sldSz cx="12192000" cy="6858000"/>
   <p:notesSz cx="6858000" cy="9144000"/>
   <p:custDataLst>
-    <p:tags r:id="rId25"/>
+    <p:tags r:id="rId21"/>
   </p:custDataLst>
   <p:defaultTextStyle>
     <a:defPPr>
@@ -127,6 +127,11 @@
       </a:defRPr>
     </a:lvl9pPr>
   </p:defaultTextStyle>
+  <p:extLst>
+    <p:ext uri="{EFAFB233-063F-42B5-8137-9DF3F51BA10A}">
+      <p15:sldGuideLst xmlns:p15="http://schemas.microsoft.com/office/powerpoint/2012/main"/>
+    </p:ext>
+  </p:extLst>
 </p:presentation>
 </file>
 
@@ -212,6 +217,7 @@
           <a:p>
             <a:fld id="{E86D8963-CFCD-4740-AF60-049850373CDF}" type="datetimeFigureOut">
               <a:rPr lang="zh-CN" altLang="en-US" smtClean="0"/>
+              <a:t>2019-06-10</a:t>
             </a:fld>
             <a:endParaRPr lang="zh-CN" altLang="en-US"/>
           </a:p>
@@ -278,7 +284,6 @@
               <a:rPr lang="zh-CN" altLang="en-US"/>
               <a:t>单击此处编辑母版文本样式</a:t>
             </a:r>
-            <a:endParaRPr lang="zh-CN" altLang="en-US"/>
           </a:p>
           <a:p>
             <a:pPr lvl="1"/>
@@ -286,7 +291,6 @@
               <a:rPr lang="zh-CN" altLang="en-US"/>
               <a:t>第二级</a:t>
             </a:r>
-            <a:endParaRPr lang="zh-CN" altLang="en-US"/>
           </a:p>
           <a:p>
             <a:pPr lvl="2"/>
@@ -294,7 +298,6 @@
               <a:rPr lang="zh-CN" altLang="en-US"/>
               <a:t>第三级</a:t>
             </a:r>
-            <a:endParaRPr lang="zh-CN" altLang="en-US"/>
           </a:p>
           <a:p>
             <a:pPr lvl="3"/>
@@ -302,7 +305,6 @@
               <a:rPr lang="zh-CN" altLang="en-US"/>
               <a:t>第四级</a:t>
             </a:r>
-            <a:endParaRPr lang="zh-CN" altLang="en-US"/>
           </a:p>
           <a:p>
             <a:pPr lvl="4"/>
@@ -310,7 +312,6 @@
               <a:rPr lang="zh-CN" altLang="en-US"/>
               <a:t>第五级</a:t>
             </a:r>
-            <a:endParaRPr lang="zh-CN" altLang="en-US"/>
           </a:p>
         </p:txBody>
       </p:sp>
@@ -374,6 +375,7 @@
           <a:p>
             <a:fld id="{E9E6FDB6-6D2B-46C1-9FA1-D82906A37C3A}" type="slidenum">
               <a:rPr lang="zh-CN" altLang="en-US" smtClean="0"/>
+              <a:t>‹#›</a:t>
             </a:fld>
             <a:endParaRPr lang="zh-CN" altLang="en-US"/>
           </a:p>
@@ -478,7 +480,7 @@
 </file>
 
 <file path=ppt/slideLayouts/slideLayout1.xml><?xml version="1.0" encoding="utf-8"?>
-<p:sldLayout xmlns:a="http://schemas.openxmlformats.org/drawingml/2006/main" xmlns:r="http://schemas.openxmlformats.org/officeDocument/2006/relationships" xmlns:p="http://schemas.openxmlformats.org/presentationml/2006/main" preserve="1" showMasterSp="0" userDrawn="1">
+<p:sldLayout xmlns:a="http://schemas.openxmlformats.org/drawingml/2006/main" xmlns:r="http://schemas.openxmlformats.org/officeDocument/2006/relationships" xmlns:p="http://schemas.openxmlformats.org/presentationml/2006/main" showMasterSp="0" preserve="1" userDrawn="1">
   <p:cSld name="标题幻灯片">
     <p:spTree>
       <p:nvGrpSpPr>
@@ -655,7 +657,6 @@
               <a:rPr lang="en-US" altLang="zh-CN" dirty="0"/>
               <a:t>Signature</a:t>
             </a:r>
-            <a:endParaRPr lang="en-US" altLang="zh-CN" dirty="0"/>
           </a:p>
         </p:txBody>
       </p:sp>
@@ -1418,7 +1419,7 @@
 </file>
 
 <file path=ppt/slideLayouts/slideLayout2.xml><?xml version="1.0" encoding="utf-8"?>
-<p:sldLayout xmlns:a="http://schemas.openxmlformats.org/drawingml/2006/main" xmlns:r="http://schemas.openxmlformats.org/officeDocument/2006/relationships" xmlns:p="http://schemas.openxmlformats.org/presentationml/2006/main" preserve="1" showMasterSp="0" userDrawn="1">
+<p:sldLayout xmlns:a="http://schemas.openxmlformats.org/drawingml/2006/main" xmlns:r="http://schemas.openxmlformats.org/officeDocument/2006/relationships" xmlns:p="http://schemas.openxmlformats.org/presentationml/2006/main" showMasterSp="0" preserve="1" userDrawn="1">
   <p:cSld name="节标题">
     <p:spTree>
       <p:nvGrpSpPr>
@@ -1588,7 +1589,6 @@
               <a:rPr lang="en-US" altLang="zh-CN" dirty="0"/>
               <a:t>Edit Master text styles</a:t>
             </a:r>
-            <a:endParaRPr lang="en-US" altLang="zh-CN" dirty="0"/>
           </a:p>
         </p:txBody>
       </p:sp>
@@ -2010,7 +2010,6 @@
               <a:rPr lang="en-US" altLang="zh-CN" dirty="0"/>
               <a:t>Edit Master text styles</a:t>
             </a:r>
-            <a:endParaRPr lang="en-US" altLang="zh-CN" dirty="0"/>
           </a:p>
           <a:p>
             <a:pPr lvl="1"/>
@@ -2018,7 +2017,6 @@
               <a:rPr lang="en-US" altLang="zh-CN" dirty="0"/>
               <a:t>Second level</a:t>
             </a:r>
-            <a:endParaRPr lang="en-US" altLang="zh-CN" dirty="0"/>
           </a:p>
           <a:p>
             <a:pPr lvl="2"/>
@@ -2026,7 +2024,6 @@
               <a:rPr lang="en-US" altLang="zh-CN" dirty="0"/>
               <a:t>Third level</a:t>
             </a:r>
-            <a:endParaRPr lang="en-US" altLang="zh-CN" dirty="0"/>
           </a:p>
           <a:p>
             <a:pPr lvl="3"/>
@@ -2034,7 +2031,6 @@
               <a:rPr lang="en-US" altLang="zh-CN" dirty="0"/>
               <a:t>Fourth level</a:t>
             </a:r>
-            <a:endParaRPr lang="en-US" altLang="zh-CN" dirty="0"/>
           </a:p>
           <a:p>
             <a:pPr lvl="4"/>
@@ -2063,6 +2059,7 @@
           <a:p>
             <a:fld id="{6489D9C7-5DC6-4263-87FF-7C99F6FB63C3}" type="datetime1">
               <a:rPr lang="zh-CN" altLang="en-US" smtClean="0"/>
+              <a:t>2019-06-10</a:t>
             </a:fld>
             <a:endParaRPr lang="zh-CN" altLang="en-US"/>
           </a:p>
@@ -2108,6 +2105,7 @@
           <a:p>
             <a:fld id="{5DD3DB80-B894-403A-B48E-6FDC1A72010E}" type="slidenum">
               <a:rPr lang="zh-CN" altLang="en-US" smtClean="0"/>
+              <a:t>‹#›</a:t>
             </a:fld>
             <a:endParaRPr lang="zh-CN" altLang="en-US"/>
           </a:p>
@@ -2182,6 +2180,7 @@
           <a:p>
             <a:fld id="{6489D9C7-5DC6-4263-87FF-7C99F6FB63C3}" type="datetime1">
               <a:rPr lang="zh-CN" altLang="en-US" smtClean="0"/>
+              <a:t>2019-06-10</a:t>
             </a:fld>
             <a:endParaRPr lang="zh-CN" altLang="en-US"/>
           </a:p>
@@ -2227,6 +2226,7 @@
           <a:p>
             <a:fld id="{5DD3DB80-B894-403A-B48E-6FDC1A72010E}" type="slidenum">
               <a:rPr lang="zh-CN" altLang="en-US" smtClean="0"/>
+              <a:t>‹#›</a:t>
             </a:fld>
             <a:endParaRPr lang="zh-CN" altLang="en-US"/>
           </a:p>
@@ -2241,7 +2241,7 @@
 </file>
 
 <file path=ppt/slideLayouts/slideLayout5.xml><?xml version="1.0" encoding="utf-8"?>
-<p:sldLayout xmlns:a="http://schemas.openxmlformats.org/drawingml/2006/main" xmlns:r="http://schemas.openxmlformats.org/officeDocument/2006/relationships" xmlns:p="http://schemas.openxmlformats.org/presentationml/2006/main" type="blank" preserve="1" showMasterSp="0">
+<p:sldLayout xmlns:a="http://schemas.openxmlformats.org/drawingml/2006/main" xmlns:r="http://schemas.openxmlformats.org/officeDocument/2006/relationships" xmlns:p="http://schemas.openxmlformats.org/presentationml/2006/main" showMasterSp="0" type="blank" preserve="1">
   <p:cSld name="空白">
     <p:spTree>
       <p:nvGrpSpPr>
@@ -2266,7 +2266,7 @@
 </file>
 
 <file path=ppt/slideLayouts/slideLayout6.xml><?xml version="1.0" encoding="utf-8"?>
-<p:sldLayout xmlns:a="http://schemas.openxmlformats.org/drawingml/2006/main" xmlns:r="http://schemas.openxmlformats.org/officeDocument/2006/relationships" xmlns:p="http://schemas.openxmlformats.org/presentationml/2006/main" preserve="1" showMasterSp="0" userDrawn="1">
+<p:sldLayout xmlns:a="http://schemas.openxmlformats.org/drawingml/2006/main" xmlns:r="http://schemas.openxmlformats.org/officeDocument/2006/relationships" xmlns:p="http://schemas.openxmlformats.org/presentationml/2006/main" showMasterSp="0" preserve="1" userDrawn="1">
   <p:cSld name="末尾幻灯片">
     <p:spTree>
       <p:nvGrpSpPr>
@@ -2370,7 +2370,6 @@
               <a:rPr lang="en-US" altLang="zh-CN" dirty="0"/>
               <a:t>Signature</a:t>
             </a:r>
-            <a:endParaRPr lang="en-US" altLang="zh-CN" dirty="0"/>
           </a:p>
         </p:txBody>
       </p:sp>
@@ -4176,24 +4175,6 @@
               </a:rPr>
               <a:t>OneDrive</a:t>
             </a:r>
-            <a:endParaRPr lang="en-US" altLang="zh-CN" sz="2000" kern="0">
-              <a:solidFill>
-                <a:schemeClr val="bg1">
-                  <a:alpha val="77000"/>
-                </a:schemeClr>
-              </a:solidFill>
-              <a:effectLst>
-                <a:outerShdw blurRad="38100" dist="38100" dir="2700000" algn="tl">
-                  <a:srgbClr val="000000">
-                    <a:alpha val="43137"/>
-                  </a:srgbClr>
-                </a:outerShdw>
-              </a:effectLst>
-              <a:latin typeface="微软雅黑" panose="020B0503020204020204" pitchFamily="34" charset="-122"/>
-              <a:ea typeface="微软雅黑" panose="020B0503020204020204" pitchFamily="34" charset="-122"/>
-              <a:cs typeface="+mn-ea"/>
-              <a:sym typeface="+mn-lt"/>
-            </a:endParaRPr>
           </a:p>
           <a:p>
             <a:pPr algn="ctr">
@@ -4369,22 +4350,6 @@
               </a:rPr>
               <a:t> 「 微软听听文档 」</a:t>
             </a:r>
-            <a:endParaRPr lang="zh-CN" altLang="en-US" sz="2000" b="1" kern="0">
-              <a:solidFill>
-                <a:schemeClr val="bg1"/>
-              </a:solidFill>
-              <a:effectLst>
-                <a:outerShdw blurRad="38100" dist="38100" dir="2700000" algn="tl">
-                  <a:srgbClr val="000000">
-                    <a:alpha val="43137"/>
-                  </a:srgbClr>
-                </a:outerShdw>
-              </a:effectLst>
-              <a:latin typeface="微软雅黑" panose="020B0503020204020204" pitchFamily="34" charset="-122"/>
-              <a:ea typeface="微软雅黑" panose="020B0503020204020204" pitchFamily="34" charset="-122"/>
-              <a:cs typeface="+mn-ea"/>
-              <a:sym typeface="+mn-lt"/>
-            </a:endParaRPr>
           </a:p>
         </p:txBody>
       </p:sp>
@@ -4480,22 +4445,6 @@
               </a:rPr>
               <a:t> 「 微软小蜜 」</a:t>
             </a:r>
-            <a:endParaRPr lang="zh-CN" altLang="en-US" sz="2000" b="1" kern="0">
-              <a:solidFill>
-                <a:schemeClr val="bg1"/>
-              </a:solidFill>
-              <a:effectLst>
-                <a:outerShdw blurRad="38100" dist="38100" dir="2700000" algn="tl">
-                  <a:srgbClr val="000000">
-                    <a:alpha val="43137"/>
-                  </a:srgbClr>
-                </a:outerShdw>
-              </a:effectLst>
-              <a:latin typeface="微软雅黑" panose="020B0503020204020204" pitchFamily="34" charset="-122"/>
-              <a:ea typeface="微软雅黑" panose="020B0503020204020204" pitchFamily="34" charset="-122"/>
-              <a:cs typeface="+mn-ea"/>
-              <a:sym typeface="+mn-lt"/>
-            </a:endParaRPr>
           </a:p>
         </p:txBody>
       </p:sp>
@@ -4617,13 +4566,13 @@
   <p:clrMapOvr>
     <a:masterClrMapping/>
   </p:clrMapOvr>
-  <mc:AlternateContent xmlns:mc="http://schemas.openxmlformats.org/markup-compatibility/2006">
-    <mc:Choice xmlns:p14="http://schemas.microsoft.com/office/powerpoint/2010/main" Requires="p14">
+  <mc:AlternateContent xmlns:mc="http://schemas.openxmlformats.org/markup-compatibility/2006" xmlns:p14="http://schemas.microsoft.com/office/powerpoint/2010/main">
+    <mc:Choice Requires="p14">
       <p:transition spd="med" p14:dur="700">
         <p:fade/>
       </p:transition>
     </mc:Choice>
-    <mc:Fallback>
+    <mc:Fallback xmlns="">
       <p:transition spd="med">
         <p:fade/>
       </p:transition>
@@ -4720,7 +4669,6 @@
               <a:rPr lang="en-US" altLang="zh-CN" dirty="0"/>
               <a:t>Edit Master text styles</a:t>
             </a:r>
-            <a:endParaRPr lang="en-US" altLang="zh-CN" dirty="0"/>
           </a:p>
           <a:p>
             <a:pPr lvl="1"/>
@@ -4728,7 +4676,6 @@
               <a:rPr lang="en-US" altLang="zh-CN" dirty="0"/>
               <a:t>Second level</a:t>
             </a:r>
-            <a:endParaRPr lang="en-US" altLang="zh-CN" dirty="0"/>
           </a:p>
           <a:p>
             <a:pPr lvl="2"/>
@@ -4736,7 +4683,6 @@
               <a:rPr lang="en-US" altLang="zh-CN" dirty="0"/>
               <a:t>Third level</a:t>
             </a:r>
-            <a:endParaRPr lang="en-US" altLang="zh-CN" dirty="0"/>
           </a:p>
           <a:p>
             <a:pPr lvl="3"/>
@@ -4744,7 +4690,6 @@
               <a:rPr lang="en-US" altLang="zh-CN" dirty="0"/>
               <a:t>Fourth level</a:t>
             </a:r>
-            <a:endParaRPr lang="en-US" altLang="zh-CN" dirty="0"/>
           </a:p>
           <a:p>
             <a:pPr lvl="4"/>
@@ -4792,6 +4737,7 @@
           <a:p>
             <a:fld id="{6489D9C7-5DC6-4263-87FF-7C99F6FB63C3}" type="datetime1">
               <a:rPr lang="zh-CN" altLang="en-US" smtClean="0"/>
+              <a:t>2019-06-10</a:t>
             </a:fld>
             <a:endParaRPr lang="zh-CN" altLang="en-US"/>
           </a:p>
@@ -4875,6 +4821,7 @@
           <a:p>
             <a:fld id="{5DD3DB80-B894-403A-B48E-6FDC1A72010E}" type="slidenum">
               <a:rPr lang="zh-CN" altLang="en-US" smtClean="0"/>
+              <a:t>‹#›</a:t>
             </a:fld>
             <a:endParaRPr lang="zh-CN" altLang="en-US"/>
           </a:p>
@@ -5257,7 +5204,6 @@
               <a:rPr lang="zh-CN" altLang="en-US" dirty="0"/>
               <a:t>申优答辩</a:t>
             </a:r>
-            <a:endParaRPr lang="zh-CN" altLang="en-US" dirty="0"/>
           </a:p>
         </p:txBody>
       </p:sp>
@@ -5294,7 +5240,6 @@
               <a:rPr lang="zh-CN" altLang="en-US" sz="2000" dirty="0"/>
               <a:t>李嘉业</a:t>
             </a:r>
-            <a:endParaRPr lang="zh-CN" altLang="en-US" sz="2000" dirty="0"/>
           </a:p>
           <a:p>
             <a:pPr fontAlgn="auto">
@@ -5310,7 +5255,6 @@
               <a:rPr lang="zh-CN" altLang="en-US" sz="2000" dirty="0"/>
               <a:t>张弩</a:t>
             </a:r>
-            <a:endParaRPr lang="zh-CN" altLang="en-US" sz="2000" dirty="0"/>
           </a:p>
           <a:p>
             <a:pPr fontAlgn="auto">
@@ -5326,7 +5270,6 @@
               <a:rPr lang="zh-CN" altLang="en-US" sz="2000" dirty="0"/>
               <a:t>王润安</a:t>
             </a:r>
-            <a:endParaRPr lang="zh-CN" altLang="en-US" sz="2000" dirty="0"/>
           </a:p>
           <a:p>
             <a:pPr fontAlgn="auto">
@@ -5342,7 +5285,6 @@
               <a:rPr lang="zh-CN" altLang="en-US" sz="2000" dirty="0"/>
               <a:t>母江涛</a:t>
             </a:r>
-            <a:endParaRPr lang="zh-CN" altLang="en-US" sz="2000" dirty="0"/>
           </a:p>
         </p:txBody>
       </p:sp>
@@ -5686,17 +5628,6 @@
                   </a:rPr>
                   <a:t>CLASS</a:t>
                 </a:r>
-                <a:endParaRPr kumimoji="0" lang="en-US" altLang="zh-CN" sz="9600" b="1" i="0" u="none" strike="noStrike" kern="1200" cap="none" spc="0" normalizeH="0" baseline="0" noProof="0" dirty="0">
-                  <a:ln>
-                    <a:noFill/>
-                  </a:ln>
-                  <a:effectLst/>
-                  <a:uLnTx/>
-                  <a:uFillTx/>
-                  <a:latin typeface="Arial" panose="020B0604020202020204"/>
-                  <a:ea typeface="微软雅黑" panose="020B0503020204020204" pitchFamily="34" charset="-122"/>
-                  <a:cs typeface="Arial" panose="020B0604020202020204" pitchFamily="34" charset="0"/>
-                </a:endParaRPr>
               </a:p>
             </p:txBody>
           </p:sp>
@@ -6682,7 +6613,6 @@
               <a:rPr lang="zh-CN" altLang="en-US" dirty="0"/>
               <a:t>技术线</a:t>
             </a:r>
-            <a:endParaRPr lang="zh-CN" altLang="en-US" dirty="0"/>
           </a:p>
         </p:txBody>
       </p:sp>
@@ -6734,7 +6664,6 @@
               <a:rPr lang="zh-CN" altLang="en-US" sz="4000" dirty="0"/>
               <a:t>跟随模式</a:t>
             </a:r>
-            <a:endParaRPr lang="zh-CN" altLang="en-US" sz="4000" dirty="0"/>
           </a:p>
         </p:txBody>
       </p:sp>
@@ -6786,7 +6715,6 @@
               <a:rPr lang="zh-CN" altLang="en-US" sz="4000" dirty="0"/>
               <a:t>手动模式</a:t>
             </a:r>
-            <a:endParaRPr lang="zh-CN" altLang="en-US" sz="4000" dirty="0"/>
           </a:p>
         </p:txBody>
       </p:sp>
@@ -6833,19 +6761,6 @@
               </a:rPr>
               <a:t>实时建图与导航</a:t>
             </a:r>
-            <a:endParaRPr lang="zh-CN" altLang="en-US" sz="2400" b="0" cap="none" spc="0" dirty="0">
-              <a:ln w="0"/>
-              <a:solidFill>
-                <a:schemeClr val="tx1"/>
-              </a:solidFill>
-              <a:effectLst>
-                <a:outerShdw blurRad="38100" dist="19050" dir="2700000" algn="tl" rotWithShape="0">
-                  <a:schemeClr val="dk1">
-                    <a:alpha val="40000"/>
-                  </a:schemeClr>
-                </a:outerShdw>
-              </a:effectLst>
-            </a:endParaRPr>
           </a:p>
           <a:p>
             <a:pPr algn="ctr" fontAlgn="auto">
@@ -7004,16 +6919,6 @@
               </a:rPr>
               <a:t>控制机器人移动</a:t>
             </a:r>
-            <a:endParaRPr lang="zh-CN" altLang="en-US" sz="2400" dirty="0">
-              <a:ln w="0"/>
-              <a:effectLst>
-                <a:outerShdw blurRad="38100" dist="19050" dir="2700000" algn="tl" rotWithShape="0">
-                  <a:schemeClr val="dk1">
-                    <a:alpha val="40000"/>
-                  </a:schemeClr>
-                </a:outerShdw>
-              </a:effectLst>
-            </a:endParaRPr>
           </a:p>
           <a:p>
             <a:pPr algn="ctr" fontAlgn="auto">
@@ -7191,7 +7096,6 @@
               <a:rPr lang="zh-CN" altLang="en-US" dirty="0"/>
               <a:t>技术线</a:t>
             </a:r>
-            <a:endParaRPr lang="zh-CN" altLang="en-US" dirty="0"/>
           </a:p>
         </p:txBody>
       </p:sp>
@@ -7238,6 +7142,27 @@
               </a:rPr>
               <a:t>对函数、接口进行了单元测试</a:t>
             </a:r>
+          </a:p>
+          <a:p>
+            <a:pPr algn="l" fontAlgn="auto">
+              <a:lnSpc>
+                <a:spcPct val="150000"/>
+              </a:lnSpc>
+            </a:pPr>
+            <a:r>
+              <a:rPr lang="zh-CN" altLang="en-US" sz="2400" dirty="0">
+                <a:ln w="0"/>
+                <a:effectLst>
+                  <a:outerShdw blurRad="38100" dist="19050" dir="2700000" algn="tl" rotWithShape="0">
+                    <a:schemeClr val="dk1">
+                      <a:alpha val="40000"/>
+                    </a:schemeClr>
+                  </a:outerShdw>
+                </a:effectLst>
+                <a:sym typeface="+mn-ea"/>
+              </a:rPr>
+              <a:t>对功能模块进行了功能测试</a:t>
+            </a:r>
             <a:endParaRPr lang="zh-CN" altLang="en-US" sz="2400" b="0" cap="none" spc="0" dirty="0">
               <a:ln w="0"/>
               <a:solidFill>
@@ -7270,53 +7195,8 @@
                 </a:effectLst>
                 <a:sym typeface="+mn-ea"/>
               </a:rPr>
-              <a:t>对功能模块进行了功能测试</a:t>
-            </a:r>
-            <a:endParaRPr lang="zh-CN" altLang="en-US" sz="2400" b="0" cap="none" spc="0" dirty="0">
-              <a:ln w="0"/>
-              <a:solidFill>
-                <a:schemeClr val="tx1"/>
-              </a:solidFill>
-              <a:effectLst>
-                <a:outerShdw blurRad="38100" dist="19050" dir="2700000" algn="tl" rotWithShape="0">
-                  <a:schemeClr val="dk1">
-                    <a:alpha val="40000"/>
-                  </a:schemeClr>
-                </a:outerShdw>
-              </a:effectLst>
-            </a:endParaRPr>
-          </a:p>
-          <a:p>
-            <a:pPr algn="l" fontAlgn="auto">
-              <a:lnSpc>
-                <a:spcPct val="150000"/>
-              </a:lnSpc>
-            </a:pPr>
-            <a:r>
-              <a:rPr lang="zh-CN" altLang="en-US" sz="2400" dirty="0">
-                <a:ln w="0"/>
-                <a:effectLst>
-                  <a:outerShdw blurRad="38100" dist="19050" dir="2700000" algn="tl" rotWithShape="0">
-                    <a:schemeClr val="dk1">
-                      <a:alpha val="40000"/>
-                    </a:schemeClr>
-                  </a:outerShdw>
-                </a:effectLst>
-                <a:sym typeface="+mn-ea"/>
-              </a:rPr>
               <a:t>对整个系统进行了集成测试</a:t>
             </a:r>
-            <a:endParaRPr lang="zh-CN" altLang="en-US" sz="2400" dirty="0">
-              <a:ln w="0"/>
-              <a:effectLst>
-                <a:outerShdw blurRad="38100" dist="19050" dir="2700000" algn="tl" rotWithShape="0">
-                  <a:schemeClr val="dk1">
-                    <a:alpha val="40000"/>
-                  </a:schemeClr>
-                </a:outerShdw>
-              </a:effectLst>
-              <a:sym typeface="+mn-ea"/>
-            </a:endParaRPr>
           </a:p>
           <a:p>
             <a:pPr algn="l" fontAlgn="auto">
@@ -7340,19 +7220,6 @@
               </a:rPr>
               <a:t>尽量使用自动化测试</a:t>
             </a:r>
-            <a:endParaRPr lang="zh-CN" altLang="en-US" sz="2400" b="0" cap="none" spc="0" dirty="0">
-              <a:ln w="0"/>
-              <a:solidFill>
-                <a:schemeClr val="tx1"/>
-              </a:solidFill>
-              <a:effectLst>
-                <a:outerShdw blurRad="38100" dist="19050" dir="2700000" algn="tl" rotWithShape="0">
-                  <a:schemeClr val="dk1">
-                    <a:alpha val="40000"/>
-                  </a:schemeClr>
-                </a:outerShdw>
-              </a:effectLst>
-            </a:endParaRPr>
           </a:p>
           <a:p>
             <a:pPr algn="l" fontAlgn="auto">
@@ -7376,19 +7243,6 @@
               </a:rPr>
               <a:t>对于安卓应用和服务器端代码编写代码进行自动化测试，并生成了测试报告，统计了代码及分支覆盖率。</a:t>
             </a:r>
-            <a:endParaRPr lang="zh-CN" altLang="en-US" sz="2400" b="0" cap="none" spc="0" dirty="0">
-              <a:ln w="0"/>
-              <a:solidFill>
-                <a:schemeClr val="tx1"/>
-              </a:solidFill>
-              <a:effectLst>
-                <a:outerShdw blurRad="38100" dist="19050" dir="2700000" algn="tl" rotWithShape="0">
-                  <a:schemeClr val="dk1">
-                    <a:alpha val="40000"/>
-                  </a:schemeClr>
-                </a:outerShdw>
-              </a:effectLst>
-            </a:endParaRPr>
           </a:p>
           <a:p>
             <a:pPr algn="l" fontAlgn="auto">
@@ -7412,19 +7266,6 @@
               </a:rPr>
               <a:t>没有自动化测试的部分使用手动测试，保证功能模块全覆盖。</a:t>
             </a:r>
-            <a:endParaRPr lang="zh-CN" altLang="en-US" sz="2400" b="0" cap="none" spc="0" dirty="0">
-              <a:ln w="0"/>
-              <a:solidFill>
-                <a:schemeClr val="tx1"/>
-              </a:solidFill>
-              <a:effectLst>
-                <a:outerShdw blurRad="38100" dist="19050" dir="2700000" algn="tl" rotWithShape="0">
-                  <a:schemeClr val="dk1">
-                    <a:alpha val="40000"/>
-                  </a:schemeClr>
-                </a:outerShdw>
-              </a:effectLst>
-            </a:endParaRPr>
           </a:p>
         </p:txBody>
       </p:sp>
@@ -7472,7 +7313,6 @@
               <a:rPr lang="zh-CN" altLang="en-US" dirty="0"/>
               <a:t>技术线</a:t>
             </a:r>
-            <a:endParaRPr lang="zh-CN" altLang="en-US" dirty="0"/>
           </a:p>
         </p:txBody>
       </p:sp>
@@ -7519,19 +7359,6 @@
               </a:rPr>
               <a:t>测试过程中发现问题，解决问题</a:t>
             </a:r>
-            <a:endParaRPr lang="zh-CN" altLang="en-US" sz="2400" b="0" cap="none" spc="0" dirty="0">
-              <a:ln w="0"/>
-              <a:solidFill>
-                <a:schemeClr val="tx1"/>
-              </a:solidFill>
-              <a:effectLst>
-                <a:outerShdw blurRad="38100" dist="19050" dir="2700000" algn="tl" rotWithShape="0">
-                  <a:schemeClr val="dk1">
-                    <a:alpha val="40000"/>
-                  </a:schemeClr>
-                </a:outerShdw>
-              </a:effectLst>
-            </a:endParaRPr>
           </a:p>
           <a:p>
             <a:pPr algn="l" fontAlgn="auto">
@@ -7540,7 +7367,7 @@
               </a:lnSpc>
             </a:pPr>
             <a:r>
-              <a:rPr lang="zh-CN" altLang="en-US" sz="2400" b="0" cap="none" spc="0" dirty="0">
+              <a:rPr lang="zh-CN" altLang="en-US" sz="2400" b="1" cap="none" spc="0" dirty="0">
                 <a:ln w="0"/>
                 <a:solidFill>
                   <a:schemeClr val="tx1"/>
@@ -7555,19 +7382,6 @@
               </a:rPr>
               <a:t>问题：</a:t>
             </a:r>
-            <a:endParaRPr lang="zh-CN" altLang="en-US" sz="2400" b="0" cap="none" spc="0" dirty="0">
-              <a:ln w="0"/>
-              <a:solidFill>
-                <a:schemeClr val="tx1"/>
-              </a:solidFill>
-              <a:effectLst>
-                <a:outerShdw blurRad="38100" dist="19050" dir="2700000" algn="tl" rotWithShape="0">
-                  <a:schemeClr val="dk1">
-                    <a:alpha val="40000"/>
-                  </a:schemeClr>
-                </a:outerShdw>
-              </a:effectLst>
-            </a:endParaRPr>
           </a:p>
           <a:p>
             <a:pPr algn="l" fontAlgn="auto">
@@ -7591,19 +7405,6 @@
               </a:rPr>
               <a:t>运动命令结束后无法停止；</a:t>
             </a:r>
-            <a:endParaRPr lang="zh-CN" altLang="en-US" sz="2400" b="0" cap="none" spc="0" dirty="0">
-              <a:ln w="0"/>
-              <a:solidFill>
-                <a:schemeClr val="tx1"/>
-              </a:solidFill>
-              <a:effectLst>
-                <a:outerShdw blurRad="38100" dist="19050" dir="2700000" algn="tl" rotWithShape="0">
-                  <a:schemeClr val="dk1">
-                    <a:alpha val="40000"/>
-                  </a:schemeClr>
-                </a:outerShdw>
-              </a:effectLst>
-            </a:endParaRPr>
           </a:p>
           <a:p>
             <a:pPr algn="l" fontAlgn="auto">
@@ -7627,19 +7428,6 @@
               </a:rPr>
               <a:t>一条运动命令的运动量过小；</a:t>
             </a:r>
-            <a:endParaRPr lang="zh-CN" altLang="en-US" sz="2400" b="0" cap="none" spc="0" dirty="0">
-              <a:ln w="0"/>
-              <a:solidFill>
-                <a:schemeClr val="tx1"/>
-              </a:solidFill>
-              <a:effectLst>
-                <a:outerShdw blurRad="38100" dist="19050" dir="2700000" algn="tl" rotWithShape="0">
-                  <a:schemeClr val="dk1">
-                    <a:alpha val="40000"/>
-                  </a:schemeClr>
-                </a:outerShdw>
-              </a:effectLst>
-            </a:endParaRPr>
           </a:p>
           <a:p>
             <a:pPr algn="l" fontAlgn="auto">
@@ -7663,19 +7451,6 @@
               </a:rPr>
               <a:t>机器人向右行走会向后方偏移；</a:t>
             </a:r>
-            <a:endParaRPr lang="zh-CN" altLang="en-US" sz="2400" b="0" cap="none" spc="0" dirty="0">
-              <a:ln w="0"/>
-              <a:solidFill>
-                <a:schemeClr val="tx1"/>
-              </a:solidFill>
-              <a:effectLst>
-                <a:outerShdw blurRad="38100" dist="19050" dir="2700000" algn="tl" rotWithShape="0">
-                  <a:schemeClr val="dk1">
-                    <a:alpha val="40000"/>
-                  </a:schemeClr>
-                </a:outerShdw>
-              </a:effectLst>
-            </a:endParaRPr>
           </a:p>
           <a:p>
             <a:pPr algn="l" fontAlgn="auto">
@@ -7699,19 +7474,6 @@
               </a:rPr>
               <a:t>物体抓取可能不成功；</a:t>
             </a:r>
-            <a:endParaRPr lang="zh-CN" altLang="en-US" sz="2400" b="0" cap="none" spc="0" dirty="0">
-              <a:ln w="0"/>
-              <a:solidFill>
-                <a:schemeClr val="tx1"/>
-              </a:solidFill>
-              <a:effectLst>
-                <a:outerShdw blurRad="38100" dist="19050" dir="2700000" algn="tl" rotWithShape="0">
-                  <a:schemeClr val="dk1">
-                    <a:alpha val="40000"/>
-                  </a:schemeClr>
-                </a:outerShdw>
-              </a:effectLst>
-            </a:endParaRPr>
           </a:p>
           <a:p>
             <a:pPr algn="l" fontAlgn="auto">
@@ -7735,19 +7497,6 @@
               </a:rPr>
               <a:t>机器人移动后返回起点与实际起点存在偏差；</a:t>
             </a:r>
-            <a:endParaRPr lang="zh-CN" altLang="en-US" sz="2400" b="0" cap="none" spc="0" dirty="0">
-              <a:ln w="0"/>
-              <a:solidFill>
-                <a:schemeClr val="tx1"/>
-              </a:solidFill>
-              <a:effectLst>
-                <a:outerShdw blurRad="38100" dist="19050" dir="2700000" algn="tl" rotWithShape="0">
-                  <a:schemeClr val="dk1">
-                    <a:alpha val="40000"/>
-                  </a:schemeClr>
-                </a:outerShdw>
-              </a:effectLst>
-            </a:endParaRPr>
           </a:p>
           <a:p>
             <a:pPr algn="l" fontAlgn="auto">
@@ -7771,19 +7520,6 @@
               </a:rPr>
               <a:t>跟随过程中可能丢失用户；</a:t>
             </a:r>
-            <a:endParaRPr lang="zh-CN" altLang="en-US" sz="2400" b="0" cap="none" spc="0" dirty="0">
-              <a:ln w="0"/>
-              <a:solidFill>
-                <a:schemeClr val="tx1"/>
-              </a:solidFill>
-              <a:effectLst>
-                <a:outerShdw blurRad="38100" dist="19050" dir="2700000" algn="tl" rotWithShape="0">
-                  <a:schemeClr val="dk1">
-                    <a:alpha val="40000"/>
-                  </a:schemeClr>
-                </a:outerShdw>
-              </a:effectLst>
-            </a:endParaRPr>
           </a:p>
           <a:p>
             <a:pPr algn="l" fontAlgn="auto">
@@ -7807,19 +7543,6 @@
               </a:rPr>
               <a:t>机器人识别平面条件较苛刻。</a:t>
             </a:r>
-            <a:endParaRPr lang="zh-CN" altLang="en-US" sz="2400" b="0" cap="none" spc="0" dirty="0">
-              <a:ln w="0"/>
-              <a:solidFill>
-                <a:schemeClr val="tx1"/>
-              </a:solidFill>
-              <a:effectLst>
-                <a:outerShdw blurRad="38100" dist="19050" dir="2700000" algn="tl" rotWithShape="0">
-                  <a:schemeClr val="dk1">
-                    <a:alpha val="40000"/>
-                  </a:schemeClr>
-                </a:outerShdw>
-              </a:effectLst>
-            </a:endParaRPr>
           </a:p>
         </p:txBody>
       </p:sp>
@@ -7890,7 +7613,6 @@
               <a:rPr lang="zh-CN" altLang="en-US" sz="1800" dirty="0"/>
               <a:t>管理线</a:t>
             </a:r>
-            <a:endParaRPr lang="zh-CN" altLang="en-US" sz="1800" dirty="0"/>
           </a:p>
         </p:txBody>
       </p:sp>
@@ -7986,7 +7708,6 @@
               <a:rPr lang="zh-CN" altLang="en-US" dirty="0"/>
               <a:t>管理线</a:t>
             </a:r>
-            <a:endParaRPr lang="zh-CN" altLang="en-US" dirty="0"/>
           </a:p>
         </p:txBody>
       </p:sp>
@@ -8010,6 +7731,7 @@
           <a:bodyPr wrap="square" rtlCol="0">
             <a:spAutoFit/>
           </a:bodyPr>
+          <a:lstStyle/>
           <a:p>
             <a:pPr fontAlgn="auto">
               <a:lnSpc>
@@ -8020,7 +7742,6 @@
               <a:rPr lang="zh-CN" altLang="en-US" sz="2400" b="1"/>
               <a:t>版本清晰，详细可查</a:t>
             </a:r>
-            <a:endParaRPr lang="zh-CN" altLang="en-US" sz="2400" b="1"/>
           </a:p>
           <a:p>
             <a:pPr fontAlgn="auto">
@@ -8036,7 +7757,6 @@
               <a:rPr lang="zh-CN" altLang="en-US" sz="2400" b="1"/>
               <a:t>、每一份文档都有详细的版本记录</a:t>
             </a:r>
-            <a:endParaRPr lang="zh-CN" altLang="en-US" sz="2400" b="1"/>
           </a:p>
           <a:p>
             <a:pPr fontAlgn="auto">
@@ -8057,7 +7777,7 @@
           <p:nvPr/>
         </p:nvPicPr>
         <p:blipFill>
-          <a:blip r:embed="rId1"/>
+          <a:blip r:embed="rId2"/>
           <a:stretch>
             <a:fillRect/>
           </a:stretch>
@@ -8081,7 +7801,7 @@
           <p:nvPr/>
         </p:nvPicPr>
         <p:blipFill>
-          <a:blip r:embed="rId2"/>
+          <a:blip r:embed="rId3"/>
           <a:stretch>
             <a:fillRect/>
           </a:stretch>
@@ -8105,7 +7825,7 @@
           <p:nvPr/>
         </p:nvPicPr>
         <p:blipFill>
-          <a:blip r:embed="rId3"/>
+          <a:blip r:embed="rId4"/>
           <a:stretch>
             <a:fillRect/>
           </a:stretch>
@@ -8164,7 +7884,6 @@
               <a:rPr lang="zh-CN" altLang="en-US" dirty="0"/>
               <a:t>管理线</a:t>
             </a:r>
-            <a:endParaRPr lang="zh-CN" altLang="en-US" dirty="0"/>
           </a:p>
         </p:txBody>
       </p:sp>
@@ -8188,6 +7907,7 @@
           <a:bodyPr wrap="square" rtlCol="0">
             <a:spAutoFit/>
           </a:bodyPr>
+          <a:lstStyle/>
           <a:p>
             <a:pPr fontAlgn="auto">
               <a:lnSpc>
@@ -8198,7 +7918,6 @@
               <a:rPr lang="zh-CN" altLang="en-US" sz="2400" b="1"/>
               <a:t>不断改进，日趋完善</a:t>
             </a:r>
-            <a:endParaRPr lang="zh-CN" altLang="en-US" sz="2400" b="1"/>
           </a:p>
           <a:p>
             <a:pPr fontAlgn="auto">
@@ -8214,7 +7933,6 @@
               <a:rPr lang="zh-CN" altLang="en-US" sz="2400" b="1"/>
               <a:t>、第一次迭代</a:t>
             </a:r>
-            <a:endParaRPr lang="zh-CN" altLang="en-US" sz="2400" b="1"/>
           </a:p>
           <a:p>
             <a:pPr fontAlgn="auto">
@@ -8226,7 +7944,6 @@
               <a:rPr lang="zh-CN" altLang="en-US" sz="2400"/>
               <a:t>问题：缺少问题与看板系统的建立；</a:t>
             </a:r>
-            <a:endParaRPr lang="zh-CN" altLang="en-US" sz="2400"/>
           </a:p>
           <a:p>
             <a:pPr fontAlgn="auto">
@@ -8238,7 +7955,6 @@
               <a:rPr lang="zh-CN" altLang="en-US" sz="2400"/>
               <a:t>解决措施：立即建立问题与看板系统，并且将其他出现的问题加入系统；</a:t>
             </a:r>
-            <a:endParaRPr lang="zh-CN" altLang="en-US" sz="2400"/>
           </a:p>
           <a:p>
             <a:pPr fontAlgn="auto">
@@ -8254,7 +7970,6 @@
               <a:rPr lang="zh-CN" altLang="en-US" sz="2400" b="1"/>
               <a:t>、第二次迭代</a:t>
             </a:r>
-            <a:endParaRPr lang="zh-CN" altLang="en-US" sz="2400" b="1"/>
           </a:p>
           <a:p>
             <a:pPr fontAlgn="auto">
@@ -8266,7 +7981,6 @@
               <a:rPr lang="zh-CN" altLang="en-US" sz="2400"/>
               <a:t>问题：问题缺少阶段性的标签；</a:t>
             </a:r>
-            <a:endParaRPr lang="zh-CN" altLang="en-US" sz="2400"/>
           </a:p>
           <a:p>
             <a:pPr fontAlgn="auto">
@@ -8278,7 +7992,6 @@
               <a:rPr lang="zh-CN" altLang="en-US" sz="2400"/>
               <a:t>解决措施：立即添加有关阶段性的标签；</a:t>
             </a:r>
-            <a:endParaRPr lang="zh-CN" altLang="en-US" sz="2400"/>
           </a:p>
           <a:p>
             <a:pPr fontAlgn="auto">
@@ -8294,7 +8007,6 @@
               <a:rPr lang="zh-CN" altLang="en-US" sz="2400" b="1"/>
               <a:t>、第三次迭代</a:t>
             </a:r>
-            <a:endParaRPr lang="zh-CN" altLang="en-US" sz="2400" b="1"/>
           </a:p>
           <a:p>
             <a:pPr fontAlgn="auto">
@@ -8306,7 +8018,6 @@
               <a:rPr lang="zh-CN" altLang="en-US" sz="2400"/>
               <a:t>问题：缺少单元测试；</a:t>
             </a:r>
-            <a:endParaRPr lang="zh-CN" altLang="en-US" sz="2400"/>
           </a:p>
           <a:p>
             <a:pPr fontAlgn="auto">
@@ -8318,7 +8029,6 @@
               <a:rPr lang="zh-CN" altLang="en-US" sz="2400"/>
               <a:t>解决措施：立即添加单元测试；</a:t>
             </a:r>
-            <a:endParaRPr lang="zh-CN" altLang="en-US" sz="2400"/>
           </a:p>
         </p:txBody>
       </p:sp>
@@ -8366,7 +8076,6 @@
               <a:rPr lang="zh-CN" altLang="en-US" dirty="0"/>
               <a:t>管理线</a:t>
             </a:r>
-            <a:endParaRPr lang="zh-CN" altLang="en-US" dirty="0"/>
           </a:p>
         </p:txBody>
       </p:sp>
@@ -8390,6 +8099,7 @@
           <a:bodyPr wrap="square" rtlCol="0">
             <a:spAutoFit/>
           </a:bodyPr>
+          <a:lstStyle/>
           <a:p>
             <a:pPr fontAlgn="auto">
               <a:lnSpc>
@@ -8400,7 +8110,6 @@
               <a:rPr lang="zh-CN" altLang="en-US" sz="2400" b="1"/>
               <a:t>从线下到线上，结合小团队的特点应用课程知识</a:t>
             </a:r>
-            <a:endParaRPr lang="zh-CN" altLang="en-US" sz="2400" b="1"/>
           </a:p>
           <a:p>
             <a:pPr fontAlgn="auto">
@@ -8416,7 +8125,6 @@
               <a:rPr lang="zh-CN" altLang="en-US" sz="2400" b="1"/>
               <a:t>、会议记录</a:t>
             </a:r>
-            <a:endParaRPr lang="zh-CN" altLang="en-US" sz="2400" b="1"/>
           </a:p>
           <a:p>
             <a:pPr fontAlgn="auto">
@@ -8428,7 +8136,6 @@
               <a:rPr lang="zh-CN" altLang="en-US" sz="2400"/>
               <a:t>通过会议记录的形式，使所有成员第一时间获得最新的会议信息；</a:t>
             </a:r>
-            <a:endParaRPr lang="zh-CN" altLang="en-US" sz="2400"/>
           </a:p>
           <a:p>
             <a:pPr fontAlgn="auto">
@@ -8444,7 +8151,6 @@
               <a:rPr lang="zh-CN" altLang="en-US" sz="2400" b="1"/>
               <a:t>、版本控制</a:t>
             </a:r>
-            <a:endParaRPr lang="zh-CN" altLang="en-US" sz="2400" b="1"/>
           </a:p>
           <a:p>
             <a:pPr fontAlgn="auto">
@@ -8464,7 +8170,6 @@
               <a:rPr lang="zh-CN" altLang="en-US" sz="2400"/>
               <a:t>的版本更新；</a:t>
             </a:r>
-            <a:endParaRPr lang="zh-CN" altLang="en-US" sz="2400"/>
           </a:p>
           <a:p>
             <a:pPr fontAlgn="auto">
@@ -8480,7 +8185,6 @@
               <a:rPr lang="zh-CN" altLang="en-US" sz="2400" b="1"/>
               <a:t>、两种模式切换</a:t>
             </a:r>
-            <a:endParaRPr lang="zh-CN" altLang="en-US" sz="2400" b="1"/>
           </a:p>
           <a:p>
             <a:pPr fontAlgn="auto">
@@ -8492,7 +8196,6 @@
               <a:rPr lang="zh-CN" altLang="en-US" sz="2400"/>
               <a:t>取其所长，那种有利于效率用那种；</a:t>
             </a:r>
-            <a:endParaRPr lang="zh-CN" altLang="en-US" sz="2400"/>
           </a:p>
         </p:txBody>
       </p:sp>
@@ -8548,7 +8251,6 @@
               <a:rPr lang="zh-CN" sz="3200" dirty="0"/>
               <a:t>未来工作</a:t>
             </a:r>
-            <a:endParaRPr lang="zh-CN" sz="3200" dirty="0"/>
           </a:p>
         </p:txBody>
       </p:sp>
@@ -8756,11 +8458,6 @@
                 </a:rPr>
                 <a:t>CONTENTS</a:t>
               </a:r>
-              <a:endParaRPr lang="en-US" altLang="zh-CN" sz="2000" b="1" dirty="0">
-                <a:solidFill>
-                  <a:schemeClr val="tx2"/>
-                </a:solidFill>
-              </a:endParaRPr>
             </a:p>
           </p:txBody>
         </p:sp>
@@ -8897,6 +8594,7 @@
             <a:lstStyle/>
             <a:p>
               <a:pPr algn="ctr"/>
+              <a:endParaRPr/>
             </a:p>
           </p:txBody>
         </p:sp>
@@ -8943,6 +8641,7 @@
             <a:lstStyle/>
             <a:p>
               <a:pPr algn="ctr"/>
+              <a:endParaRPr/>
             </a:p>
           </p:txBody>
         </p:sp>
@@ -8989,6 +8688,7 @@
             <a:lstStyle/>
             <a:p>
               <a:pPr algn="ctr"/>
+              <a:endParaRPr/>
             </a:p>
           </p:txBody>
         </p:sp>
@@ -9035,6 +8735,7 @@
             <a:lstStyle/>
             <a:p>
               <a:pPr algn="ctr"/>
+              <a:endParaRPr/>
             </a:p>
           </p:txBody>
         </p:sp>
@@ -9081,6 +8782,7 @@
             <a:lstStyle/>
             <a:p>
               <a:pPr algn="ctr"/>
+              <a:endParaRPr/>
             </a:p>
           </p:txBody>
         </p:sp>
@@ -9133,14 +8835,6 @@
                 </a:rPr>
                 <a:t>01</a:t>
               </a:r>
-              <a:endParaRPr lang="en-US" altLang="zh-CN" sz="2400" dirty="0">
-                <a:solidFill>
-                  <a:schemeClr val="accent1">
-                    <a:lumMod val="100000"/>
-                  </a:schemeClr>
-                </a:solidFill>
-                <a:latin typeface="Impact" panose="020B0806030902050204" pitchFamily="34" charset="0"/>
-              </a:endParaRPr>
             </a:p>
           </p:txBody>
         </p:sp>
@@ -9182,14 +8876,6 @@
                 </a:rPr>
                 <a:t>02</a:t>
               </a:r>
-              <a:endParaRPr lang="en-US" altLang="zh-CN" sz="2400">
-                <a:solidFill>
-                  <a:schemeClr val="accent2">
-                    <a:lumMod val="100000"/>
-                  </a:schemeClr>
-                </a:solidFill>
-                <a:latin typeface="Impact" panose="020B0806030902050204" pitchFamily="34" charset="0"/>
-              </a:endParaRPr>
             </a:p>
           </p:txBody>
         </p:sp>
@@ -9231,14 +8917,6 @@
                 </a:rPr>
                 <a:t>03</a:t>
               </a:r>
-              <a:endParaRPr lang="en-US" altLang="zh-CN" sz="2400">
-                <a:solidFill>
-                  <a:schemeClr val="accent3">
-                    <a:lumMod val="100000"/>
-                  </a:schemeClr>
-                </a:solidFill>
-                <a:latin typeface="Impact" panose="020B0806030902050204" pitchFamily="34" charset="0"/>
-              </a:endParaRPr>
             </a:p>
           </p:txBody>
         </p:sp>
@@ -9280,14 +8958,6 @@
                 </a:rPr>
                 <a:t>04</a:t>
               </a:r>
-              <a:endParaRPr lang="en-US" altLang="zh-CN" sz="2400">
-                <a:solidFill>
-                  <a:schemeClr val="accent4">
-                    <a:lumMod val="100000"/>
-                  </a:schemeClr>
-                </a:solidFill>
-                <a:latin typeface="Impact" panose="020B0806030902050204" pitchFamily="34" charset="0"/>
-              </a:endParaRPr>
             </a:p>
           </p:txBody>
         </p:sp>
@@ -9501,7 +9171,6 @@
                 <a:rPr lang="zh-CN" sz="2000" b="1" dirty="0"/>
                 <a:t>整体总结</a:t>
               </a:r>
-              <a:endParaRPr lang="zh-CN" sz="2000" b="1" dirty="0"/>
             </a:p>
           </p:txBody>
         </p:sp>
@@ -9554,7 +9223,6 @@
                 <a:rPr lang="zh-CN" altLang="en-US" sz="2000" b="1" dirty="0"/>
                 <a:t>技术线</a:t>
               </a:r>
-              <a:endParaRPr lang="zh-CN" altLang="en-US" sz="2000" b="1" dirty="0"/>
             </a:p>
           </p:txBody>
         </p:sp>
@@ -9612,7 +9280,6 @@
                 <a:rPr lang="zh-CN" altLang="en-US" sz="2000" b="1" dirty="0"/>
                 <a:t>管理线</a:t>
               </a:r>
-              <a:endParaRPr lang="zh-CN" altLang="en-US" sz="2000" b="1" dirty="0"/>
             </a:p>
           </p:txBody>
         </p:sp>
@@ -9662,7 +9329,6 @@
                 <a:rPr lang="zh-CN" sz="2000" b="1" dirty="0"/>
                 <a:t>未来工作</a:t>
               </a:r>
-              <a:endParaRPr lang="zh-CN" sz="2000" b="1" dirty="0"/>
             </a:p>
           </p:txBody>
         </p:sp>
@@ -9815,7 +9481,6 @@
               <a:rPr lang="zh-CN" altLang="en-US" dirty="0"/>
               <a:t>整体总结</a:t>
             </a:r>
-            <a:endParaRPr lang="zh-CN" altLang="en-US" dirty="0"/>
           </a:p>
         </p:txBody>
       </p:sp>
@@ -9839,6 +9504,7 @@
           <a:bodyPr wrap="square" rtlCol="0">
             <a:spAutoFit/>
           </a:bodyPr>
+          <a:lstStyle/>
           <a:p>
             <a:pPr fontAlgn="auto">
               <a:lnSpc>
@@ -9846,10 +9512,9 @@
               </a:lnSpc>
             </a:pPr>
             <a:r>
-              <a:rPr lang="zh-CN" altLang="en-US" sz="2400" b="1"/>
+              <a:rPr lang="zh-CN" altLang="en-US" sz="2400" b="1" dirty="0"/>
               <a:t>技术性工作</a:t>
             </a:r>
-            <a:endParaRPr lang="zh-CN" altLang="en-US" sz="2400" b="1"/>
           </a:p>
           <a:p>
             <a:pPr fontAlgn="auto">
@@ -9858,14 +9523,13 @@
               </a:lnSpc>
             </a:pPr>
             <a:r>
-              <a:rPr lang="en-US" altLang="zh-CN" sz="2400" b="1"/>
+              <a:rPr lang="en-US" altLang="zh-CN" sz="2400" b="1" dirty="0"/>
               <a:t>1</a:t>
             </a:r>
             <a:r>
-              <a:rPr lang="zh-CN" altLang="en-US" sz="2400" b="1"/>
+              <a:rPr lang="zh-CN" altLang="en-US" sz="2400" b="1" dirty="0"/>
               <a:t>、基本避障功能</a:t>
             </a:r>
-            <a:endParaRPr lang="zh-CN" altLang="en-US" sz="2400" b="1"/>
           </a:p>
           <a:p>
             <a:pPr fontAlgn="auto">
@@ -9874,10 +9538,9 @@
               </a:lnSpc>
             </a:pPr>
             <a:r>
-              <a:rPr lang="zh-CN" altLang="en-US" sz="2400"/>
+              <a:rPr lang="zh-CN" altLang="en-US" sz="2400" dirty="0"/>
               <a:t>实现了在路径规划后，导航行进的过程中遇障急停；</a:t>
             </a:r>
-            <a:endParaRPr lang="zh-CN" altLang="en-US" sz="2400"/>
           </a:p>
           <a:p>
             <a:pPr fontAlgn="auto">
@@ -9886,14 +9549,13 @@
               </a:lnSpc>
             </a:pPr>
             <a:r>
-              <a:rPr lang="en-US" altLang="zh-CN" sz="2400" b="1"/>
+              <a:rPr lang="en-US" altLang="zh-CN" sz="2400" b="1" dirty="0"/>
               <a:t>2</a:t>
             </a:r>
             <a:r>
-              <a:rPr lang="zh-CN" altLang="en-US" sz="2400" b="1"/>
+              <a:rPr lang="zh-CN" altLang="en-US" sz="2400" b="1" dirty="0"/>
               <a:t>、路径规划型</a:t>
             </a:r>
-            <a:endParaRPr lang="zh-CN" altLang="en-US" sz="2400" b="1"/>
           </a:p>
           <a:p>
             <a:pPr fontAlgn="auto">
@@ -9902,10 +9564,9 @@
               </a:lnSpc>
             </a:pPr>
             <a:r>
-              <a:rPr lang="zh-CN" altLang="en-US" sz="2400"/>
+              <a:rPr lang="zh-CN" altLang="en-US" sz="2400" dirty="0"/>
               <a:t>实现了在设置好的多个导航点之间巡航，且在巡航过程中可以遇障急停；</a:t>
             </a:r>
-            <a:endParaRPr lang="zh-CN" altLang="en-US" sz="2400"/>
           </a:p>
           <a:p>
             <a:pPr fontAlgn="auto">
@@ -9914,14 +9575,13 @@
               </a:lnSpc>
             </a:pPr>
             <a:r>
-              <a:rPr lang="en-US" altLang="zh-CN" sz="2400" b="1"/>
+              <a:rPr lang="en-US" altLang="zh-CN" sz="2400" b="1" dirty="0"/>
               <a:t>3</a:t>
             </a:r>
             <a:r>
-              <a:rPr lang="zh-CN" altLang="en-US" sz="2400" b="1"/>
-              <a:t>、目标检测机抓取型</a:t>
-            </a:r>
-            <a:endParaRPr lang="zh-CN" altLang="en-US" sz="2400" b="1"/>
+              <a:rPr lang="zh-CN" altLang="en-US" sz="2400" b="1" dirty="0"/>
+              <a:t>、目标检测及抓取型</a:t>
+            </a:r>
           </a:p>
           <a:p>
             <a:pPr fontAlgn="auto">
@@ -9930,10 +9590,9 @@
               </a:lnSpc>
             </a:pPr>
             <a:r>
-              <a:rPr lang="zh-CN" altLang="en-US" sz="2400"/>
+              <a:rPr lang="zh-CN" altLang="en-US" sz="2400" dirty="0"/>
               <a:t>实现了可以在用户发出指令后，抓取指定物体；</a:t>
             </a:r>
-            <a:endParaRPr lang="zh-CN" altLang="en-US" sz="2400"/>
           </a:p>
         </p:txBody>
       </p:sp>
@@ -9981,7 +9640,6 @@
               <a:rPr lang="zh-CN" altLang="en-US" dirty="0"/>
               <a:t>整体总结</a:t>
             </a:r>
-            <a:endParaRPr lang="zh-CN" altLang="en-US" dirty="0"/>
           </a:p>
         </p:txBody>
       </p:sp>
@@ -10005,6 +9663,7 @@
           <a:bodyPr wrap="square" rtlCol="0">
             <a:spAutoFit/>
           </a:bodyPr>
+          <a:lstStyle/>
           <a:p>
             <a:pPr fontAlgn="auto">
               <a:lnSpc>
@@ -10015,7 +9674,6 @@
               <a:rPr lang="zh-CN" altLang="en-US" sz="2400" b="1"/>
               <a:t>管理型工作</a:t>
             </a:r>
-            <a:endParaRPr lang="zh-CN" altLang="en-US" sz="2400" b="1"/>
           </a:p>
           <a:p>
             <a:pPr fontAlgn="auto">
@@ -10031,7 +9689,6 @@
               <a:rPr lang="zh-CN" altLang="en-US" sz="2400"/>
               <a:t>、较好地完成各类文档的撰写；</a:t>
             </a:r>
-            <a:endParaRPr lang="zh-CN" altLang="en-US" sz="2400"/>
           </a:p>
           <a:p>
             <a:pPr fontAlgn="auto">
@@ -10047,7 +9704,6 @@
               <a:rPr lang="zh-CN" altLang="en-US" sz="2400"/>
               <a:t>、较好地完成了每次迭代的推进与问题查改；</a:t>
             </a:r>
-            <a:endParaRPr lang="zh-CN" altLang="en-US" sz="2400"/>
           </a:p>
           <a:p>
             <a:pPr fontAlgn="auto">
@@ -10071,7 +9727,6 @@
               <a:rPr lang="zh-CN" altLang="en-US" sz="2400"/>
               <a:t>平台的问题系统；</a:t>
             </a:r>
-            <a:endParaRPr lang="zh-CN" altLang="en-US" sz="2400"/>
           </a:p>
           <a:p>
             <a:pPr fontAlgn="auto">
@@ -10095,7 +9750,6 @@
               <a:rPr lang="zh-CN" altLang="en-US" sz="2400"/>
               <a:t>平台的看板系统；</a:t>
             </a:r>
-            <a:endParaRPr lang="zh-CN" altLang="en-US" sz="2400"/>
           </a:p>
           <a:p>
             <a:pPr fontAlgn="auto">
@@ -10174,7 +9828,6 @@
               <a:rPr lang="zh-CN" altLang="en-US" sz="2000" dirty="0"/>
               <a:t>技术线</a:t>
             </a:r>
-            <a:endParaRPr lang="zh-CN" altLang="en-US" sz="2000" dirty="0"/>
           </a:p>
         </p:txBody>
       </p:sp>
@@ -10270,7 +9923,6 @@
               <a:rPr lang="zh-CN" altLang="en-US" dirty="0"/>
               <a:t>技术线</a:t>
             </a:r>
-            <a:endParaRPr lang="zh-CN" altLang="en-US" dirty="0"/>
           </a:p>
         </p:txBody>
       </p:sp>
@@ -10342,6 +9994,7 @@
             <a:lstStyle/>
             <a:p>
               <a:pPr algn="ctr"/>
+              <a:endParaRPr/>
             </a:p>
           </p:txBody>
         </p:sp>
@@ -10456,6 +10109,7 @@
             <a:lstStyle/>
             <a:p>
               <a:pPr algn="ctr"/>
+              <a:endParaRPr/>
             </a:p>
           </p:txBody>
         </p:sp>
@@ -10570,6 +10224,7 @@
             <a:lstStyle/>
             <a:p>
               <a:pPr algn="ctr"/>
+              <a:endParaRPr/>
             </a:p>
           </p:txBody>
         </p:sp>
@@ -10669,7 +10324,6 @@
               <a:rPr lang="zh-CN" altLang="en-US" dirty="0"/>
               <a:t>技术线</a:t>
             </a:r>
-            <a:endParaRPr lang="zh-CN" altLang="en-US" dirty="0"/>
           </a:p>
         </p:txBody>
       </p:sp>
@@ -10730,14 +10384,18 @@
                   </a:outerShdw>
                 </a:effectLst>
               </a:rPr>
-              <a:t>、</a:t>
-            </a:r>
-            <a:r>
-              <a:rPr lang="zh-CN" altLang="en-US" sz="2400" b="0" cap="none" spc="0" dirty="0">
+              <a:t>、优化、调整现有功能</a:t>
+            </a:r>
+          </a:p>
+          <a:p>
+            <a:pPr algn="l" fontAlgn="auto">
+              <a:lnSpc>
+                <a:spcPct val="150000"/>
+              </a:lnSpc>
+            </a:pPr>
+            <a:r>
+              <a:rPr lang="zh-CN" altLang="en-US" sz="2400" dirty="0">
                 <a:ln w="0"/>
-                <a:solidFill>
-                  <a:schemeClr val="tx1"/>
-                </a:solidFill>
                 <a:effectLst>
                   <a:outerShdw blurRad="38100" dist="19050" dir="2700000" algn="tl" rotWithShape="0">
                     <a:schemeClr val="dk1">
@@ -10745,8 +10403,44 @@
                     </a:schemeClr>
                   </a:outerShdw>
                 </a:effectLst>
+                <a:sym typeface="+mn-ea"/>
               </a:rPr>
-              <a:t>优化、调整现有功能</a:t>
+              <a:t>调整了抓取函数中的参数，提高抓取成功率；</a:t>
+            </a:r>
+          </a:p>
+          <a:p>
+            <a:pPr algn="l" fontAlgn="auto">
+              <a:lnSpc>
+                <a:spcPct val="150000"/>
+              </a:lnSpc>
+            </a:pPr>
+            <a:r>
+              <a:rPr lang="en-US" altLang="zh-CN" sz="2400" dirty="0">
+                <a:ln w="0"/>
+                <a:effectLst>
+                  <a:outerShdw blurRad="38100" dist="19050" dir="2700000" algn="tl" rotWithShape="0">
+                    <a:schemeClr val="dk1">
+                      <a:alpha val="40000"/>
+                    </a:schemeClr>
+                  </a:outerShdw>
+                </a:effectLst>
+                <a:sym typeface="+mn-ea"/>
+              </a:rPr>
+              <a:t>2</a:t>
+            </a:r>
+            <a:r>
+              <a:rPr lang="zh-CN" altLang="en-US" sz="2400" dirty="0">
+                <a:ln w="0"/>
+                <a:effectLst>
+                  <a:outerShdw blurRad="38100" dist="19050" dir="2700000" algn="tl" rotWithShape="0">
+                    <a:schemeClr val="dk1">
+                      <a:alpha val="40000"/>
+                    </a:schemeClr>
+                  </a:outerShdw>
+                </a:effectLst>
+                <a:sym typeface="+mn-ea"/>
+              </a:rPr>
+              <a:t>、基于例程，重新设计、组合已有功能</a:t>
             </a:r>
             <a:endParaRPr lang="zh-CN" altLang="en-US" sz="2400" b="0" cap="none" spc="0" dirty="0">
               <a:ln w="0"/>
@@ -10780,99 +10474,8 @@
                 </a:effectLst>
                 <a:sym typeface="+mn-ea"/>
               </a:rPr>
-              <a:t>调整了抓取函数中的参数，提高抓取成功率；</a:t>
-            </a:r>
-            <a:endParaRPr lang="zh-CN" altLang="en-US" sz="2400" dirty="0">
-              <a:ln w="0"/>
-              <a:effectLst>
-                <a:outerShdw blurRad="38100" dist="19050" dir="2700000" algn="tl" rotWithShape="0">
-                  <a:schemeClr val="dk1">
-                    <a:alpha val="40000"/>
-                  </a:schemeClr>
-                </a:outerShdw>
-              </a:effectLst>
-              <a:sym typeface="+mn-ea"/>
-            </a:endParaRPr>
-          </a:p>
-          <a:p>
-            <a:pPr algn="l" fontAlgn="auto">
-              <a:lnSpc>
-                <a:spcPct val="150000"/>
-              </a:lnSpc>
-            </a:pPr>
-            <a:r>
-              <a:rPr lang="en-US" altLang="zh-CN" sz="2400" dirty="0">
-                <a:ln w="0"/>
-                <a:effectLst>
-                  <a:outerShdw blurRad="38100" dist="19050" dir="2700000" algn="tl" rotWithShape="0">
-                    <a:schemeClr val="dk1">
-                      <a:alpha val="40000"/>
-                    </a:schemeClr>
-                  </a:outerShdw>
-                </a:effectLst>
-                <a:sym typeface="+mn-ea"/>
-              </a:rPr>
-              <a:t>2</a:t>
-            </a:r>
-            <a:r>
-              <a:rPr lang="zh-CN" altLang="en-US" sz="2400" dirty="0">
-                <a:ln w="0"/>
-                <a:effectLst>
-                  <a:outerShdw blurRad="38100" dist="19050" dir="2700000" algn="tl" rotWithShape="0">
-                    <a:schemeClr val="dk1">
-                      <a:alpha val="40000"/>
-                    </a:schemeClr>
-                  </a:outerShdw>
-                </a:effectLst>
-                <a:sym typeface="+mn-ea"/>
-              </a:rPr>
-              <a:t>、基于例程，重新设计、组合已有功能</a:t>
-            </a:r>
-            <a:endParaRPr lang="zh-CN" altLang="en-US" sz="2400" b="0" cap="none" spc="0" dirty="0">
-              <a:ln w="0"/>
-              <a:solidFill>
-                <a:schemeClr val="tx1"/>
-              </a:solidFill>
-              <a:effectLst>
-                <a:outerShdw blurRad="38100" dist="19050" dir="2700000" algn="tl" rotWithShape="0">
-                  <a:schemeClr val="dk1">
-                    <a:alpha val="40000"/>
-                  </a:schemeClr>
-                </a:outerShdw>
-              </a:effectLst>
-            </a:endParaRPr>
-          </a:p>
-          <a:p>
-            <a:pPr algn="l" fontAlgn="auto">
-              <a:lnSpc>
-                <a:spcPct val="150000"/>
-              </a:lnSpc>
-            </a:pPr>
-            <a:r>
-              <a:rPr lang="zh-CN" altLang="en-US" sz="2400" dirty="0">
-                <a:ln w="0"/>
-                <a:effectLst>
-                  <a:outerShdw blurRad="38100" dist="19050" dir="2700000" algn="tl" rotWithShape="0">
-                    <a:schemeClr val="dk1">
-                      <a:alpha val="40000"/>
-                    </a:schemeClr>
-                  </a:outerShdw>
-                </a:effectLst>
-                <a:sym typeface="+mn-ea"/>
-              </a:rPr>
               <a:t>任务脚本系统；</a:t>
             </a:r>
-            <a:endParaRPr lang="zh-CN" altLang="en-US" sz="2400" dirty="0">
-              <a:ln w="0"/>
-              <a:effectLst>
-                <a:outerShdw blurRad="38100" dist="19050" dir="2700000" algn="tl" rotWithShape="0">
-                  <a:schemeClr val="dk1">
-                    <a:alpha val="40000"/>
-                  </a:schemeClr>
-                </a:outerShdw>
-              </a:effectLst>
-              <a:sym typeface="+mn-ea"/>
-            </a:endParaRPr>
           </a:p>
           <a:p>
             <a:pPr algn="l" fontAlgn="auto">
@@ -10894,17 +10497,6 @@
               </a:rPr>
               <a:t>跟随模式，实时建图与导航；</a:t>
             </a:r>
-            <a:endParaRPr lang="zh-CN" altLang="en-US" sz="2400" dirty="0">
-              <a:ln w="0"/>
-              <a:effectLst>
-                <a:outerShdw blurRad="38100" dist="19050" dir="2700000" algn="tl" rotWithShape="0">
-                  <a:schemeClr val="dk1">
-                    <a:alpha val="40000"/>
-                  </a:schemeClr>
-                </a:outerShdw>
-              </a:effectLst>
-              <a:sym typeface="+mn-ea"/>
-            </a:endParaRPr>
           </a:p>
           <a:p>
             <a:pPr algn="l" fontAlgn="auto">
@@ -11048,7 +10640,6 @@
               <a:rPr lang="zh-CN" altLang="en-US" dirty="0"/>
               <a:t>技术线</a:t>
             </a:r>
-            <a:endParaRPr lang="zh-CN" altLang="en-US" dirty="0"/>
           </a:p>
         </p:txBody>
       </p:sp>
@@ -11095,6 +10686,61 @@
               </a:rPr>
               <a:t>在已有功能基础上，添加新功能</a:t>
             </a:r>
+          </a:p>
+          <a:p>
+            <a:pPr algn="l" fontAlgn="auto">
+              <a:lnSpc>
+                <a:spcPct val="150000"/>
+              </a:lnSpc>
+            </a:pPr>
+            <a:r>
+              <a:rPr lang="zh-CN" altLang="en-US" sz="2400" dirty="0">
+                <a:ln w="0"/>
+                <a:effectLst>
+                  <a:outerShdw blurRad="38100" dist="19050" dir="2700000" algn="tl" rotWithShape="0">
+                    <a:schemeClr val="dk1">
+                      <a:alpha val="40000"/>
+                    </a:schemeClr>
+                  </a:outerShdw>
+                </a:effectLst>
+                <a:sym typeface="+mn-ea"/>
+              </a:rPr>
+              <a:t>使用安卓应用作为交互界面</a:t>
+            </a:r>
+            <a:endParaRPr lang="en-US" altLang="zh-CN" sz="2400" b="0" cap="none" spc="0" dirty="0">
+              <a:ln w="0"/>
+              <a:solidFill>
+                <a:schemeClr val="tx1"/>
+              </a:solidFill>
+              <a:effectLst>
+                <a:outerShdw blurRad="38100" dist="19050" dir="2700000" algn="tl" rotWithShape="0">
+                  <a:schemeClr val="dk1">
+                    <a:alpha val="40000"/>
+                  </a:schemeClr>
+                </a:outerShdw>
+              </a:effectLst>
+            </a:endParaRPr>
+          </a:p>
+          <a:p>
+            <a:pPr algn="l" fontAlgn="auto">
+              <a:lnSpc>
+                <a:spcPct val="150000"/>
+              </a:lnSpc>
+            </a:pPr>
+            <a:r>
+              <a:rPr lang="zh-CN" altLang="en-US" sz="2400" dirty="0">
+                <a:ln w="0"/>
+                <a:effectLst>
+                  <a:outerShdw blurRad="38100" dist="19050" dir="2700000" algn="tl" rotWithShape="0">
+                    <a:schemeClr val="dk1">
+                      <a:alpha val="40000"/>
+                    </a:schemeClr>
+                  </a:outerShdw>
+                </a:effectLst>
+                <a:sym typeface="+mn-ea"/>
+              </a:rPr>
+              <a:t>实现运动控制模块</a:t>
+            </a:r>
             <a:endParaRPr lang="zh-CN" altLang="en-US" sz="2400" b="0" cap="none" spc="0" dirty="0">
               <a:ln w="0"/>
               <a:solidFill>
@@ -11109,74 +10755,6 @@
               </a:effectLst>
             </a:endParaRPr>
           </a:p>
-          <a:p>
-            <a:pPr algn="l" fontAlgn="auto">
-              <a:lnSpc>
-                <a:spcPct val="150000"/>
-              </a:lnSpc>
-            </a:pPr>
-            <a:r>
-              <a:rPr lang="zh-CN" altLang="en-US" sz="2400" dirty="0">
-                <a:ln w="0"/>
-                <a:effectLst>
-                  <a:outerShdw blurRad="38100" dist="19050" dir="2700000" algn="tl" rotWithShape="0">
-                    <a:schemeClr val="dk1">
-                      <a:alpha val="40000"/>
-                    </a:schemeClr>
-                  </a:outerShdw>
-                </a:effectLst>
-                <a:sym typeface="+mn-ea"/>
-              </a:rPr>
-              <a:t>使用安卓应用作为交互界面</a:t>
-            </a:r>
-            <a:endParaRPr lang="en-US" altLang="zh-CN" sz="2400" b="0" cap="none" spc="0" dirty="0">
-              <a:ln w="0"/>
-              <a:solidFill>
-                <a:schemeClr val="tx1"/>
-              </a:solidFill>
-              <a:effectLst>
-                <a:outerShdw blurRad="38100" dist="19050" dir="2700000" algn="tl" rotWithShape="0">
-                  <a:schemeClr val="dk1">
-                    <a:alpha val="40000"/>
-                  </a:schemeClr>
-                </a:outerShdw>
-              </a:effectLst>
-            </a:endParaRPr>
-          </a:p>
-          <a:p>
-            <a:pPr algn="l" fontAlgn="auto">
-              <a:lnSpc>
-                <a:spcPct val="150000"/>
-              </a:lnSpc>
-            </a:pPr>
-            <a:r>
-              <a:rPr lang="zh-CN" altLang="en-US" sz="2400" dirty="0">
-                <a:ln w="0"/>
-                <a:effectLst>
-                  <a:outerShdw blurRad="38100" dist="19050" dir="2700000" algn="tl" rotWithShape="0">
-                    <a:schemeClr val="dk1">
-                      <a:alpha val="40000"/>
-                    </a:schemeClr>
-                  </a:outerShdw>
-                </a:effectLst>
-                <a:sym typeface="+mn-ea"/>
-              </a:rPr>
-              <a:t>实现运动控制模块</a:t>
-            </a:r>
-            <a:endParaRPr lang="zh-CN" altLang="en-US" sz="2400" b="0" cap="none" spc="0" dirty="0">
-              <a:ln w="0"/>
-              <a:solidFill>
-                <a:schemeClr val="tx1"/>
-              </a:solidFill>
-              <a:effectLst>
-                <a:outerShdw blurRad="38100" dist="19050" dir="2700000" algn="tl" rotWithShape="0">
-                  <a:schemeClr val="dk1">
-                    <a:alpha val="40000"/>
-                  </a:schemeClr>
-                </a:outerShdw>
-              </a:effectLst>
-            </a:endParaRPr>
-          </a:p>
         </p:txBody>
       </p:sp>
       <p:pic>
@@ -11188,7 +10766,7 @@
           <p:nvPr/>
         </p:nvPicPr>
         <p:blipFill rotWithShape="1">
-          <a:blip r:embed="rId1">
+          <a:blip r:embed="rId2">
             <a:extLst>
               <a:ext uri="{28A0092B-C50C-407E-A947-70E740481C1C}">
                 <a14:useLocalDpi xmlns:a14="http://schemas.microsoft.com/office/drawing/2010/main" val="0"/>
@@ -11219,7 +10797,7 @@
           <p:nvPr/>
         </p:nvPicPr>
         <p:blipFill>
-          <a:blip r:embed="rId2" cstate="print">
+          <a:blip r:embed="rId3" cstate="print">
             <a:extLst>
               <a:ext uri="{28A0092B-C50C-407E-A947-70E740481C1C}">
                 <a14:useLocalDpi xmlns:a14="http://schemas.microsoft.com/office/drawing/2010/main" val="0"/>
@@ -11380,7 +10958,6 @@
               <a:rPr lang="zh-CN" altLang="en-US" dirty="0"/>
               <a:t>定点巡逻</a:t>
             </a:r>
-            <a:endParaRPr lang="zh-CN" altLang="en-US" dirty="0"/>
           </a:p>
         </p:txBody>
       </p:sp>
@@ -11432,7 +11009,6 @@
               <a:rPr lang="zh-CN" altLang="en-US" dirty="0"/>
               <a:t>抓取物体</a:t>
             </a:r>
-            <a:endParaRPr lang="zh-CN" altLang="en-US" dirty="0"/>
           </a:p>
         </p:txBody>
       </p:sp>
@@ -11484,7 +11060,6 @@
               <a:rPr lang="zh-CN" altLang="en-US" dirty="0"/>
               <a:t>建图及保存</a:t>
             </a:r>
-            <a:endParaRPr lang="zh-CN" altLang="en-US" dirty="0"/>
           </a:p>
         </p:txBody>
       </p:sp>
@@ -11600,7 +11175,6 @@
               <a:rPr lang="zh-CN" altLang="en-US" dirty="0"/>
               <a:t>跟随模式</a:t>
             </a:r>
-            <a:endParaRPr lang="zh-CN" altLang="en-US" dirty="0"/>
           </a:p>
         </p:txBody>
       </p:sp>
@@ -11711,16 +11285,16 @@
 </file>
 
 <file path=ppt/tags/tag1.xml><?xml version="1.0" encoding="utf-8"?>
-<p:tagLst xmlns:p="http://schemas.openxmlformats.org/presentationml/2006/main">
-  <p:tag name="ISLIDE.DIAGRAM" val="f48ef244-3850-4800-9882-63d3c6849d33"/>
+<p:tagLst xmlns:a="http://schemas.openxmlformats.org/drawingml/2006/main" xmlns:r="http://schemas.openxmlformats.org/officeDocument/2006/relationships" xmlns:p="http://schemas.openxmlformats.org/presentationml/2006/main">
+  <p:tag name="ISLIDE TOOLS.GUIDESSETTING" val="{&quot;Id&quot;:&quot;2d4375ee-8516-45e0-8956-45702a61a9b6&quot;,&quot;Name&quot;:&quot;iSlide&quot;,&quot;HeaderHeight&quot;:15.0,&quot;FooterHeight&quot;:9.0000000000000036,&quot;SideMargin&quot;:5.4999999999999982,&quot;TopMargin&quot;:0.0,&quot;BottomMargin&quot;:0.0,&quot;IntervalMargin&quot;:1.3999999999999997}"/>
+  <p:tag name="ISLIDE.GUIDESSETTING" val="{&quot;Id&quot;:&quot;GuidesStyle_Normal&quot;,&quot;Name&quot;:&quot;正常&quot;,&quot;HeaderHeight&quot;:15.0,&quot;FooterHeight&quot;:9.0,&quot;SideMargin&quot;:5.5,&quot;TopMargin&quot;:0.0,&quot;BottomMargin&quot;:0.0,&quot;IntervalMargin&quot;:1.5}"/>
+  <p:tag name="ISLIDE.THEME" val="439031c0-57b2-43ea-9fab-3192a86c5924"/>
 </p:tagLst>
 </file>
 
 <file path=ppt/tags/tag2.xml><?xml version="1.0" encoding="utf-8"?>
-<p:tagLst xmlns:p="http://schemas.openxmlformats.org/presentationml/2006/main">
-  <p:tag name="ISLIDE TOOLS.GUIDESSETTING" val="{&quot;Id&quot;:&quot;2d4375ee-8516-45e0-8956-45702a61a9b6&quot;,&quot;Name&quot;:&quot;iSlide&quot;,&quot;HeaderHeight&quot;:15.0,&quot;FooterHeight&quot;:9.0000000000000036,&quot;SideMargin&quot;:5.4999999999999982,&quot;TopMargin&quot;:0.0,&quot;BottomMargin&quot;:0.0,&quot;IntervalMargin&quot;:1.3999999999999997}"/>
-  <p:tag name="ISLIDE.GUIDESSETTING" val="{&quot;Id&quot;:&quot;GuidesStyle_Normal&quot;,&quot;Name&quot;:&quot;正常&quot;,&quot;HeaderHeight&quot;:15.0,&quot;FooterHeight&quot;:9.0,&quot;SideMargin&quot;:5.5,&quot;TopMargin&quot;:0.0,&quot;BottomMargin&quot;:0.0,&quot;IntervalMargin&quot;:1.5}"/>
-  <p:tag name="ISLIDE.THEME" val="439031c0-57b2-43ea-9fab-3192a86c5924"/>
+<p:tagLst xmlns:a="http://schemas.openxmlformats.org/drawingml/2006/main" xmlns:r="http://schemas.openxmlformats.org/officeDocument/2006/relationships" xmlns:p="http://schemas.openxmlformats.org/presentationml/2006/main">
+  <p:tag name="ISLIDE.DIAGRAM" val="f48ef244-3850-4800-9882-63d3c6849d33"/>
 </p:tagLst>
 </file>
 
@@ -11915,6 +11489,8 @@
       </a:bgFillStyleLst>
     </a:fmtScheme>
   </a:themeElements>
+  <a:objectDefaults/>
+  <a:extraClrSchemeLst/>
   <a:extLst>
     <a:ext uri="{05A4C25C-085E-4340-85A3-A5531E510DB2}">
       <thm15:themeFamily xmlns:thm15="http://schemas.microsoft.com/office/thememl/2012/main" name="Office Theme" id="{62F939B6-93AF-4DB8-9C6B-D6C7DFDC589F}" vid="{4A3C46E8-61CC-4603-A589-7422A47A8E4A}"/>
@@ -12174,6 +11750,8 @@
       </a:bgFillStyleLst>
     </a:fmtScheme>
   </a:themeElements>
+  <a:objectDefaults/>
+  <a:extraClrSchemeLst/>
   <a:extLst>
     <a:ext uri="{05A4C25C-085E-4340-85A3-A5531E510DB2}">
       <thm15:themeFamily xmlns:thm15="http://schemas.microsoft.com/office/thememl/2012/main" name="Office Theme" id="{62F939B6-93AF-4DB8-9C6B-D6C7DFDC589F}" vid="{4A3C46E8-61CC-4603-A589-7422A47A8E4A}"/>

--- a/申优答辩工作/申优答辩/Team108-申优答辩.pptx
+++ b/申优答辩工作/申优答辩/Team108-申优答辩.pptx
@@ -5,32 +5,33 @@
     <p:sldMasterId id="2147483648" r:id="rId1"/>
   </p:sldMasterIdLst>
   <p:notesMasterIdLst>
-    <p:notesMasterId r:id="rId20"/>
+    <p:notesMasterId r:id="rId22"/>
   </p:notesMasterIdLst>
   <p:sldIdLst>
-    <p:sldId id="1729" r:id="rId2"/>
-    <p:sldId id="275" r:id="rId3"/>
-    <p:sldId id="258" r:id="rId4"/>
-    <p:sldId id="1765" r:id="rId5"/>
-    <p:sldId id="1766" r:id="rId6"/>
-    <p:sldId id="1840" r:id="rId7"/>
-    <p:sldId id="1841" r:id="rId8"/>
-    <p:sldId id="1842" r:id="rId9"/>
-    <p:sldId id="1844" r:id="rId10"/>
-    <p:sldId id="1845" r:id="rId11"/>
-    <p:sldId id="1846" r:id="rId12"/>
-    <p:sldId id="1847" r:id="rId13"/>
-    <p:sldId id="1767" r:id="rId14"/>
-    <p:sldId id="1768" r:id="rId15"/>
-    <p:sldId id="1769" r:id="rId16"/>
-    <p:sldId id="1803" r:id="rId17"/>
-    <p:sldId id="1837" r:id="rId18"/>
-    <p:sldId id="1839" r:id="rId19"/>
+    <p:sldId id="1729" r:id="rId3"/>
+    <p:sldId id="275" r:id="rId4"/>
+    <p:sldId id="258" r:id="rId5"/>
+    <p:sldId id="1765" r:id="rId6"/>
+    <p:sldId id="1766" r:id="rId7"/>
+    <p:sldId id="1840" r:id="rId8"/>
+    <p:sldId id="1841" r:id="rId9"/>
+    <p:sldId id="1842" r:id="rId10"/>
+    <p:sldId id="1844" r:id="rId11"/>
+    <p:sldId id="1845" r:id="rId12"/>
+    <p:sldId id="1846" r:id="rId13"/>
+    <p:sldId id="1847" r:id="rId14"/>
+    <p:sldId id="1767" r:id="rId15"/>
+    <p:sldId id="1768" r:id="rId16"/>
+    <p:sldId id="1769" r:id="rId17"/>
+    <p:sldId id="1803" r:id="rId18"/>
+    <p:sldId id="1854" r:id="rId19"/>
+    <p:sldId id="1837" r:id="rId20"/>
+    <p:sldId id="1839" r:id="rId21"/>
   </p:sldIdLst>
   <p:sldSz cx="12192000" cy="6858000"/>
   <p:notesSz cx="6858000" cy="9144000"/>
   <p:custDataLst>
-    <p:tags r:id="rId21"/>
+    <p:tags r:id="rId26"/>
   </p:custDataLst>
   <p:defaultTextStyle>
     <a:defPPr>
@@ -127,11 +128,6 @@
       </a:defRPr>
     </a:lvl9pPr>
   </p:defaultTextStyle>
-  <p:extLst>
-    <p:ext uri="{EFAFB233-063F-42B5-8137-9DF3F51BA10A}">
-      <p15:sldGuideLst xmlns:p15="http://schemas.microsoft.com/office/powerpoint/2012/main"/>
-    </p:ext>
-  </p:extLst>
 </p:presentation>
 </file>
 
@@ -217,7 +213,6 @@
           <a:p>
             <a:fld id="{E86D8963-CFCD-4740-AF60-049850373CDF}" type="datetimeFigureOut">
               <a:rPr lang="zh-CN" altLang="en-US" smtClean="0"/>
-              <a:t>2019-06-10</a:t>
             </a:fld>
             <a:endParaRPr lang="zh-CN" altLang="en-US"/>
           </a:p>
@@ -284,6 +279,7 @@
               <a:rPr lang="zh-CN" altLang="en-US"/>
               <a:t>单击此处编辑母版文本样式</a:t>
             </a:r>
+            <a:endParaRPr lang="zh-CN" altLang="en-US"/>
           </a:p>
           <a:p>
             <a:pPr lvl="1"/>
@@ -291,6 +287,7 @@
               <a:rPr lang="zh-CN" altLang="en-US"/>
               <a:t>第二级</a:t>
             </a:r>
+            <a:endParaRPr lang="zh-CN" altLang="en-US"/>
           </a:p>
           <a:p>
             <a:pPr lvl="2"/>
@@ -298,6 +295,7 @@
               <a:rPr lang="zh-CN" altLang="en-US"/>
               <a:t>第三级</a:t>
             </a:r>
+            <a:endParaRPr lang="zh-CN" altLang="en-US"/>
           </a:p>
           <a:p>
             <a:pPr lvl="3"/>
@@ -305,6 +303,7 @@
               <a:rPr lang="zh-CN" altLang="en-US"/>
               <a:t>第四级</a:t>
             </a:r>
+            <a:endParaRPr lang="zh-CN" altLang="en-US"/>
           </a:p>
           <a:p>
             <a:pPr lvl="4"/>
@@ -312,6 +311,7 @@
               <a:rPr lang="zh-CN" altLang="en-US"/>
               <a:t>第五级</a:t>
             </a:r>
+            <a:endParaRPr lang="zh-CN" altLang="en-US"/>
           </a:p>
         </p:txBody>
       </p:sp>
@@ -375,7 +375,6 @@
           <a:p>
             <a:fld id="{E9E6FDB6-6D2B-46C1-9FA1-D82906A37C3A}" type="slidenum">
               <a:rPr lang="zh-CN" altLang="en-US" smtClean="0"/>
-              <a:t>‹#›</a:t>
             </a:fld>
             <a:endParaRPr lang="zh-CN" altLang="en-US"/>
           </a:p>
@@ -480,7 +479,7 @@
 </file>
 
 <file path=ppt/slideLayouts/slideLayout1.xml><?xml version="1.0" encoding="utf-8"?>
-<p:sldLayout xmlns:a="http://schemas.openxmlformats.org/drawingml/2006/main" xmlns:r="http://schemas.openxmlformats.org/officeDocument/2006/relationships" xmlns:p="http://schemas.openxmlformats.org/presentationml/2006/main" showMasterSp="0" preserve="1" userDrawn="1">
+<p:sldLayout xmlns:a="http://schemas.openxmlformats.org/drawingml/2006/main" xmlns:r="http://schemas.openxmlformats.org/officeDocument/2006/relationships" xmlns:p="http://schemas.openxmlformats.org/presentationml/2006/main" preserve="1" showMasterSp="0" userDrawn="1">
   <p:cSld name="标题幻灯片">
     <p:spTree>
       <p:nvGrpSpPr>
@@ -657,6 +656,7 @@
               <a:rPr lang="en-US" altLang="zh-CN" dirty="0"/>
               <a:t>Signature</a:t>
             </a:r>
+            <a:endParaRPr lang="en-US" altLang="zh-CN" dirty="0"/>
           </a:p>
         </p:txBody>
       </p:sp>
@@ -1419,7 +1419,7 @@
 </file>
 
 <file path=ppt/slideLayouts/slideLayout2.xml><?xml version="1.0" encoding="utf-8"?>
-<p:sldLayout xmlns:a="http://schemas.openxmlformats.org/drawingml/2006/main" xmlns:r="http://schemas.openxmlformats.org/officeDocument/2006/relationships" xmlns:p="http://schemas.openxmlformats.org/presentationml/2006/main" showMasterSp="0" preserve="1" userDrawn="1">
+<p:sldLayout xmlns:a="http://schemas.openxmlformats.org/drawingml/2006/main" xmlns:r="http://schemas.openxmlformats.org/officeDocument/2006/relationships" xmlns:p="http://schemas.openxmlformats.org/presentationml/2006/main" preserve="1" showMasterSp="0" userDrawn="1">
   <p:cSld name="节标题">
     <p:spTree>
       <p:nvGrpSpPr>
@@ -1589,6 +1589,7 @@
               <a:rPr lang="en-US" altLang="zh-CN" dirty="0"/>
               <a:t>Edit Master text styles</a:t>
             </a:r>
+            <a:endParaRPr lang="en-US" altLang="zh-CN" dirty="0"/>
           </a:p>
         </p:txBody>
       </p:sp>
@@ -2010,6 +2011,7 @@
               <a:rPr lang="en-US" altLang="zh-CN" dirty="0"/>
               <a:t>Edit Master text styles</a:t>
             </a:r>
+            <a:endParaRPr lang="en-US" altLang="zh-CN" dirty="0"/>
           </a:p>
           <a:p>
             <a:pPr lvl="1"/>
@@ -2017,6 +2019,7 @@
               <a:rPr lang="en-US" altLang="zh-CN" dirty="0"/>
               <a:t>Second level</a:t>
             </a:r>
+            <a:endParaRPr lang="en-US" altLang="zh-CN" dirty="0"/>
           </a:p>
           <a:p>
             <a:pPr lvl="2"/>
@@ -2024,6 +2027,7 @@
               <a:rPr lang="en-US" altLang="zh-CN" dirty="0"/>
               <a:t>Third level</a:t>
             </a:r>
+            <a:endParaRPr lang="en-US" altLang="zh-CN" dirty="0"/>
           </a:p>
           <a:p>
             <a:pPr lvl="3"/>
@@ -2031,6 +2035,7 @@
               <a:rPr lang="en-US" altLang="zh-CN" dirty="0"/>
               <a:t>Fourth level</a:t>
             </a:r>
+            <a:endParaRPr lang="en-US" altLang="zh-CN" dirty="0"/>
           </a:p>
           <a:p>
             <a:pPr lvl="4"/>
@@ -2059,7 +2064,6 @@
           <a:p>
             <a:fld id="{6489D9C7-5DC6-4263-87FF-7C99F6FB63C3}" type="datetime1">
               <a:rPr lang="zh-CN" altLang="en-US" smtClean="0"/>
-              <a:t>2019-06-10</a:t>
             </a:fld>
             <a:endParaRPr lang="zh-CN" altLang="en-US"/>
           </a:p>
@@ -2105,7 +2109,6 @@
           <a:p>
             <a:fld id="{5DD3DB80-B894-403A-B48E-6FDC1A72010E}" type="slidenum">
               <a:rPr lang="zh-CN" altLang="en-US" smtClean="0"/>
-              <a:t>‹#›</a:t>
             </a:fld>
             <a:endParaRPr lang="zh-CN" altLang="en-US"/>
           </a:p>
@@ -2180,7 +2183,6 @@
           <a:p>
             <a:fld id="{6489D9C7-5DC6-4263-87FF-7C99F6FB63C3}" type="datetime1">
               <a:rPr lang="zh-CN" altLang="en-US" smtClean="0"/>
-              <a:t>2019-06-10</a:t>
             </a:fld>
             <a:endParaRPr lang="zh-CN" altLang="en-US"/>
           </a:p>
@@ -2226,7 +2228,6 @@
           <a:p>
             <a:fld id="{5DD3DB80-B894-403A-B48E-6FDC1A72010E}" type="slidenum">
               <a:rPr lang="zh-CN" altLang="en-US" smtClean="0"/>
-              <a:t>‹#›</a:t>
             </a:fld>
             <a:endParaRPr lang="zh-CN" altLang="en-US"/>
           </a:p>
@@ -2241,7 +2242,7 @@
 </file>
 
 <file path=ppt/slideLayouts/slideLayout5.xml><?xml version="1.0" encoding="utf-8"?>
-<p:sldLayout xmlns:a="http://schemas.openxmlformats.org/drawingml/2006/main" xmlns:r="http://schemas.openxmlformats.org/officeDocument/2006/relationships" xmlns:p="http://schemas.openxmlformats.org/presentationml/2006/main" showMasterSp="0" type="blank" preserve="1">
+<p:sldLayout xmlns:a="http://schemas.openxmlformats.org/drawingml/2006/main" xmlns:r="http://schemas.openxmlformats.org/officeDocument/2006/relationships" xmlns:p="http://schemas.openxmlformats.org/presentationml/2006/main" type="blank" preserve="1" showMasterSp="0">
   <p:cSld name="空白">
     <p:spTree>
       <p:nvGrpSpPr>
@@ -2266,7 +2267,7 @@
 </file>
 
 <file path=ppt/slideLayouts/slideLayout6.xml><?xml version="1.0" encoding="utf-8"?>
-<p:sldLayout xmlns:a="http://schemas.openxmlformats.org/drawingml/2006/main" xmlns:r="http://schemas.openxmlformats.org/officeDocument/2006/relationships" xmlns:p="http://schemas.openxmlformats.org/presentationml/2006/main" showMasterSp="0" preserve="1" userDrawn="1">
+<p:sldLayout xmlns:a="http://schemas.openxmlformats.org/drawingml/2006/main" xmlns:r="http://schemas.openxmlformats.org/officeDocument/2006/relationships" xmlns:p="http://schemas.openxmlformats.org/presentationml/2006/main" preserve="1" showMasterSp="0" userDrawn="1">
   <p:cSld name="末尾幻灯片">
     <p:spTree>
       <p:nvGrpSpPr>
@@ -2370,6 +2371,7 @@
               <a:rPr lang="en-US" altLang="zh-CN" dirty="0"/>
               <a:t>Signature</a:t>
             </a:r>
+            <a:endParaRPr lang="en-US" altLang="zh-CN" dirty="0"/>
           </a:p>
         </p:txBody>
       </p:sp>
@@ -4175,6 +4177,24 @@
               </a:rPr>
               <a:t>OneDrive</a:t>
             </a:r>
+            <a:endParaRPr lang="en-US" altLang="zh-CN" sz="2000" kern="0">
+              <a:solidFill>
+                <a:schemeClr val="bg1">
+                  <a:alpha val="77000"/>
+                </a:schemeClr>
+              </a:solidFill>
+              <a:effectLst>
+                <a:outerShdw blurRad="38100" dist="38100" dir="2700000" algn="tl">
+                  <a:srgbClr val="000000">
+                    <a:alpha val="43137"/>
+                  </a:srgbClr>
+                </a:outerShdw>
+              </a:effectLst>
+              <a:latin typeface="微软雅黑" panose="020B0503020204020204" pitchFamily="34" charset="-122"/>
+              <a:ea typeface="微软雅黑" panose="020B0503020204020204" pitchFamily="34" charset="-122"/>
+              <a:cs typeface="+mn-ea"/>
+              <a:sym typeface="+mn-lt"/>
+            </a:endParaRPr>
           </a:p>
           <a:p>
             <a:pPr algn="ctr">
@@ -4350,6 +4370,22 @@
               </a:rPr>
               <a:t> 「 微软听听文档 」</a:t>
             </a:r>
+            <a:endParaRPr lang="zh-CN" altLang="en-US" sz="2000" b="1" kern="0">
+              <a:solidFill>
+                <a:schemeClr val="bg1"/>
+              </a:solidFill>
+              <a:effectLst>
+                <a:outerShdw blurRad="38100" dist="38100" dir="2700000" algn="tl">
+                  <a:srgbClr val="000000">
+                    <a:alpha val="43137"/>
+                  </a:srgbClr>
+                </a:outerShdw>
+              </a:effectLst>
+              <a:latin typeface="微软雅黑" panose="020B0503020204020204" pitchFamily="34" charset="-122"/>
+              <a:ea typeface="微软雅黑" panose="020B0503020204020204" pitchFamily="34" charset="-122"/>
+              <a:cs typeface="+mn-ea"/>
+              <a:sym typeface="+mn-lt"/>
+            </a:endParaRPr>
           </a:p>
         </p:txBody>
       </p:sp>
@@ -4445,6 +4481,22 @@
               </a:rPr>
               <a:t> 「 微软小蜜 」</a:t>
             </a:r>
+            <a:endParaRPr lang="zh-CN" altLang="en-US" sz="2000" b="1" kern="0">
+              <a:solidFill>
+                <a:schemeClr val="bg1"/>
+              </a:solidFill>
+              <a:effectLst>
+                <a:outerShdw blurRad="38100" dist="38100" dir="2700000" algn="tl">
+                  <a:srgbClr val="000000">
+                    <a:alpha val="43137"/>
+                  </a:srgbClr>
+                </a:outerShdw>
+              </a:effectLst>
+              <a:latin typeface="微软雅黑" panose="020B0503020204020204" pitchFamily="34" charset="-122"/>
+              <a:ea typeface="微软雅黑" panose="020B0503020204020204" pitchFamily="34" charset="-122"/>
+              <a:cs typeface="+mn-ea"/>
+              <a:sym typeface="+mn-lt"/>
+            </a:endParaRPr>
           </a:p>
         </p:txBody>
       </p:sp>
@@ -4566,13 +4618,13 @@
   <p:clrMapOvr>
     <a:masterClrMapping/>
   </p:clrMapOvr>
-  <mc:AlternateContent xmlns:mc="http://schemas.openxmlformats.org/markup-compatibility/2006" xmlns:p14="http://schemas.microsoft.com/office/powerpoint/2010/main">
-    <mc:Choice Requires="p14">
+  <mc:AlternateContent xmlns:mc="http://schemas.openxmlformats.org/markup-compatibility/2006">
+    <mc:Choice xmlns:p14="http://schemas.microsoft.com/office/powerpoint/2010/main" Requires="p14">
       <p:transition spd="med" p14:dur="700">
         <p:fade/>
       </p:transition>
     </mc:Choice>
-    <mc:Fallback xmlns="">
+    <mc:Fallback>
       <p:transition spd="med">
         <p:fade/>
       </p:transition>
@@ -4669,6 +4721,7 @@
               <a:rPr lang="en-US" altLang="zh-CN" dirty="0"/>
               <a:t>Edit Master text styles</a:t>
             </a:r>
+            <a:endParaRPr lang="en-US" altLang="zh-CN" dirty="0"/>
           </a:p>
           <a:p>
             <a:pPr lvl="1"/>
@@ -4676,6 +4729,7 @@
               <a:rPr lang="en-US" altLang="zh-CN" dirty="0"/>
               <a:t>Second level</a:t>
             </a:r>
+            <a:endParaRPr lang="en-US" altLang="zh-CN" dirty="0"/>
           </a:p>
           <a:p>
             <a:pPr lvl="2"/>
@@ -4683,6 +4737,7 @@
               <a:rPr lang="en-US" altLang="zh-CN" dirty="0"/>
               <a:t>Third level</a:t>
             </a:r>
+            <a:endParaRPr lang="en-US" altLang="zh-CN" dirty="0"/>
           </a:p>
           <a:p>
             <a:pPr lvl="3"/>
@@ -4690,6 +4745,7 @@
               <a:rPr lang="en-US" altLang="zh-CN" dirty="0"/>
               <a:t>Fourth level</a:t>
             </a:r>
+            <a:endParaRPr lang="en-US" altLang="zh-CN" dirty="0"/>
           </a:p>
           <a:p>
             <a:pPr lvl="4"/>
@@ -4737,7 +4793,6 @@
           <a:p>
             <a:fld id="{6489D9C7-5DC6-4263-87FF-7C99F6FB63C3}" type="datetime1">
               <a:rPr lang="zh-CN" altLang="en-US" smtClean="0"/>
-              <a:t>2019-06-10</a:t>
             </a:fld>
             <a:endParaRPr lang="zh-CN" altLang="en-US"/>
           </a:p>
@@ -4821,7 +4876,6 @@
           <a:p>
             <a:fld id="{5DD3DB80-B894-403A-B48E-6FDC1A72010E}" type="slidenum">
               <a:rPr lang="zh-CN" altLang="en-US" smtClean="0"/>
-              <a:t>‹#›</a:t>
             </a:fld>
             <a:endParaRPr lang="zh-CN" altLang="en-US"/>
           </a:p>
@@ -5204,6 +5258,7 @@
               <a:rPr lang="zh-CN" altLang="en-US" dirty="0"/>
               <a:t>申优答辩</a:t>
             </a:r>
+            <a:endParaRPr lang="zh-CN" altLang="en-US" dirty="0"/>
           </a:p>
         </p:txBody>
       </p:sp>
@@ -5240,6 +5295,7 @@
               <a:rPr lang="zh-CN" altLang="en-US" sz="2000" dirty="0"/>
               <a:t>李嘉业</a:t>
             </a:r>
+            <a:endParaRPr lang="zh-CN" altLang="en-US" sz="2000" dirty="0"/>
           </a:p>
           <a:p>
             <a:pPr fontAlgn="auto">
@@ -5255,6 +5311,7 @@
               <a:rPr lang="zh-CN" altLang="en-US" sz="2000" dirty="0"/>
               <a:t>张弩</a:t>
             </a:r>
+            <a:endParaRPr lang="zh-CN" altLang="en-US" sz="2000" dirty="0"/>
           </a:p>
           <a:p>
             <a:pPr fontAlgn="auto">
@@ -5270,6 +5327,7 @@
               <a:rPr lang="zh-CN" altLang="en-US" sz="2000" dirty="0"/>
               <a:t>王润安</a:t>
             </a:r>
+            <a:endParaRPr lang="zh-CN" altLang="en-US" sz="2000" dirty="0"/>
           </a:p>
           <a:p>
             <a:pPr fontAlgn="auto">
@@ -5285,6 +5343,7 @@
               <a:rPr lang="zh-CN" altLang="en-US" sz="2000" dirty="0"/>
               <a:t>母江涛</a:t>
             </a:r>
+            <a:endParaRPr lang="zh-CN" altLang="en-US" sz="2000" dirty="0"/>
           </a:p>
         </p:txBody>
       </p:sp>
@@ -5628,6 +5687,17 @@
                   </a:rPr>
                   <a:t>CLASS</a:t>
                 </a:r>
+                <a:endParaRPr kumimoji="0" lang="en-US" altLang="zh-CN" sz="9600" b="1" i="0" u="none" strike="noStrike" kern="1200" cap="none" spc="0" normalizeH="0" baseline="0" noProof="0" dirty="0">
+                  <a:ln>
+                    <a:noFill/>
+                  </a:ln>
+                  <a:effectLst/>
+                  <a:uLnTx/>
+                  <a:uFillTx/>
+                  <a:latin typeface="Arial" panose="020B0604020202020204"/>
+                  <a:ea typeface="微软雅黑" panose="020B0503020204020204" pitchFamily="34" charset="-122"/>
+                  <a:cs typeface="Arial" panose="020B0604020202020204" pitchFamily="34" charset="0"/>
+                </a:endParaRPr>
               </a:p>
             </p:txBody>
           </p:sp>
@@ -6613,6 +6683,7 @@
               <a:rPr lang="zh-CN" altLang="en-US" dirty="0"/>
               <a:t>技术线</a:t>
             </a:r>
+            <a:endParaRPr lang="zh-CN" altLang="en-US" dirty="0"/>
           </a:p>
         </p:txBody>
       </p:sp>
@@ -6664,6 +6735,7 @@
               <a:rPr lang="zh-CN" altLang="en-US" sz="4000" dirty="0"/>
               <a:t>跟随模式</a:t>
             </a:r>
+            <a:endParaRPr lang="zh-CN" altLang="en-US" sz="4000" dirty="0"/>
           </a:p>
         </p:txBody>
       </p:sp>
@@ -6715,6 +6787,7 @@
               <a:rPr lang="zh-CN" altLang="en-US" sz="4000" dirty="0"/>
               <a:t>手动模式</a:t>
             </a:r>
+            <a:endParaRPr lang="zh-CN" altLang="en-US" sz="4000" dirty="0"/>
           </a:p>
         </p:txBody>
       </p:sp>
@@ -6761,6 +6834,19 @@
               </a:rPr>
               <a:t>实时建图与导航</a:t>
             </a:r>
+            <a:endParaRPr lang="zh-CN" altLang="en-US" sz="2400" b="0" cap="none" spc="0" dirty="0">
+              <a:ln w="0"/>
+              <a:solidFill>
+                <a:schemeClr val="tx1"/>
+              </a:solidFill>
+              <a:effectLst>
+                <a:outerShdw blurRad="38100" dist="19050" dir="2700000" algn="tl" rotWithShape="0">
+                  <a:schemeClr val="dk1">
+                    <a:alpha val="40000"/>
+                  </a:schemeClr>
+                </a:outerShdw>
+              </a:effectLst>
+            </a:endParaRPr>
           </a:p>
           <a:p>
             <a:pPr algn="ctr" fontAlgn="auto">
@@ -6919,6 +7005,16 @@
               </a:rPr>
               <a:t>控制机器人移动</a:t>
             </a:r>
+            <a:endParaRPr lang="zh-CN" altLang="en-US" sz="2400" dirty="0">
+              <a:ln w="0"/>
+              <a:effectLst>
+                <a:outerShdw blurRad="38100" dist="19050" dir="2700000" algn="tl" rotWithShape="0">
+                  <a:schemeClr val="dk1">
+                    <a:alpha val="40000"/>
+                  </a:schemeClr>
+                </a:outerShdw>
+              </a:effectLst>
+            </a:endParaRPr>
           </a:p>
           <a:p>
             <a:pPr algn="ctr" fontAlgn="auto">
@@ -7096,6 +7192,7 @@
               <a:rPr lang="zh-CN" altLang="en-US" dirty="0"/>
               <a:t>技术线</a:t>
             </a:r>
+            <a:endParaRPr lang="zh-CN" altLang="en-US" dirty="0"/>
           </a:p>
         </p:txBody>
       </p:sp>
@@ -7142,27 +7239,6 @@
               </a:rPr>
               <a:t>对函数、接口进行了单元测试</a:t>
             </a:r>
-          </a:p>
-          <a:p>
-            <a:pPr algn="l" fontAlgn="auto">
-              <a:lnSpc>
-                <a:spcPct val="150000"/>
-              </a:lnSpc>
-            </a:pPr>
-            <a:r>
-              <a:rPr lang="zh-CN" altLang="en-US" sz="2400" dirty="0">
-                <a:ln w="0"/>
-                <a:effectLst>
-                  <a:outerShdw blurRad="38100" dist="19050" dir="2700000" algn="tl" rotWithShape="0">
-                    <a:schemeClr val="dk1">
-                      <a:alpha val="40000"/>
-                    </a:schemeClr>
-                  </a:outerShdw>
-                </a:effectLst>
-                <a:sym typeface="+mn-ea"/>
-              </a:rPr>
-              <a:t>对功能模块进行了功能测试</a:t>
-            </a:r>
             <a:endParaRPr lang="zh-CN" altLang="en-US" sz="2400" b="0" cap="none" spc="0" dirty="0">
               <a:ln w="0"/>
               <a:solidFill>
@@ -7195,8 +7271,53 @@
                 </a:effectLst>
                 <a:sym typeface="+mn-ea"/>
               </a:rPr>
+              <a:t>对功能模块进行了功能测试</a:t>
+            </a:r>
+            <a:endParaRPr lang="zh-CN" altLang="en-US" sz="2400" b="0" cap="none" spc="0" dirty="0">
+              <a:ln w="0"/>
+              <a:solidFill>
+                <a:schemeClr val="tx1"/>
+              </a:solidFill>
+              <a:effectLst>
+                <a:outerShdw blurRad="38100" dist="19050" dir="2700000" algn="tl" rotWithShape="0">
+                  <a:schemeClr val="dk1">
+                    <a:alpha val="40000"/>
+                  </a:schemeClr>
+                </a:outerShdw>
+              </a:effectLst>
+            </a:endParaRPr>
+          </a:p>
+          <a:p>
+            <a:pPr algn="l" fontAlgn="auto">
+              <a:lnSpc>
+                <a:spcPct val="150000"/>
+              </a:lnSpc>
+            </a:pPr>
+            <a:r>
+              <a:rPr lang="zh-CN" altLang="en-US" sz="2400" dirty="0">
+                <a:ln w="0"/>
+                <a:effectLst>
+                  <a:outerShdw blurRad="38100" dist="19050" dir="2700000" algn="tl" rotWithShape="0">
+                    <a:schemeClr val="dk1">
+                      <a:alpha val="40000"/>
+                    </a:schemeClr>
+                  </a:outerShdw>
+                </a:effectLst>
+                <a:sym typeface="+mn-ea"/>
+              </a:rPr>
               <a:t>对整个系统进行了集成测试</a:t>
             </a:r>
+            <a:endParaRPr lang="zh-CN" altLang="en-US" sz="2400" dirty="0">
+              <a:ln w="0"/>
+              <a:effectLst>
+                <a:outerShdw blurRad="38100" dist="19050" dir="2700000" algn="tl" rotWithShape="0">
+                  <a:schemeClr val="dk1">
+                    <a:alpha val="40000"/>
+                  </a:schemeClr>
+                </a:outerShdw>
+              </a:effectLst>
+              <a:sym typeface="+mn-ea"/>
+            </a:endParaRPr>
           </a:p>
           <a:p>
             <a:pPr algn="l" fontAlgn="auto">
@@ -7220,6 +7341,19 @@
               </a:rPr>
               <a:t>尽量使用自动化测试</a:t>
             </a:r>
+            <a:endParaRPr lang="zh-CN" altLang="en-US" sz="2400" b="0" cap="none" spc="0" dirty="0">
+              <a:ln w="0"/>
+              <a:solidFill>
+                <a:schemeClr val="tx1"/>
+              </a:solidFill>
+              <a:effectLst>
+                <a:outerShdw blurRad="38100" dist="19050" dir="2700000" algn="tl" rotWithShape="0">
+                  <a:schemeClr val="dk1">
+                    <a:alpha val="40000"/>
+                  </a:schemeClr>
+                </a:outerShdw>
+              </a:effectLst>
+            </a:endParaRPr>
           </a:p>
           <a:p>
             <a:pPr algn="l" fontAlgn="auto">
@@ -7243,6 +7377,19 @@
               </a:rPr>
               <a:t>对于安卓应用和服务器端代码编写代码进行自动化测试，并生成了测试报告，统计了代码及分支覆盖率。</a:t>
             </a:r>
+            <a:endParaRPr lang="zh-CN" altLang="en-US" sz="2400" b="0" cap="none" spc="0" dirty="0">
+              <a:ln w="0"/>
+              <a:solidFill>
+                <a:schemeClr val="tx1"/>
+              </a:solidFill>
+              <a:effectLst>
+                <a:outerShdw blurRad="38100" dist="19050" dir="2700000" algn="tl" rotWithShape="0">
+                  <a:schemeClr val="dk1">
+                    <a:alpha val="40000"/>
+                  </a:schemeClr>
+                </a:outerShdw>
+              </a:effectLst>
+            </a:endParaRPr>
           </a:p>
           <a:p>
             <a:pPr algn="l" fontAlgn="auto">
@@ -7266,6 +7413,19 @@
               </a:rPr>
               <a:t>没有自动化测试的部分使用手动测试，保证功能模块全覆盖。</a:t>
             </a:r>
+            <a:endParaRPr lang="zh-CN" altLang="en-US" sz="2400" b="0" cap="none" spc="0" dirty="0">
+              <a:ln w="0"/>
+              <a:solidFill>
+                <a:schemeClr val="tx1"/>
+              </a:solidFill>
+              <a:effectLst>
+                <a:outerShdw blurRad="38100" dist="19050" dir="2700000" algn="tl" rotWithShape="0">
+                  <a:schemeClr val="dk1">
+                    <a:alpha val="40000"/>
+                  </a:schemeClr>
+                </a:outerShdw>
+              </a:effectLst>
+            </a:endParaRPr>
           </a:p>
         </p:txBody>
       </p:sp>
@@ -7313,6 +7473,7 @@
               <a:rPr lang="zh-CN" altLang="en-US" dirty="0"/>
               <a:t>技术线</a:t>
             </a:r>
+            <a:endParaRPr lang="zh-CN" altLang="en-US" dirty="0"/>
           </a:p>
         </p:txBody>
       </p:sp>
@@ -7359,6 +7520,19 @@
               </a:rPr>
               <a:t>测试过程中发现问题，解决问题</a:t>
             </a:r>
+            <a:endParaRPr lang="zh-CN" altLang="en-US" sz="2400" b="0" cap="none" spc="0" dirty="0">
+              <a:ln w="0"/>
+              <a:solidFill>
+                <a:schemeClr val="tx1"/>
+              </a:solidFill>
+              <a:effectLst>
+                <a:outerShdw blurRad="38100" dist="19050" dir="2700000" algn="tl" rotWithShape="0">
+                  <a:schemeClr val="dk1">
+                    <a:alpha val="40000"/>
+                  </a:schemeClr>
+                </a:outerShdw>
+              </a:effectLst>
+            </a:endParaRPr>
           </a:p>
           <a:p>
             <a:pPr algn="l" fontAlgn="auto">
@@ -7382,6 +7556,19 @@
               </a:rPr>
               <a:t>问题：</a:t>
             </a:r>
+            <a:endParaRPr lang="zh-CN" altLang="en-US" sz="2400" b="1" cap="none" spc="0" dirty="0">
+              <a:ln w="0"/>
+              <a:solidFill>
+                <a:schemeClr val="tx1"/>
+              </a:solidFill>
+              <a:effectLst>
+                <a:outerShdw blurRad="38100" dist="19050" dir="2700000" algn="tl" rotWithShape="0">
+                  <a:schemeClr val="dk1">
+                    <a:alpha val="40000"/>
+                  </a:schemeClr>
+                </a:outerShdw>
+              </a:effectLst>
+            </a:endParaRPr>
           </a:p>
           <a:p>
             <a:pPr algn="l" fontAlgn="auto">
@@ -7405,6 +7592,19 @@
               </a:rPr>
               <a:t>运动命令结束后无法停止；</a:t>
             </a:r>
+            <a:endParaRPr lang="zh-CN" altLang="en-US" sz="2400" b="0" cap="none" spc="0" dirty="0">
+              <a:ln w="0"/>
+              <a:solidFill>
+                <a:schemeClr val="tx1"/>
+              </a:solidFill>
+              <a:effectLst>
+                <a:outerShdw blurRad="38100" dist="19050" dir="2700000" algn="tl" rotWithShape="0">
+                  <a:schemeClr val="dk1">
+                    <a:alpha val="40000"/>
+                  </a:schemeClr>
+                </a:outerShdw>
+              </a:effectLst>
+            </a:endParaRPr>
           </a:p>
           <a:p>
             <a:pPr algn="l" fontAlgn="auto">
@@ -7428,6 +7628,19 @@
               </a:rPr>
               <a:t>一条运动命令的运动量过小；</a:t>
             </a:r>
+            <a:endParaRPr lang="zh-CN" altLang="en-US" sz="2400" b="0" cap="none" spc="0" dirty="0">
+              <a:ln w="0"/>
+              <a:solidFill>
+                <a:schemeClr val="tx1"/>
+              </a:solidFill>
+              <a:effectLst>
+                <a:outerShdw blurRad="38100" dist="19050" dir="2700000" algn="tl" rotWithShape="0">
+                  <a:schemeClr val="dk1">
+                    <a:alpha val="40000"/>
+                  </a:schemeClr>
+                </a:outerShdw>
+              </a:effectLst>
+            </a:endParaRPr>
           </a:p>
           <a:p>
             <a:pPr algn="l" fontAlgn="auto">
@@ -7451,6 +7664,19 @@
               </a:rPr>
               <a:t>机器人向右行走会向后方偏移；</a:t>
             </a:r>
+            <a:endParaRPr lang="zh-CN" altLang="en-US" sz="2400" b="0" cap="none" spc="0" dirty="0">
+              <a:ln w="0"/>
+              <a:solidFill>
+                <a:schemeClr val="tx1"/>
+              </a:solidFill>
+              <a:effectLst>
+                <a:outerShdw blurRad="38100" dist="19050" dir="2700000" algn="tl" rotWithShape="0">
+                  <a:schemeClr val="dk1">
+                    <a:alpha val="40000"/>
+                  </a:schemeClr>
+                </a:outerShdw>
+              </a:effectLst>
+            </a:endParaRPr>
           </a:p>
           <a:p>
             <a:pPr algn="l" fontAlgn="auto">
@@ -7474,6 +7700,19 @@
               </a:rPr>
               <a:t>物体抓取可能不成功；</a:t>
             </a:r>
+            <a:endParaRPr lang="zh-CN" altLang="en-US" sz="2400" b="0" cap="none" spc="0" dirty="0">
+              <a:ln w="0"/>
+              <a:solidFill>
+                <a:schemeClr val="tx1"/>
+              </a:solidFill>
+              <a:effectLst>
+                <a:outerShdw blurRad="38100" dist="19050" dir="2700000" algn="tl" rotWithShape="0">
+                  <a:schemeClr val="dk1">
+                    <a:alpha val="40000"/>
+                  </a:schemeClr>
+                </a:outerShdw>
+              </a:effectLst>
+            </a:endParaRPr>
           </a:p>
           <a:p>
             <a:pPr algn="l" fontAlgn="auto">
@@ -7497,6 +7736,19 @@
               </a:rPr>
               <a:t>机器人移动后返回起点与实际起点存在偏差；</a:t>
             </a:r>
+            <a:endParaRPr lang="zh-CN" altLang="en-US" sz="2400" b="0" cap="none" spc="0" dirty="0">
+              <a:ln w="0"/>
+              <a:solidFill>
+                <a:schemeClr val="tx1"/>
+              </a:solidFill>
+              <a:effectLst>
+                <a:outerShdw blurRad="38100" dist="19050" dir="2700000" algn="tl" rotWithShape="0">
+                  <a:schemeClr val="dk1">
+                    <a:alpha val="40000"/>
+                  </a:schemeClr>
+                </a:outerShdw>
+              </a:effectLst>
+            </a:endParaRPr>
           </a:p>
           <a:p>
             <a:pPr algn="l" fontAlgn="auto">
@@ -7520,6 +7772,19 @@
               </a:rPr>
               <a:t>跟随过程中可能丢失用户；</a:t>
             </a:r>
+            <a:endParaRPr lang="zh-CN" altLang="en-US" sz="2400" b="0" cap="none" spc="0" dirty="0">
+              <a:ln w="0"/>
+              <a:solidFill>
+                <a:schemeClr val="tx1"/>
+              </a:solidFill>
+              <a:effectLst>
+                <a:outerShdw blurRad="38100" dist="19050" dir="2700000" algn="tl" rotWithShape="0">
+                  <a:schemeClr val="dk1">
+                    <a:alpha val="40000"/>
+                  </a:schemeClr>
+                </a:outerShdw>
+              </a:effectLst>
+            </a:endParaRPr>
           </a:p>
           <a:p>
             <a:pPr algn="l" fontAlgn="auto">
@@ -7543,6 +7808,19 @@
               </a:rPr>
               <a:t>机器人识别平面条件较苛刻。</a:t>
             </a:r>
+            <a:endParaRPr lang="zh-CN" altLang="en-US" sz="2400" b="0" cap="none" spc="0" dirty="0">
+              <a:ln w="0"/>
+              <a:solidFill>
+                <a:schemeClr val="tx1"/>
+              </a:solidFill>
+              <a:effectLst>
+                <a:outerShdw blurRad="38100" dist="19050" dir="2700000" algn="tl" rotWithShape="0">
+                  <a:schemeClr val="dk1">
+                    <a:alpha val="40000"/>
+                  </a:schemeClr>
+                </a:outerShdw>
+              </a:effectLst>
+            </a:endParaRPr>
           </a:p>
         </p:txBody>
       </p:sp>
@@ -7613,6 +7891,7 @@
               <a:rPr lang="zh-CN" altLang="en-US" sz="1800" dirty="0"/>
               <a:t>管理线</a:t>
             </a:r>
+            <a:endParaRPr lang="zh-CN" altLang="en-US" sz="1800" dirty="0"/>
           </a:p>
         </p:txBody>
       </p:sp>
@@ -7708,6 +7987,7 @@
               <a:rPr lang="zh-CN" altLang="en-US" dirty="0"/>
               <a:t>管理线</a:t>
             </a:r>
+            <a:endParaRPr lang="zh-CN" altLang="en-US" dirty="0"/>
           </a:p>
         </p:txBody>
       </p:sp>
@@ -7742,6 +8022,7 @@
               <a:rPr lang="zh-CN" altLang="en-US" sz="2400" b="1"/>
               <a:t>版本清晰，详细可查</a:t>
             </a:r>
+            <a:endParaRPr lang="zh-CN" altLang="en-US" sz="2400" b="1"/>
           </a:p>
           <a:p>
             <a:pPr fontAlgn="auto">
@@ -7757,6 +8038,7 @@
               <a:rPr lang="zh-CN" altLang="en-US" sz="2400" b="1"/>
               <a:t>、每一份文档都有详细的版本记录</a:t>
             </a:r>
+            <a:endParaRPr lang="zh-CN" altLang="en-US" sz="2400" b="1"/>
           </a:p>
           <a:p>
             <a:pPr fontAlgn="auto">
@@ -7777,7 +8059,7 @@
           <p:nvPr/>
         </p:nvPicPr>
         <p:blipFill>
-          <a:blip r:embed="rId2"/>
+          <a:blip r:embed="rId1"/>
           <a:stretch>
             <a:fillRect/>
           </a:stretch>
@@ -7801,7 +8083,7 @@
           <p:nvPr/>
         </p:nvPicPr>
         <p:blipFill>
-          <a:blip r:embed="rId3"/>
+          <a:blip r:embed="rId2"/>
           <a:stretch>
             <a:fillRect/>
           </a:stretch>
@@ -7825,7 +8107,7 @@
           <p:nvPr/>
         </p:nvPicPr>
         <p:blipFill>
-          <a:blip r:embed="rId4"/>
+          <a:blip r:embed="rId3"/>
           <a:stretch>
             <a:fillRect/>
           </a:stretch>
@@ -7884,6 +8166,7 @@
               <a:rPr lang="zh-CN" altLang="en-US" dirty="0"/>
               <a:t>管理线</a:t>
             </a:r>
+            <a:endParaRPr lang="zh-CN" altLang="en-US" dirty="0"/>
           </a:p>
         </p:txBody>
       </p:sp>
@@ -7918,6 +8201,7 @@
               <a:rPr lang="zh-CN" altLang="en-US" sz="2400" b="1"/>
               <a:t>不断改进，日趋完善</a:t>
             </a:r>
+            <a:endParaRPr lang="zh-CN" altLang="en-US" sz="2400" b="1"/>
           </a:p>
           <a:p>
             <a:pPr fontAlgn="auto">
@@ -7933,6 +8217,7 @@
               <a:rPr lang="zh-CN" altLang="en-US" sz="2400" b="1"/>
               <a:t>、第一次迭代</a:t>
             </a:r>
+            <a:endParaRPr lang="zh-CN" altLang="en-US" sz="2400" b="1"/>
           </a:p>
           <a:p>
             <a:pPr fontAlgn="auto">
@@ -7944,6 +8229,7 @@
               <a:rPr lang="zh-CN" altLang="en-US" sz="2400"/>
               <a:t>问题：缺少问题与看板系统的建立；</a:t>
             </a:r>
+            <a:endParaRPr lang="zh-CN" altLang="en-US" sz="2400"/>
           </a:p>
           <a:p>
             <a:pPr fontAlgn="auto">
@@ -7955,6 +8241,7 @@
               <a:rPr lang="zh-CN" altLang="en-US" sz="2400"/>
               <a:t>解决措施：立即建立问题与看板系统，并且将其他出现的问题加入系统；</a:t>
             </a:r>
+            <a:endParaRPr lang="zh-CN" altLang="en-US" sz="2400"/>
           </a:p>
           <a:p>
             <a:pPr fontAlgn="auto">
@@ -7970,6 +8257,7 @@
               <a:rPr lang="zh-CN" altLang="en-US" sz="2400" b="1"/>
               <a:t>、第二次迭代</a:t>
             </a:r>
+            <a:endParaRPr lang="zh-CN" altLang="en-US" sz="2400" b="1"/>
           </a:p>
           <a:p>
             <a:pPr fontAlgn="auto">
@@ -7981,6 +8269,7 @@
               <a:rPr lang="zh-CN" altLang="en-US" sz="2400"/>
               <a:t>问题：问题缺少阶段性的标签；</a:t>
             </a:r>
+            <a:endParaRPr lang="zh-CN" altLang="en-US" sz="2400"/>
           </a:p>
           <a:p>
             <a:pPr fontAlgn="auto">
@@ -7992,6 +8281,7 @@
               <a:rPr lang="zh-CN" altLang="en-US" sz="2400"/>
               <a:t>解决措施：立即添加有关阶段性的标签；</a:t>
             </a:r>
+            <a:endParaRPr lang="zh-CN" altLang="en-US" sz="2400"/>
           </a:p>
           <a:p>
             <a:pPr fontAlgn="auto">
@@ -8007,6 +8297,7 @@
               <a:rPr lang="zh-CN" altLang="en-US" sz="2400" b="1"/>
               <a:t>、第三次迭代</a:t>
             </a:r>
+            <a:endParaRPr lang="zh-CN" altLang="en-US" sz="2400" b="1"/>
           </a:p>
           <a:p>
             <a:pPr fontAlgn="auto">
@@ -8018,6 +8309,7 @@
               <a:rPr lang="zh-CN" altLang="en-US" sz="2400"/>
               <a:t>问题：缺少单元测试；</a:t>
             </a:r>
+            <a:endParaRPr lang="zh-CN" altLang="en-US" sz="2400"/>
           </a:p>
           <a:p>
             <a:pPr fontAlgn="auto">
@@ -8029,6 +8321,7 @@
               <a:rPr lang="zh-CN" altLang="en-US" sz="2400"/>
               <a:t>解决措施：立即添加单元测试；</a:t>
             </a:r>
+            <a:endParaRPr lang="zh-CN" altLang="en-US" sz="2400"/>
           </a:p>
         </p:txBody>
       </p:sp>
@@ -8076,6 +8369,7 @@
               <a:rPr lang="zh-CN" altLang="en-US" dirty="0"/>
               <a:t>管理线</a:t>
             </a:r>
+            <a:endParaRPr lang="zh-CN" altLang="en-US" dirty="0"/>
           </a:p>
         </p:txBody>
       </p:sp>
@@ -8110,6 +8404,7 @@
               <a:rPr lang="zh-CN" altLang="en-US" sz="2400" b="1"/>
               <a:t>从线下到线上，结合小团队的特点应用课程知识</a:t>
             </a:r>
+            <a:endParaRPr lang="zh-CN" altLang="en-US" sz="2400" b="1"/>
           </a:p>
           <a:p>
             <a:pPr fontAlgn="auto">
@@ -8125,6 +8420,7 @@
               <a:rPr lang="zh-CN" altLang="en-US" sz="2400" b="1"/>
               <a:t>、会议记录</a:t>
             </a:r>
+            <a:endParaRPr lang="zh-CN" altLang="en-US" sz="2400" b="1"/>
           </a:p>
           <a:p>
             <a:pPr fontAlgn="auto">
@@ -8136,6 +8432,7 @@
               <a:rPr lang="zh-CN" altLang="en-US" sz="2400"/>
               <a:t>通过会议记录的形式，使所有成员第一时间获得最新的会议信息；</a:t>
             </a:r>
+            <a:endParaRPr lang="zh-CN" altLang="en-US" sz="2400"/>
           </a:p>
           <a:p>
             <a:pPr fontAlgn="auto">
@@ -8151,6 +8448,7 @@
               <a:rPr lang="zh-CN" altLang="en-US" sz="2400" b="1"/>
               <a:t>、版本控制</a:t>
             </a:r>
+            <a:endParaRPr lang="zh-CN" altLang="en-US" sz="2400" b="1"/>
           </a:p>
           <a:p>
             <a:pPr fontAlgn="auto">
@@ -8170,6 +8468,7 @@
               <a:rPr lang="zh-CN" altLang="en-US" sz="2400"/>
               <a:t>的版本更新；</a:t>
             </a:r>
+            <a:endParaRPr lang="zh-CN" altLang="en-US" sz="2400"/>
           </a:p>
           <a:p>
             <a:pPr fontAlgn="auto">
@@ -8185,6 +8484,7 @@
               <a:rPr lang="zh-CN" altLang="en-US" sz="2400" b="1"/>
               <a:t>、两种模式切换</a:t>
             </a:r>
+            <a:endParaRPr lang="zh-CN" altLang="en-US" sz="2400" b="1"/>
           </a:p>
           <a:p>
             <a:pPr fontAlgn="auto">
@@ -8196,6 +8496,7 @@
               <a:rPr lang="zh-CN" altLang="en-US" sz="2400"/>
               <a:t>取其所长，那种有利于效率用那种；</a:t>
             </a:r>
+            <a:endParaRPr lang="zh-CN" altLang="en-US" sz="2400"/>
           </a:p>
         </p:txBody>
       </p:sp>
@@ -8208,6 +8509,133 @@
 </file>
 
 <file path=ppt/slides/slide17.xml><?xml version="1.0" encoding="utf-8"?>
+<p:sld xmlns:a="http://schemas.openxmlformats.org/drawingml/2006/main" xmlns:r="http://schemas.openxmlformats.org/officeDocument/2006/relationships" xmlns:p="http://schemas.openxmlformats.org/presentationml/2006/main">
+  <p:cSld>
+    <p:spTree>
+      <p:nvGrpSpPr>
+        <p:cNvPr id="1" name=""/>
+        <p:cNvGrpSpPr/>
+        <p:nvPr/>
+      </p:nvGrpSpPr>
+      <p:grpSpPr>
+        <a:xfrm>
+          <a:off x="0" y="0"/>
+          <a:ext cx="0" cy="0"/>
+          <a:chOff x="0" y="0"/>
+          <a:chExt cx="0" cy="0"/>
+        </a:xfrm>
+      </p:grpSpPr>
+      <p:sp>
+        <p:nvSpPr>
+          <p:cNvPr id="20" name="标题 19"/>
+          <p:cNvSpPr>
+            <a:spLocks noGrp="1"/>
+          </p:cNvSpPr>
+          <p:nvPr>
+            <p:ph type="title"/>
+          </p:nvPr>
+        </p:nvSpPr>
+        <p:spPr/>
+        <p:txBody>
+          <a:bodyPr/>
+          <a:lstStyle/>
+          <a:p>
+            <a:r>
+              <a:rPr lang="zh-CN" altLang="en-US" dirty="0"/>
+              <a:t>管理线</a:t>
+            </a:r>
+            <a:endParaRPr lang="zh-CN" altLang="en-US" dirty="0"/>
+          </a:p>
+        </p:txBody>
+      </p:sp>
+      <p:sp>
+        <p:nvSpPr>
+          <p:cNvPr id="3" name="文本框 2"/>
+          <p:cNvSpPr txBox="1"/>
+          <p:nvPr/>
+        </p:nvSpPr>
+        <p:spPr>
+          <a:xfrm>
+            <a:off x="607060" y="1160780"/>
+            <a:ext cx="11052175" cy="645160"/>
+          </a:xfrm>
+          <a:prstGeom prst="rect">
+            <a:avLst/>
+          </a:prstGeom>
+          <a:noFill/>
+        </p:spPr>
+        <p:txBody>
+          <a:bodyPr wrap="square" rtlCol="0">
+            <a:spAutoFit/>
+          </a:bodyPr>
+          <a:lstStyle/>
+          <a:p>
+            <a:pPr fontAlgn="auto">
+              <a:lnSpc>
+                <a:spcPct val="150000"/>
+              </a:lnSpc>
+            </a:pPr>
+            <a:r>
+              <a:rPr lang="zh-CN" altLang="en-US" sz="2400" b="1"/>
+              <a:t>每人基础</a:t>
+            </a:r>
+            <a:r>
+              <a:rPr lang="en-US" altLang="zh-CN" sz="2400" b="1"/>
+              <a:t>20%</a:t>
+            </a:r>
+            <a:r>
+              <a:rPr lang="zh-CN" altLang="en-US" sz="2400" b="1"/>
+              <a:t>，</a:t>
+            </a:r>
+            <a:r>
+              <a:rPr lang="zh-CN" altLang="en-US" sz="2400" b="1"/>
+              <a:t>然后按</a:t>
+            </a:r>
+            <a:r>
+              <a:rPr lang="en-US" altLang="zh-CN" sz="2400" b="1"/>
+              <a:t>5</a:t>
+            </a:r>
+            <a:r>
+              <a:rPr lang="zh-CN" altLang="en-US" sz="2400" b="1"/>
+              <a:t>项评测决定最终成绩；</a:t>
+            </a:r>
+            <a:endParaRPr lang="zh-CN" altLang="en-US" sz="2400" b="1"/>
+          </a:p>
+        </p:txBody>
+      </p:sp>
+      <p:pic>
+        <p:nvPicPr>
+          <p:cNvPr id="6" name="图片 5"/>
+          <p:cNvPicPr>
+            <a:picLocks noChangeAspect="1"/>
+          </p:cNvPicPr>
+          <p:nvPr/>
+        </p:nvPicPr>
+        <p:blipFill>
+          <a:blip r:embed="rId1"/>
+          <a:stretch>
+            <a:fillRect/>
+          </a:stretch>
+        </p:blipFill>
+        <p:spPr>
+          <a:xfrm>
+            <a:off x="669925" y="2017395"/>
+            <a:ext cx="10015855" cy="3192145"/>
+          </a:xfrm>
+          <a:prstGeom prst="rect">
+            <a:avLst/>
+          </a:prstGeom>
+        </p:spPr>
+      </p:pic>
+    </p:spTree>
+  </p:cSld>
+  <p:clrMapOvr>
+    <a:masterClrMapping/>
+  </p:clrMapOvr>
+</p:sld>
+</file>
+
+<file path=ppt/slides/slide18.xml><?xml version="1.0" encoding="utf-8"?>
 <p:sld xmlns:a="http://schemas.openxmlformats.org/drawingml/2006/main" xmlns:r="http://schemas.openxmlformats.org/officeDocument/2006/relationships" xmlns:p="http://schemas.openxmlformats.org/presentationml/2006/main">
   <p:cSld>
     <p:spTree>
@@ -8251,6 +8679,7 @@
               <a:rPr lang="zh-CN" sz="3200" dirty="0"/>
               <a:t>未来工作</a:t>
             </a:r>
+            <a:endParaRPr lang="zh-CN" sz="3200" dirty="0"/>
           </a:p>
         </p:txBody>
       </p:sp>
@@ -8310,7 +8739,7 @@
 </p:sld>
 </file>
 
-<file path=ppt/slides/slide18.xml><?xml version="1.0" encoding="utf-8"?>
+<file path=ppt/slides/slide19.xml><?xml version="1.0" encoding="utf-8"?>
 <p:sld xmlns:a="http://schemas.openxmlformats.org/drawingml/2006/main" xmlns:r="http://schemas.openxmlformats.org/officeDocument/2006/relationships" xmlns:p="http://schemas.openxmlformats.org/presentationml/2006/main">
   <p:cSld>
     <p:spTree>
@@ -8458,6 +8887,11 @@
                 </a:rPr>
                 <a:t>CONTENTS</a:t>
               </a:r>
+              <a:endParaRPr lang="en-US" altLang="zh-CN" sz="2000" b="1" dirty="0">
+                <a:solidFill>
+                  <a:schemeClr val="tx2"/>
+                </a:solidFill>
+              </a:endParaRPr>
             </a:p>
           </p:txBody>
         </p:sp>
@@ -8594,7 +9028,6 @@
             <a:lstStyle/>
             <a:p>
               <a:pPr algn="ctr"/>
-              <a:endParaRPr/>
             </a:p>
           </p:txBody>
         </p:sp>
@@ -8641,7 +9074,6 @@
             <a:lstStyle/>
             <a:p>
               <a:pPr algn="ctr"/>
-              <a:endParaRPr/>
             </a:p>
           </p:txBody>
         </p:sp>
@@ -8688,7 +9120,6 @@
             <a:lstStyle/>
             <a:p>
               <a:pPr algn="ctr"/>
-              <a:endParaRPr/>
             </a:p>
           </p:txBody>
         </p:sp>
@@ -8735,7 +9166,6 @@
             <a:lstStyle/>
             <a:p>
               <a:pPr algn="ctr"/>
-              <a:endParaRPr/>
             </a:p>
           </p:txBody>
         </p:sp>
@@ -8782,7 +9212,6 @@
             <a:lstStyle/>
             <a:p>
               <a:pPr algn="ctr"/>
-              <a:endParaRPr/>
             </a:p>
           </p:txBody>
         </p:sp>
@@ -8835,6 +9264,14 @@
                 </a:rPr>
                 <a:t>01</a:t>
               </a:r>
+              <a:endParaRPr lang="en-US" altLang="zh-CN" sz="2400" dirty="0">
+                <a:solidFill>
+                  <a:schemeClr val="accent1">
+                    <a:lumMod val="100000"/>
+                  </a:schemeClr>
+                </a:solidFill>
+                <a:latin typeface="Impact" panose="020B0806030902050204" pitchFamily="34" charset="0"/>
+              </a:endParaRPr>
             </a:p>
           </p:txBody>
         </p:sp>
@@ -8876,6 +9313,14 @@
                 </a:rPr>
                 <a:t>02</a:t>
               </a:r>
+              <a:endParaRPr lang="en-US" altLang="zh-CN" sz="2400">
+                <a:solidFill>
+                  <a:schemeClr val="accent2">
+                    <a:lumMod val="100000"/>
+                  </a:schemeClr>
+                </a:solidFill>
+                <a:latin typeface="Impact" panose="020B0806030902050204" pitchFamily="34" charset="0"/>
+              </a:endParaRPr>
             </a:p>
           </p:txBody>
         </p:sp>
@@ -8917,6 +9362,14 @@
                 </a:rPr>
                 <a:t>03</a:t>
               </a:r>
+              <a:endParaRPr lang="en-US" altLang="zh-CN" sz="2400">
+                <a:solidFill>
+                  <a:schemeClr val="accent3">
+                    <a:lumMod val="100000"/>
+                  </a:schemeClr>
+                </a:solidFill>
+                <a:latin typeface="Impact" panose="020B0806030902050204" pitchFamily="34" charset="0"/>
+              </a:endParaRPr>
             </a:p>
           </p:txBody>
         </p:sp>
@@ -8958,6 +9411,14 @@
                 </a:rPr>
                 <a:t>04</a:t>
               </a:r>
+              <a:endParaRPr lang="en-US" altLang="zh-CN" sz="2400">
+                <a:solidFill>
+                  <a:schemeClr val="accent4">
+                    <a:lumMod val="100000"/>
+                  </a:schemeClr>
+                </a:solidFill>
+                <a:latin typeface="Impact" panose="020B0806030902050204" pitchFamily="34" charset="0"/>
+              </a:endParaRPr>
             </a:p>
           </p:txBody>
         </p:sp>
@@ -9171,6 +9632,7 @@
                 <a:rPr lang="zh-CN" sz="2000" b="1" dirty="0"/>
                 <a:t>整体总结</a:t>
               </a:r>
+              <a:endParaRPr lang="zh-CN" sz="2000" b="1" dirty="0"/>
             </a:p>
           </p:txBody>
         </p:sp>
@@ -9223,6 +9685,7 @@
                 <a:rPr lang="zh-CN" altLang="en-US" sz="2000" b="1" dirty="0"/>
                 <a:t>技术线</a:t>
               </a:r>
+              <a:endParaRPr lang="zh-CN" altLang="en-US" sz="2000" b="1" dirty="0"/>
             </a:p>
           </p:txBody>
         </p:sp>
@@ -9280,6 +9743,7 @@
                 <a:rPr lang="zh-CN" altLang="en-US" sz="2000" b="1" dirty="0"/>
                 <a:t>管理线</a:t>
               </a:r>
+              <a:endParaRPr lang="zh-CN" altLang="en-US" sz="2000" b="1" dirty="0"/>
             </a:p>
           </p:txBody>
         </p:sp>
@@ -9329,6 +9793,7 @@
                 <a:rPr lang="zh-CN" sz="2000" b="1" dirty="0"/>
                 <a:t>未来工作</a:t>
               </a:r>
+              <a:endParaRPr lang="zh-CN" sz="2000" b="1" dirty="0"/>
             </a:p>
           </p:txBody>
         </p:sp>
@@ -9481,6 +9946,7 @@
               <a:rPr lang="zh-CN" altLang="en-US" dirty="0"/>
               <a:t>整体总结</a:t>
             </a:r>
+            <a:endParaRPr lang="zh-CN" altLang="en-US" dirty="0"/>
           </a:p>
         </p:txBody>
       </p:sp>
@@ -9515,6 +9981,7 @@
               <a:rPr lang="zh-CN" altLang="en-US" sz="2400" b="1" dirty="0"/>
               <a:t>技术性工作</a:t>
             </a:r>
+            <a:endParaRPr lang="zh-CN" altLang="en-US" sz="2400" b="1" dirty="0"/>
           </a:p>
           <a:p>
             <a:pPr fontAlgn="auto">
@@ -9530,6 +9997,7 @@
               <a:rPr lang="zh-CN" altLang="en-US" sz="2400" b="1" dirty="0"/>
               <a:t>、基本避障功能</a:t>
             </a:r>
+            <a:endParaRPr lang="zh-CN" altLang="en-US" sz="2400" b="1" dirty="0"/>
           </a:p>
           <a:p>
             <a:pPr fontAlgn="auto">
@@ -9541,6 +10009,7 @@
               <a:rPr lang="zh-CN" altLang="en-US" sz="2400" dirty="0"/>
               <a:t>实现了在路径规划后，导航行进的过程中遇障急停；</a:t>
             </a:r>
+            <a:endParaRPr lang="zh-CN" altLang="en-US" sz="2400" dirty="0"/>
           </a:p>
           <a:p>
             <a:pPr fontAlgn="auto">
@@ -9556,6 +10025,7 @@
               <a:rPr lang="zh-CN" altLang="en-US" sz="2400" b="1" dirty="0"/>
               <a:t>、路径规划型</a:t>
             </a:r>
+            <a:endParaRPr lang="zh-CN" altLang="en-US" sz="2400" b="1" dirty="0"/>
           </a:p>
           <a:p>
             <a:pPr fontAlgn="auto">
@@ -9567,6 +10037,7 @@
               <a:rPr lang="zh-CN" altLang="en-US" sz="2400" dirty="0"/>
               <a:t>实现了在设置好的多个导航点之间巡航，且在巡航过程中可以遇障急停；</a:t>
             </a:r>
+            <a:endParaRPr lang="zh-CN" altLang="en-US" sz="2400" dirty="0"/>
           </a:p>
           <a:p>
             <a:pPr fontAlgn="auto">
@@ -9582,6 +10053,7 @@
               <a:rPr lang="zh-CN" altLang="en-US" sz="2400" b="1" dirty="0"/>
               <a:t>、目标检测及抓取型</a:t>
             </a:r>
+            <a:endParaRPr lang="zh-CN" altLang="en-US" sz="2400" b="1" dirty="0"/>
           </a:p>
           <a:p>
             <a:pPr fontAlgn="auto">
@@ -9593,6 +10065,7 @@
               <a:rPr lang="zh-CN" altLang="en-US" sz="2400" dirty="0"/>
               <a:t>实现了可以在用户发出指令后，抓取指定物体；</a:t>
             </a:r>
+            <a:endParaRPr lang="zh-CN" altLang="en-US" sz="2400" dirty="0"/>
           </a:p>
         </p:txBody>
       </p:sp>
@@ -9640,6 +10113,7 @@
               <a:rPr lang="zh-CN" altLang="en-US" dirty="0"/>
               <a:t>整体总结</a:t>
             </a:r>
+            <a:endParaRPr lang="zh-CN" altLang="en-US" dirty="0"/>
           </a:p>
         </p:txBody>
       </p:sp>
@@ -9674,6 +10148,7 @@
               <a:rPr lang="zh-CN" altLang="en-US" sz="2400" b="1"/>
               <a:t>管理型工作</a:t>
             </a:r>
+            <a:endParaRPr lang="zh-CN" altLang="en-US" sz="2400" b="1"/>
           </a:p>
           <a:p>
             <a:pPr fontAlgn="auto">
@@ -9689,6 +10164,7 @@
               <a:rPr lang="zh-CN" altLang="en-US" sz="2400"/>
               <a:t>、较好地完成各类文档的撰写；</a:t>
             </a:r>
+            <a:endParaRPr lang="zh-CN" altLang="en-US" sz="2400"/>
           </a:p>
           <a:p>
             <a:pPr fontAlgn="auto">
@@ -9704,6 +10180,7 @@
               <a:rPr lang="zh-CN" altLang="en-US" sz="2400"/>
               <a:t>、较好地完成了每次迭代的推进与问题查改；</a:t>
             </a:r>
+            <a:endParaRPr lang="zh-CN" altLang="en-US" sz="2400"/>
           </a:p>
           <a:p>
             <a:pPr fontAlgn="auto">
@@ -9727,6 +10204,7 @@
               <a:rPr lang="zh-CN" altLang="en-US" sz="2400"/>
               <a:t>平台的问题系统；</a:t>
             </a:r>
+            <a:endParaRPr lang="zh-CN" altLang="en-US" sz="2400"/>
           </a:p>
           <a:p>
             <a:pPr fontAlgn="auto">
@@ -9750,6 +10228,7 @@
               <a:rPr lang="zh-CN" altLang="en-US" sz="2400"/>
               <a:t>平台的看板系统；</a:t>
             </a:r>
+            <a:endParaRPr lang="zh-CN" altLang="en-US" sz="2400"/>
           </a:p>
           <a:p>
             <a:pPr fontAlgn="auto">
@@ -9828,6 +10307,7 @@
               <a:rPr lang="zh-CN" altLang="en-US" sz="2000" dirty="0"/>
               <a:t>技术线</a:t>
             </a:r>
+            <a:endParaRPr lang="zh-CN" altLang="en-US" sz="2000" dirty="0"/>
           </a:p>
         </p:txBody>
       </p:sp>
@@ -9923,6 +10403,7 @@
               <a:rPr lang="zh-CN" altLang="en-US" dirty="0"/>
               <a:t>技术线</a:t>
             </a:r>
+            <a:endParaRPr lang="zh-CN" altLang="en-US" dirty="0"/>
           </a:p>
         </p:txBody>
       </p:sp>
@@ -9994,7 +10475,6 @@
             <a:lstStyle/>
             <a:p>
               <a:pPr algn="ctr"/>
-              <a:endParaRPr/>
             </a:p>
           </p:txBody>
         </p:sp>
@@ -10109,7 +10589,6 @@
             <a:lstStyle/>
             <a:p>
               <a:pPr algn="ctr"/>
-              <a:endParaRPr/>
             </a:p>
           </p:txBody>
         </p:sp>
@@ -10224,7 +10703,6 @@
             <a:lstStyle/>
             <a:p>
               <a:pPr algn="ctr"/>
-              <a:endParaRPr/>
             </a:p>
           </p:txBody>
         </p:sp>
@@ -10324,6 +10802,7 @@
               <a:rPr lang="zh-CN" altLang="en-US" dirty="0"/>
               <a:t>技术线</a:t>
             </a:r>
+            <a:endParaRPr lang="zh-CN" altLang="en-US" dirty="0"/>
           </a:p>
         </p:txBody>
       </p:sp>
@@ -10386,62 +10865,6 @@
               </a:rPr>
               <a:t>、优化、调整现有功能</a:t>
             </a:r>
-          </a:p>
-          <a:p>
-            <a:pPr algn="l" fontAlgn="auto">
-              <a:lnSpc>
-                <a:spcPct val="150000"/>
-              </a:lnSpc>
-            </a:pPr>
-            <a:r>
-              <a:rPr lang="zh-CN" altLang="en-US" sz="2400" dirty="0">
-                <a:ln w="0"/>
-                <a:effectLst>
-                  <a:outerShdw blurRad="38100" dist="19050" dir="2700000" algn="tl" rotWithShape="0">
-                    <a:schemeClr val="dk1">
-                      <a:alpha val="40000"/>
-                    </a:schemeClr>
-                  </a:outerShdw>
-                </a:effectLst>
-                <a:sym typeface="+mn-ea"/>
-              </a:rPr>
-              <a:t>调整了抓取函数中的参数，提高抓取成功率；</a:t>
-            </a:r>
-          </a:p>
-          <a:p>
-            <a:pPr algn="l" fontAlgn="auto">
-              <a:lnSpc>
-                <a:spcPct val="150000"/>
-              </a:lnSpc>
-            </a:pPr>
-            <a:r>
-              <a:rPr lang="en-US" altLang="zh-CN" sz="2400" dirty="0">
-                <a:ln w="0"/>
-                <a:effectLst>
-                  <a:outerShdw blurRad="38100" dist="19050" dir="2700000" algn="tl" rotWithShape="0">
-                    <a:schemeClr val="dk1">
-                      <a:alpha val="40000"/>
-                    </a:schemeClr>
-                  </a:outerShdw>
-                </a:effectLst>
-                <a:sym typeface="+mn-ea"/>
-              </a:rPr>
-              <a:t>2</a:t>
-            </a:r>
-            <a:r>
-              <a:rPr lang="zh-CN" altLang="en-US" sz="2400" dirty="0">
-                <a:ln w="0"/>
-                <a:effectLst>
-                  <a:outerShdw blurRad="38100" dist="19050" dir="2700000" algn="tl" rotWithShape="0">
-                    <a:schemeClr val="dk1">
-                      <a:alpha val="40000"/>
-                    </a:schemeClr>
-                  </a:outerShdw>
-                </a:effectLst>
-                <a:sym typeface="+mn-ea"/>
-              </a:rPr>
-              <a:t>、基于例程，重新设计、组合已有功能</a:t>
-            </a:r>
             <a:endParaRPr lang="zh-CN" altLang="en-US" sz="2400" b="0" cap="none" spc="0" dirty="0">
               <a:ln w="0"/>
               <a:solidFill>
@@ -10474,8 +10897,99 @@
                 </a:effectLst>
                 <a:sym typeface="+mn-ea"/>
               </a:rPr>
+              <a:t>调整了抓取函数中的参数，提高抓取成功率；</a:t>
+            </a:r>
+            <a:endParaRPr lang="zh-CN" altLang="en-US" sz="2400" dirty="0">
+              <a:ln w="0"/>
+              <a:effectLst>
+                <a:outerShdw blurRad="38100" dist="19050" dir="2700000" algn="tl" rotWithShape="0">
+                  <a:schemeClr val="dk1">
+                    <a:alpha val="40000"/>
+                  </a:schemeClr>
+                </a:outerShdw>
+              </a:effectLst>
+              <a:sym typeface="+mn-ea"/>
+            </a:endParaRPr>
+          </a:p>
+          <a:p>
+            <a:pPr algn="l" fontAlgn="auto">
+              <a:lnSpc>
+                <a:spcPct val="150000"/>
+              </a:lnSpc>
+            </a:pPr>
+            <a:r>
+              <a:rPr lang="en-US" altLang="zh-CN" sz="2400" dirty="0">
+                <a:ln w="0"/>
+                <a:effectLst>
+                  <a:outerShdw blurRad="38100" dist="19050" dir="2700000" algn="tl" rotWithShape="0">
+                    <a:schemeClr val="dk1">
+                      <a:alpha val="40000"/>
+                    </a:schemeClr>
+                  </a:outerShdw>
+                </a:effectLst>
+                <a:sym typeface="+mn-ea"/>
+              </a:rPr>
+              <a:t>2</a:t>
+            </a:r>
+            <a:r>
+              <a:rPr lang="zh-CN" altLang="en-US" sz="2400" dirty="0">
+                <a:ln w="0"/>
+                <a:effectLst>
+                  <a:outerShdw blurRad="38100" dist="19050" dir="2700000" algn="tl" rotWithShape="0">
+                    <a:schemeClr val="dk1">
+                      <a:alpha val="40000"/>
+                    </a:schemeClr>
+                  </a:outerShdw>
+                </a:effectLst>
+                <a:sym typeface="+mn-ea"/>
+              </a:rPr>
+              <a:t>、基于例程，重新设计、组合已有功能</a:t>
+            </a:r>
+            <a:endParaRPr lang="zh-CN" altLang="en-US" sz="2400" b="0" cap="none" spc="0" dirty="0">
+              <a:ln w="0"/>
+              <a:solidFill>
+                <a:schemeClr val="tx1"/>
+              </a:solidFill>
+              <a:effectLst>
+                <a:outerShdw blurRad="38100" dist="19050" dir="2700000" algn="tl" rotWithShape="0">
+                  <a:schemeClr val="dk1">
+                    <a:alpha val="40000"/>
+                  </a:schemeClr>
+                </a:outerShdw>
+              </a:effectLst>
+            </a:endParaRPr>
+          </a:p>
+          <a:p>
+            <a:pPr algn="l" fontAlgn="auto">
+              <a:lnSpc>
+                <a:spcPct val="150000"/>
+              </a:lnSpc>
+            </a:pPr>
+            <a:r>
+              <a:rPr lang="zh-CN" altLang="en-US" sz="2400" dirty="0">
+                <a:ln w="0"/>
+                <a:effectLst>
+                  <a:outerShdw blurRad="38100" dist="19050" dir="2700000" algn="tl" rotWithShape="0">
+                    <a:schemeClr val="dk1">
+                      <a:alpha val="40000"/>
+                    </a:schemeClr>
+                  </a:outerShdw>
+                </a:effectLst>
+                <a:sym typeface="+mn-ea"/>
+              </a:rPr>
               <a:t>任务脚本系统；</a:t>
             </a:r>
+            <a:endParaRPr lang="zh-CN" altLang="en-US" sz="2400" dirty="0">
+              <a:ln w="0"/>
+              <a:effectLst>
+                <a:outerShdw blurRad="38100" dist="19050" dir="2700000" algn="tl" rotWithShape="0">
+                  <a:schemeClr val="dk1">
+                    <a:alpha val="40000"/>
+                  </a:schemeClr>
+                </a:outerShdw>
+              </a:effectLst>
+              <a:sym typeface="+mn-ea"/>
+            </a:endParaRPr>
           </a:p>
           <a:p>
             <a:pPr algn="l" fontAlgn="auto">
@@ -10497,6 +11011,17 @@
               </a:rPr>
               <a:t>跟随模式，实时建图与导航；</a:t>
             </a:r>
+            <a:endParaRPr lang="zh-CN" altLang="en-US" sz="2400" dirty="0">
+              <a:ln w="0"/>
+              <a:effectLst>
+                <a:outerShdw blurRad="38100" dist="19050" dir="2700000" algn="tl" rotWithShape="0">
+                  <a:schemeClr val="dk1">
+                    <a:alpha val="40000"/>
+                  </a:schemeClr>
+                </a:outerShdw>
+              </a:effectLst>
+              <a:sym typeface="+mn-ea"/>
+            </a:endParaRPr>
           </a:p>
           <a:p>
             <a:pPr algn="l" fontAlgn="auto">
@@ -10640,6 +11165,7 @@
               <a:rPr lang="zh-CN" altLang="en-US" dirty="0"/>
               <a:t>技术线</a:t>
             </a:r>
+            <a:endParaRPr lang="zh-CN" altLang="en-US" dirty="0"/>
           </a:p>
         </p:txBody>
       </p:sp>
@@ -10686,6 +11212,19 @@
               </a:rPr>
               <a:t>在已有功能基础上，添加新功能</a:t>
             </a:r>
+            <a:endParaRPr lang="zh-CN" altLang="en-US" sz="2400" b="0" cap="none" spc="0" dirty="0">
+              <a:ln w="0"/>
+              <a:solidFill>
+                <a:schemeClr val="tx1"/>
+              </a:solidFill>
+              <a:effectLst>
+                <a:outerShdw blurRad="38100" dist="19050" dir="2700000" algn="tl" rotWithShape="0">
+                  <a:schemeClr val="dk1">
+                    <a:alpha val="40000"/>
+                  </a:schemeClr>
+                </a:outerShdw>
+              </a:effectLst>
+            </a:endParaRPr>
           </a:p>
           <a:p>
             <a:pPr algn="l" fontAlgn="auto">
@@ -10766,7 +11305,7 @@
           <p:nvPr/>
         </p:nvPicPr>
         <p:blipFill rotWithShape="1">
-          <a:blip r:embed="rId2">
+          <a:blip r:embed="rId1">
             <a:extLst>
               <a:ext uri="{28A0092B-C50C-407E-A947-70E740481C1C}">
                 <a14:useLocalDpi xmlns:a14="http://schemas.microsoft.com/office/drawing/2010/main" val="0"/>
@@ -10797,7 +11336,7 @@
           <p:nvPr/>
         </p:nvPicPr>
         <p:blipFill>
-          <a:blip r:embed="rId3" cstate="print">
+          <a:blip r:embed="rId2" cstate="print">
             <a:extLst>
               <a:ext uri="{28A0092B-C50C-407E-A947-70E740481C1C}">
                 <a14:useLocalDpi xmlns:a14="http://schemas.microsoft.com/office/drawing/2010/main" val="0"/>
@@ -10958,6 +11497,7 @@
               <a:rPr lang="zh-CN" altLang="en-US" dirty="0"/>
               <a:t>定点巡逻</a:t>
             </a:r>
+            <a:endParaRPr lang="zh-CN" altLang="en-US" dirty="0"/>
           </a:p>
         </p:txBody>
       </p:sp>
@@ -11009,6 +11549,7 @@
               <a:rPr lang="zh-CN" altLang="en-US" dirty="0"/>
               <a:t>抓取物体</a:t>
             </a:r>
+            <a:endParaRPr lang="zh-CN" altLang="en-US" dirty="0"/>
           </a:p>
         </p:txBody>
       </p:sp>
@@ -11060,6 +11601,7 @@
               <a:rPr lang="zh-CN" altLang="en-US" dirty="0"/>
               <a:t>建图及保存</a:t>
             </a:r>
+            <a:endParaRPr lang="zh-CN" altLang="en-US" dirty="0"/>
           </a:p>
         </p:txBody>
       </p:sp>
@@ -11175,6 +11717,7 @@
               <a:rPr lang="zh-CN" altLang="en-US" dirty="0"/>
               <a:t>跟随模式</a:t>
             </a:r>
+            <a:endParaRPr lang="zh-CN" altLang="en-US" dirty="0"/>
           </a:p>
         </p:txBody>
       </p:sp>
@@ -11285,16 +11828,16 @@
 </file>
 
 <file path=ppt/tags/tag1.xml><?xml version="1.0" encoding="utf-8"?>
-<p:tagLst xmlns:a="http://schemas.openxmlformats.org/drawingml/2006/main" xmlns:r="http://schemas.openxmlformats.org/officeDocument/2006/relationships" xmlns:p="http://schemas.openxmlformats.org/presentationml/2006/main">
-  <p:tag name="ISLIDE TOOLS.GUIDESSETTING" val="{&quot;Id&quot;:&quot;2d4375ee-8516-45e0-8956-45702a61a9b6&quot;,&quot;Name&quot;:&quot;iSlide&quot;,&quot;HeaderHeight&quot;:15.0,&quot;FooterHeight&quot;:9.0000000000000036,&quot;SideMargin&quot;:5.4999999999999982,&quot;TopMargin&quot;:0.0,&quot;BottomMargin&quot;:0.0,&quot;IntervalMargin&quot;:1.3999999999999997}"/>
-  <p:tag name="ISLIDE.GUIDESSETTING" val="{&quot;Id&quot;:&quot;GuidesStyle_Normal&quot;,&quot;Name&quot;:&quot;正常&quot;,&quot;HeaderHeight&quot;:15.0,&quot;FooterHeight&quot;:9.0,&quot;SideMargin&quot;:5.5,&quot;TopMargin&quot;:0.0,&quot;BottomMargin&quot;:0.0,&quot;IntervalMargin&quot;:1.5}"/>
-  <p:tag name="ISLIDE.THEME" val="439031c0-57b2-43ea-9fab-3192a86c5924"/>
+<p:tagLst xmlns:p="http://schemas.openxmlformats.org/presentationml/2006/main">
+  <p:tag name="ISLIDE.DIAGRAM" val="f48ef244-3850-4800-9882-63d3c6849d33"/>
 </p:tagLst>
 </file>
 
 <file path=ppt/tags/tag2.xml><?xml version="1.0" encoding="utf-8"?>
-<p:tagLst xmlns:a="http://schemas.openxmlformats.org/drawingml/2006/main" xmlns:r="http://schemas.openxmlformats.org/officeDocument/2006/relationships" xmlns:p="http://schemas.openxmlformats.org/presentationml/2006/main">
-  <p:tag name="ISLIDE.DIAGRAM" val="f48ef244-3850-4800-9882-63d3c6849d33"/>
+<p:tagLst xmlns:p="http://schemas.openxmlformats.org/presentationml/2006/main">
+  <p:tag name="ISLIDE TOOLS.GUIDESSETTING" val="{&quot;Id&quot;:&quot;2d4375ee-8516-45e0-8956-45702a61a9b6&quot;,&quot;Name&quot;:&quot;iSlide&quot;,&quot;HeaderHeight&quot;:15.0,&quot;FooterHeight&quot;:9.0000000000000036,&quot;SideMargin&quot;:5.4999999999999982,&quot;TopMargin&quot;:0.0,&quot;BottomMargin&quot;:0.0,&quot;IntervalMargin&quot;:1.3999999999999997}"/>
+  <p:tag name="ISLIDE.GUIDESSETTING" val="{&quot;Id&quot;:&quot;GuidesStyle_Normal&quot;,&quot;Name&quot;:&quot;正常&quot;,&quot;HeaderHeight&quot;:15.0,&quot;FooterHeight&quot;:9.0,&quot;SideMargin&quot;:5.5,&quot;TopMargin&quot;:0.0,&quot;BottomMargin&quot;:0.0,&quot;IntervalMargin&quot;:1.5}"/>
+  <p:tag name="ISLIDE.THEME" val="439031c0-57b2-43ea-9fab-3192a86c5924"/>
 </p:tagLst>
 </file>
 
@@ -11489,8 +12032,6 @@
       </a:bgFillStyleLst>
     </a:fmtScheme>
   </a:themeElements>
-  <a:objectDefaults/>
-  <a:extraClrSchemeLst/>
   <a:extLst>
     <a:ext uri="{05A4C25C-085E-4340-85A3-A5531E510DB2}">
       <thm15:themeFamily xmlns:thm15="http://schemas.microsoft.com/office/thememl/2012/main" name="Office Theme" id="{62F939B6-93AF-4DB8-9C6B-D6C7DFDC589F}" vid="{4A3C46E8-61CC-4603-A589-7422A47A8E4A}"/>
@@ -11750,8 +12291,6 @@
       </a:bgFillStyleLst>
     </a:fmtScheme>
   </a:themeElements>
-  <a:objectDefaults/>
-  <a:extraClrSchemeLst/>
   <a:extLst>
     <a:ext uri="{05A4C25C-085E-4340-85A3-A5531E510DB2}">
       <thm15:themeFamily xmlns:thm15="http://schemas.microsoft.com/office/thememl/2012/main" name="Office Theme" id="{62F939B6-93AF-4DB8-9C6B-D6C7DFDC589F}" vid="{4A3C46E8-61CC-4603-A589-7422A47A8E4A}"/>
